--- a/PrimerNotes.pptx
+++ b/PrimerNotes.pptx
@@ -13,6 +13,8 @@
     <p:sldId id="261" r:id="rId7"/>
     <p:sldId id="262" r:id="rId8"/>
     <p:sldId id="263" r:id="rId9"/>
+    <p:sldId id="264" r:id="rId10"/>
+    <p:sldId id="265" r:id="rId11"/>
   </p:sldIdLst>
   <p:sldSz cx="12192000" cy="6858000"/>
   <p:notesSz cx="6858000" cy="9144000"/>
@@ -111,6 +113,11 @@
       </a:defRPr>
     </a:lvl9pPr>
   </p:defaultTextStyle>
+  <p:extLst>
+    <p:ext uri="{EFAFB233-063F-42B5-8137-9DF3F51BA10A}">
+      <p15:sldGuideLst xmlns:p15="http://schemas.microsoft.com/office/powerpoint/2012/main"/>
+    </p:ext>
+  </p:extLst>
 </p:presentation>
 </file>
 
@@ -3394,6 +3401,110 @@
 </p:sld>
 </file>
 
+<file path=ppt/slides/slide10.xml><?xml version="1.0" encoding="utf-8"?>
+<p:sld xmlns:a="http://schemas.openxmlformats.org/drawingml/2006/main" xmlns:r="http://schemas.openxmlformats.org/officeDocument/2006/relationships" xmlns:p="http://schemas.openxmlformats.org/presentationml/2006/main">
+  <p:cSld>
+    <p:spTree>
+      <p:nvGrpSpPr>
+        <p:cNvPr id="1" name=""/>
+        <p:cNvGrpSpPr/>
+        <p:nvPr/>
+      </p:nvGrpSpPr>
+      <p:grpSpPr>
+        <a:xfrm>
+          <a:off x="0" y="0"/>
+          <a:ext cx="0" cy="0"/>
+          <a:chOff x="0" y="0"/>
+          <a:chExt cx="0" cy="0"/>
+        </a:xfrm>
+      </p:grpSpPr>
+      <p:sp>
+        <p:nvSpPr>
+          <p:cNvPr id="2" name="Title 1">
+            <a:extLst>
+              <a:ext uri="{FF2B5EF4-FFF2-40B4-BE49-F238E27FC236}">
+                <a16:creationId xmlns:a16="http://schemas.microsoft.com/office/drawing/2014/main" id="{463C205E-B8F0-4C3B-B1DF-11A6EBF4A7F8}"/>
+              </a:ext>
+            </a:extLst>
+          </p:cNvPr>
+          <p:cNvSpPr>
+            <a:spLocks noGrp="1"/>
+          </p:cNvSpPr>
+          <p:nvPr>
+            <p:ph type="title"/>
+          </p:nvPr>
+        </p:nvSpPr>
+        <p:spPr/>
+        <p:txBody>
+          <a:bodyPr/>
+          <a:lstStyle/>
+          <a:p>
+            <a:r>
+              <a:rPr lang="en-US" dirty="0"/>
+              <a:t>RTM</a:t>
+            </a:r>
+          </a:p>
+        </p:txBody>
+      </p:sp>
+      <p:sp>
+        <p:nvSpPr>
+          <p:cNvPr id="3" name="Content Placeholder 2">
+            <a:extLst>
+              <a:ext uri="{FF2B5EF4-FFF2-40B4-BE49-F238E27FC236}">
+                <a16:creationId xmlns:a16="http://schemas.microsoft.com/office/drawing/2014/main" id="{075B7B49-73F7-4B7F-A38C-8AED11808EB8}"/>
+              </a:ext>
+            </a:extLst>
+          </p:cNvPr>
+          <p:cNvSpPr>
+            <a:spLocks noGrp="1"/>
+          </p:cNvSpPr>
+          <p:nvPr>
+            <p:ph idx="1"/>
+          </p:nvPr>
+        </p:nvSpPr>
+        <p:spPr/>
+        <p:txBody>
+          <a:bodyPr/>
+          <a:lstStyle/>
+          <a:p>
+            <a:r>
+              <a:rPr lang="en-US" dirty="0"/>
+              <a:t>Requirements Traceability Matrix outlines all test cases and compares them to the desired requirements</a:t>
+            </a:r>
+          </a:p>
+          <a:p>
+            <a:r>
+              <a:rPr lang="en-US" dirty="0"/>
+              <a:t>It marks if they have passed or failed their test</a:t>
+            </a:r>
+          </a:p>
+          <a:p>
+            <a:r>
+              <a:rPr lang="en-US" dirty="0"/>
+              <a:t>Single location where you can show that you succeeded at your job as tester</a:t>
+            </a:r>
+          </a:p>
+          <a:p>
+            <a:r>
+              <a:rPr lang="en-US" dirty="0"/>
+              <a:t>https://www.guru99.com/traceability-matrix.html</a:t>
+            </a:r>
+          </a:p>
+        </p:txBody>
+      </p:sp>
+    </p:spTree>
+    <p:extLst>
+      <p:ext uri="{BB962C8B-B14F-4D97-AF65-F5344CB8AC3E}">
+        <p14:creationId xmlns:p14="http://schemas.microsoft.com/office/powerpoint/2010/main" val="1856527610"/>
+      </p:ext>
+    </p:extLst>
+  </p:cSld>
+  <p:clrMapOvr>
+    <a:masterClrMapping/>
+  </p:clrMapOvr>
+</p:sld>
+</file>
+
 <file path=ppt/slides/slide2.xml><?xml version="1.0" encoding="utf-8"?>
 <p:sld xmlns:a="http://schemas.openxmlformats.org/drawingml/2006/main" xmlns:r="http://schemas.openxmlformats.org/officeDocument/2006/relationships" xmlns:p="http://schemas.openxmlformats.org/presentationml/2006/main">
   <p:cSld>
@@ -4341,6 +4452,110 @@
     <p:extLst>
       <p:ext uri="{BB962C8B-B14F-4D97-AF65-F5344CB8AC3E}">
         <p14:creationId xmlns:p14="http://schemas.microsoft.com/office/powerpoint/2010/main" val="2133197452"/>
+      </p:ext>
+    </p:extLst>
+  </p:cSld>
+  <p:clrMapOvr>
+    <a:masterClrMapping/>
+  </p:clrMapOvr>
+</p:sld>
+</file>
+
+<file path=ppt/slides/slide9.xml><?xml version="1.0" encoding="utf-8"?>
+<p:sld xmlns:a="http://schemas.openxmlformats.org/drawingml/2006/main" xmlns:r="http://schemas.openxmlformats.org/officeDocument/2006/relationships" xmlns:p="http://schemas.openxmlformats.org/presentationml/2006/main">
+  <p:cSld>
+    <p:spTree>
+      <p:nvGrpSpPr>
+        <p:cNvPr id="1" name=""/>
+        <p:cNvGrpSpPr/>
+        <p:nvPr/>
+      </p:nvGrpSpPr>
+      <p:grpSpPr>
+        <a:xfrm>
+          <a:off x="0" y="0"/>
+          <a:ext cx="0" cy="0"/>
+          <a:chOff x="0" y="0"/>
+          <a:chExt cx="0" cy="0"/>
+        </a:xfrm>
+      </p:grpSpPr>
+      <p:sp>
+        <p:nvSpPr>
+          <p:cNvPr id="2" name="Title 1">
+            <a:extLst>
+              <a:ext uri="{FF2B5EF4-FFF2-40B4-BE49-F238E27FC236}">
+                <a16:creationId xmlns:a16="http://schemas.microsoft.com/office/drawing/2014/main" id="{232B095C-10CE-4597-A93B-9A6851EFE83E}"/>
+              </a:ext>
+            </a:extLst>
+          </p:cNvPr>
+          <p:cNvSpPr>
+            <a:spLocks noGrp="1"/>
+          </p:cNvSpPr>
+          <p:nvPr>
+            <p:ph type="title"/>
+          </p:nvPr>
+        </p:nvSpPr>
+        <p:spPr/>
+        <p:txBody>
+          <a:bodyPr/>
+          <a:lstStyle/>
+          <a:p>
+            <a:r>
+              <a:rPr lang="en-US" dirty="0"/>
+              <a:t>Test Case Document</a:t>
+            </a:r>
+          </a:p>
+        </p:txBody>
+      </p:sp>
+      <p:sp>
+        <p:nvSpPr>
+          <p:cNvPr id="3" name="Content Placeholder 2">
+            <a:extLst>
+              <a:ext uri="{FF2B5EF4-FFF2-40B4-BE49-F238E27FC236}">
+                <a16:creationId xmlns:a16="http://schemas.microsoft.com/office/drawing/2014/main" id="{9311785E-1C79-433F-8415-5101E8B435D2}"/>
+              </a:ext>
+            </a:extLst>
+          </p:cNvPr>
+          <p:cNvSpPr>
+            <a:spLocks noGrp="1"/>
+          </p:cNvSpPr>
+          <p:nvPr>
+            <p:ph idx="1"/>
+          </p:nvPr>
+        </p:nvSpPr>
+        <p:spPr/>
+        <p:txBody>
+          <a:bodyPr/>
+          <a:lstStyle/>
+          <a:p>
+            <a:r>
+              <a:rPr lang="en-US" dirty="0"/>
+              <a:t>Outlines all of the specific test cases for all user stories</a:t>
+            </a:r>
+          </a:p>
+          <a:p>
+            <a:r>
+              <a:rPr lang="en-US" dirty="0"/>
+              <a:t>Useful for the RTM</a:t>
+            </a:r>
+          </a:p>
+          <a:p>
+            <a:r>
+              <a:rPr lang="en-US" dirty="0"/>
+              <a:t>You don’t have to go into code base to have knowledge of what tests are exiting and if they pass or not, etc.</a:t>
+            </a:r>
+          </a:p>
+          <a:p>
+            <a:r>
+              <a:rPr lang="en-US" dirty="0"/>
+              <a:t>https://www.guru99.com/download-sample-test-case-template-with-explanation-of-important-fields.html</a:t>
+            </a:r>
+          </a:p>
+        </p:txBody>
+      </p:sp>
+    </p:spTree>
+    <p:extLst>
+      <p:ext uri="{BB962C8B-B14F-4D97-AF65-F5344CB8AC3E}">
+        <p14:creationId xmlns:p14="http://schemas.microsoft.com/office/powerpoint/2010/main" val="703996887"/>
       </p:ext>
     </p:extLst>
   </p:cSld>

--- a/PrimerNotes.pptx
+++ b/PrimerNotes.pptx
@@ -15,6 +15,8 @@
     <p:sldId id="263" r:id="rId9"/>
     <p:sldId id="264" r:id="rId10"/>
     <p:sldId id="265" r:id="rId11"/>
+    <p:sldId id="266" r:id="rId12"/>
+    <p:sldId id="267" r:id="rId13"/>
   </p:sldIdLst>
   <p:sldSz cx="12192000" cy="6858000"/>
   <p:notesSz cx="6858000" cy="9144000"/>
@@ -268,7 +270,7 @@
           <a:p>
             <a:fld id="{AE0E715C-AA47-451B-8428-51E0E470A79D}" type="datetimeFigureOut">
               <a:rPr lang="en-US" smtClean="0"/>
-              <a:t>3/24/2021</a:t>
+              <a:t>3/26/2021</a:t>
             </a:fld>
             <a:endParaRPr lang="en-US"/>
           </a:p>
@@ -466,7 +468,7 @@
           <a:p>
             <a:fld id="{AE0E715C-AA47-451B-8428-51E0E470A79D}" type="datetimeFigureOut">
               <a:rPr lang="en-US" smtClean="0"/>
-              <a:t>3/24/2021</a:t>
+              <a:t>3/26/2021</a:t>
             </a:fld>
             <a:endParaRPr lang="en-US"/>
           </a:p>
@@ -674,7 +676,7 @@
           <a:p>
             <a:fld id="{AE0E715C-AA47-451B-8428-51E0E470A79D}" type="datetimeFigureOut">
               <a:rPr lang="en-US" smtClean="0"/>
-              <a:t>3/24/2021</a:t>
+              <a:t>3/26/2021</a:t>
             </a:fld>
             <a:endParaRPr lang="en-US"/>
           </a:p>
@@ -872,7 +874,7 @@
           <a:p>
             <a:fld id="{AE0E715C-AA47-451B-8428-51E0E470A79D}" type="datetimeFigureOut">
               <a:rPr lang="en-US" smtClean="0"/>
-              <a:t>3/24/2021</a:t>
+              <a:t>3/26/2021</a:t>
             </a:fld>
             <a:endParaRPr lang="en-US"/>
           </a:p>
@@ -1147,7 +1149,7 @@
           <a:p>
             <a:fld id="{AE0E715C-AA47-451B-8428-51E0E470A79D}" type="datetimeFigureOut">
               <a:rPr lang="en-US" smtClean="0"/>
-              <a:t>3/24/2021</a:t>
+              <a:t>3/26/2021</a:t>
             </a:fld>
             <a:endParaRPr lang="en-US"/>
           </a:p>
@@ -1412,7 +1414,7 @@
           <a:p>
             <a:fld id="{AE0E715C-AA47-451B-8428-51E0E470A79D}" type="datetimeFigureOut">
               <a:rPr lang="en-US" smtClean="0"/>
-              <a:t>3/24/2021</a:t>
+              <a:t>3/26/2021</a:t>
             </a:fld>
             <a:endParaRPr lang="en-US"/>
           </a:p>
@@ -1824,7 +1826,7 @@
           <a:p>
             <a:fld id="{AE0E715C-AA47-451B-8428-51E0E470A79D}" type="datetimeFigureOut">
               <a:rPr lang="en-US" smtClean="0"/>
-              <a:t>3/24/2021</a:t>
+              <a:t>3/26/2021</a:t>
             </a:fld>
             <a:endParaRPr lang="en-US"/>
           </a:p>
@@ -1965,7 +1967,7 @@
           <a:p>
             <a:fld id="{AE0E715C-AA47-451B-8428-51E0E470A79D}" type="datetimeFigureOut">
               <a:rPr lang="en-US" smtClean="0"/>
-              <a:t>3/24/2021</a:t>
+              <a:t>3/26/2021</a:t>
             </a:fld>
             <a:endParaRPr lang="en-US"/>
           </a:p>
@@ -2078,7 +2080,7 @@
           <a:p>
             <a:fld id="{AE0E715C-AA47-451B-8428-51E0E470A79D}" type="datetimeFigureOut">
               <a:rPr lang="en-US" smtClean="0"/>
-              <a:t>3/24/2021</a:t>
+              <a:t>3/26/2021</a:t>
             </a:fld>
             <a:endParaRPr lang="en-US"/>
           </a:p>
@@ -2389,7 +2391,7 @@
           <a:p>
             <a:fld id="{AE0E715C-AA47-451B-8428-51E0E470A79D}" type="datetimeFigureOut">
               <a:rPr lang="en-US" smtClean="0"/>
-              <a:t>3/24/2021</a:t>
+              <a:t>3/26/2021</a:t>
             </a:fld>
             <a:endParaRPr lang="en-US"/>
           </a:p>
@@ -2677,7 +2679,7 @@
           <a:p>
             <a:fld id="{AE0E715C-AA47-451B-8428-51E0E470A79D}" type="datetimeFigureOut">
               <a:rPr lang="en-US" smtClean="0"/>
-              <a:t>3/24/2021</a:t>
+              <a:t>3/26/2021</a:t>
             </a:fld>
             <a:endParaRPr lang="en-US"/>
           </a:p>
@@ -2918,7 +2920,7 @@
           <a:p>
             <a:fld id="{AE0E715C-AA47-451B-8428-51E0E470A79D}" type="datetimeFigureOut">
               <a:rPr lang="en-US" smtClean="0"/>
-              <a:t>3/24/2021</a:t>
+              <a:t>3/26/2021</a:t>
             </a:fld>
             <a:endParaRPr lang="en-US"/>
           </a:p>
@@ -3505,6 +3507,553 @@
 </p:sld>
 </file>
 
+<file path=ppt/slides/slide11.xml><?xml version="1.0" encoding="utf-8"?>
+<p:sld xmlns:a="http://schemas.openxmlformats.org/drawingml/2006/main" xmlns:r="http://schemas.openxmlformats.org/officeDocument/2006/relationships" xmlns:p="http://schemas.openxmlformats.org/presentationml/2006/main">
+  <p:cSld>
+    <p:spTree>
+      <p:nvGrpSpPr>
+        <p:cNvPr id="1" name=""/>
+        <p:cNvGrpSpPr/>
+        <p:nvPr/>
+      </p:nvGrpSpPr>
+      <p:grpSpPr>
+        <a:xfrm>
+          <a:off x="0" y="0"/>
+          <a:ext cx="0" cy="0"/>
+          <a:chOff x="0" y="0"/>
+          <a:chExt cx="0" cy="0"/>
+        </a:xfrm>
+      </p:grpSpPr>
+      <p:sp>
+        <p:nvSpPr>
+          <p:cNvPr id="2" name="Title 1">
+            <a:extLst>
+              <a:ext uri="{FF2B5EF4-FFF2-40B4-BE49-F238E27FC236}">
+                <a16:creationId xmlns:a16="http://schemas.microsoft.com/office/drawing/2014/main" id="{B60F4B41-0D87-42BE-8915-E189AA613BE1}"/>
+              </a:ext>
+            </a:extLst>
+          </p:cNvPr>
+          <p:cNvSpPr>
+            <a:spLocks noGrp="1"/>
+          </p:cNvSpPr>
+          <p:nvPr>
+            <p:ph type="title"/>
+          </p:nvPr>
+        </p:nvSpPr>
+        <p:spPr/>
+        <p:txBody>
+          <a:bodyPr/>
+          <a:lstStyle/>
+          <a:p>
+            <a:r>
+              <a:rPr lang="en-US" dirty="0"/>
+              <a:t>Controllers</a:t>
+            </a:r>
+          </a:p>
+        </p:txBody>
+      </p:sp>
+      <p:sp>
+        <p:nvSpPr>
+          <p:cNvPr id="4" name="Rectangle 3">
+            <a:extLst>
+              <a:ext uri="{FF2B5EF4-FFF2-40B4-BE49-F238E27FC236}">
+                <a16:creationId xmlns:a16="http://schemas.microsoft.com/office/drawing/2014/main" id="{8D095022-3E0E-4A94-AFDA-BAAD9E08B619}"/>
+              </a:ext>
+            </a:extLst>
+          </p:cNvPr>
+          <p:cNvSpPr/>
+          <p:nvPr/>
+        </p:nvSpPr>
+        <p:spPr>
+          <a:xfrm>
+            <a:off x="5552662" y="2623930"/>
+            <a:ext cx="1775791" cy="1457740"/>
+          </a:xfrm>
+          <a:prstGeom prst="rect">
+            <a:avLst/>
+          </a:prstGeom>
+        </p:spPr>
+        <p:style>
+          <a:lnRef idx="2">
+            <a:schemeClr val="accent1">
+              <a:shade val="50000"/>
+            </a:schemeClr>
+          </a:lnRef>
+          <a:fillRef idx="1">
+            <a:schemeClr val="accent1"/>
+          </a:fillRef>
+          <a:effectRef idx="0">
+            <a:schemeClr val="accent1"/>
+          </a:effectRef>
+          <a:fontRef idx="minor">
+            <a:schemeClr val="lt1"/>
+          </a:fontRef>
+        </p:style>
+        <p:txBody>
+          <a:bodyPr rtlCol="0" anchor="ctr"/>
+          <a:lstStyle/>
+          <a:p>
+            <a:pPr algn="ctr"/>
+            <a:r>
+              <a:rPr lang="en-US" dirty="0"/>
+              <a:t>controller</a:t>
+            </a:r>
+          </a:p>
+        </p:txBody>
+      </p:sp>
+      <p:sp>
+        <p:nvSpPr>
+          <p:cNvPr id="5" name="Rectangle 4">
+            <a:extLst>
+              <a:ext uri="{FF2B5EF4-FFF2-40B4-BE49-F238E27FC236}">
+                <a16:creationId xmlns:a16="http://schemas.microsoft.com/office/drawing/2014/main" id="{F0DF829A-BD65-44F0-83D5-BCDB5ED7942D}"/>
+              </a:ext>
+            </a:extLst>
+          </p:cNvPr>
+          <p:cNvSpPr/>
+          <p:nvPr/>
+        </p:nvSpPr>
+        <p:spPr>
+          <a:xfrm>
+            <a:off x="7891670" y="2623930"/>
+            <a:ext cx="1775791" cy="1457740"/>
+          </a:xfrm>
+          <a:prstGeom prst="rect">
+            <a:avLst/>
+          </a:prstGeom>
+        </p:spPr>
+        <p:style>
+          <a:lnRef idx="2">
+            <a:schemeClr val="accent1">
+              <a:shade val="50000"/>
+            </a:schemeClr>
+          </a:lnRef>
+          <a:fillRef idx="1">
+            <a:schemeClr val="accent1"/>
+          </a:fillRef>
+          <a:effectRef idx="0">
+            <a:schemeClr val="accent1"/>
+          </a:effectRef>
+          <a:fontRef idx="minor">
+            <a:schemeClr val="lt1"/>
+          </a:fontRef>
+        </p:style>
+        <p:txBody>
+          <a:bodyPr rtlCol="0" anchor="ctr"/>
+          <a:lstStyle/>
+          <a:p>
+            <a:pPr algn="ctr"/>
+            <a:r>
+              <a:rPr lang="en-US" dirty="0"/>
+              <a:t>service</a:t>
+            </a:r>
+          </a:p>
+        </p:txBody>
+      </p:sp>
+      <p:sp>
+        <p:nvSpPr>
+          <p:cNvPr id="6" name="Rectangle 5">
+            <a:extLst>
+              <a:ext uri="{FF2B5EF4-FFF2-40B4-BE49-F238E27FC236}">
+                <a16:creationId xmlns:a16="http://schemas.microsoft.com/office/drawing/2014/main" id="{BF54B74C-7973-41A3-B5BB-D637096CDD84}"/>
+              </a:ext>
+            </a:extLst>
+          </p:cNvPr>
+          <p:cNvSpPr/>
+          <p:nvPr/>
+        </p:nvSpPr>
+        <p:spPr>
+          <a:xfrm>
+            <a:off x="10230678" y="2623930"/>
+            <a:ext cx="1775791" cy="1457740"/>
+          </a:xfrm>
+          <a:prstGeom prst="rect">
+            <a:avLst/>
+          </a:prstGeom>
+        </p:spPr>
+        <p:style>
+          <a:lnRef idx="2">
+            <a:schemeClr val="accent1">
+              <a:shade val="50000"/>
+            </a:schemeClr>
+          </a:lnRef>
+          <a:fillRef idx="1">
+            <a:schemeClr val="accent1"/>
+          </a:fillRef>
+          <a:effectRef idx="0">
+            <a:schemeClr val="accent1"/>
+          </a:effectRef>
+          <a:fontRef idx="minor">
+            <a:schemeClr val="lt1"/>
+          </a:fontRef>
+        </p:style>
+        <p:txBody>
+          <a:bodyPr rtlCol="0" anchor="ctr"/>
+          <a:lstStyle/>
+          <a:p>
+            <a:pPr algn="ctr"/>
+            <a:r>
+              <a:rPr lang="en-US" dirty="0"/>
+              <a:t>…</a:t>
+            </a:r>
+          </a:p>
+        </p:txBody>
+      </p:sp>
+      <p:sp>
+        <p:nvSpPr>
+          <p:cNvPr id="7" name="Rectangle 6">
+            <a:extLst>
+              <a:ext uri="{FF2B5EF4-FFF2-40B4-BE49-F238E27FC236}">
+                <a16:creationId xmlns:a16="http://schemas.microsoft.com/office/drawing/2014/main" id="{396B5947-B94F-4AAF-AC12-48660F27B941}"/>
+              </a:ext>
+            </a:extLst>
+          </p:cNvPr>
+          <p:cNvSpPr/>
+          <p:nvPr/>
+        </p:nvSpPr>
+        <p:spPr>
+          <a:xfrm>
+            <a:off x="3213654" y="2623930"/>
+            <a:ext cx="1775791" cy="1457740"/>
+          </a:xfrm>
+          <a:prstGeom prst="rect">
+            <a:avLst/>
+          </a:prstGeom>
+        </p:spPr>
+        <p:style>
+          <a:lnRef idx="2">
+            <a:schemeClr val="accent1">
+              <a:shade val="50000"/>
+            </a:schemeClr>
+          </a:lnRef>
+          <a:fillRef idx="1">
+            <a:schemeClr val="accent1"/>
+          </a:fillRef>
+          <a:effectRef idx="0">
+            <a:schemeClr val="accent1"/>
+          </a:effectRef>
+          <a:fontRef idx="minor">
+            <a:schemeClr val="lt1"/>
+          </a:fontRef>
+        </p:style>
+        <p:txBody>
+          <a:bodyPr rtlCol="0" anchor="ctr"/>
+          <a:lstStyle/>
+          <a:p>
+            <a:pPr algn="ctr"/>
+            <a:r>
+              <a:rPr lang="en-US" dirty="0"/>
+              <a:t>Dispatcher</a:t>
+            </a:r>
+          </a:p>
+        </p:txBody>
+      </p:sp>
+      <p:sp>
+        <p:nvSpPr>
+          <p:cNvPr id="8" name="Rectangle 7">
+            <a:extLst>
+              <a:ext uri="{FF2B5EF4-FFF2-40B4-BE49-F238E27FC236}">
+                <a16:creationId xmlns:a16="http://schemas.microsoft.com/office/drawing/2014/main" id="{15573992-C436-4212-A5DE-6E1D371BDFC4}"/>
+              </a:ext>
+            </a:extLst>
+          </p:cNvPr>
+          <p:cNvSpPr/>
+          <p:nvPr/>
+        </p:nvSpPr>
+        <p:spPr>
+          <a:xfrm>
+            <a:off x="990602" y="2623930"/>
+            <a:ext cx="1775791" cy="1457740"/>
+          </a:xfrm>
+          <a:prstGeom prst="rect">
+            <a:avLst/>
+          </a:prstGeom>
+        </p:spPr>
+        <p:style>
+          <a:lnRef idx="2">
+            <a:schemeClr val="accent1">
+              <a:shade val="50000"/>
+            </a:schemeClr>
+          </a:lnRef>
+          <a:fillRef idx="1">
+            <a:schemeClr val="accent1"/>
+          </a:fillRef>
+          <a:effectRef idx="0">
+            <a:schemeClr val="accent1"/>
+          </a:effectRef>
+          <a:fontRef idx="minor">
+            <a:schemeClr val="lt1"/>
+          </a:fontRef>
+        </p:style>
+        <p:txBody>
+          <a:bodyPr rtlCol="0" anchor="ctr"/>
+          <a:lstStyle/>
+          <a:p>
+            <a:pPr algn="ctr"/>
+            <a:r>
+              <a:rPr lang="en-US" dirty="0"/>
+              <a:t>….</a:t>
+            </a:r>
+          </a:p>
+        </p:txBody>
+      </p:sp>
+      <p:sp>
+        <p:nvSpPr>
+          <p:cNvPr id="9" name="TextBox 8">
+            <a:extLst>
+              <a:ext uri="{FF2B5EF4-FFF2-40B4-BE49-F238E27FC236}">
+                <a16:creationId xmlns:a16="http://schemas.microsoft.com/office/drawing/2014/main" id="{05469293-9A37-49E2-98AA-2D57D424F8EF}"/>
+              </a:ext>
+            </a:extLst>
+          </p:cNvPr>
+          <p:cNvSpPr txBox="1"/>
+          <p:nvPr/>
+        </p:nvSpPr>
+        <p:spPr>
+          <a:xfrm>
+            <a:off x="5618922" y="2635453"/>
+            <a:ext cx="1643269" cy="369332"/>
+          </a:xfrm>
+          <a:prstGeom prst="rect">
+            <a:avLst/>
+          </a:prstGeom>
+          <a:noFill/>
+        </p:spPr>
+        <p:txBody>
+          <a:bodyPr wrap="square" rtlCol="0">
+            <a:spAutoFit/>
+          </a:bodyPr>
+          <a:lstStyle/>
+          <a:p>
+            <a:r>
+              <a:rPr lang="en-US" dirty="0"/>
+              <a:t>@Get(“/”)</a:t>
+            </a:r>
+          </a:p>
+        </p:txBody>
+      </p:sp>
+      <p:sp>
+        <p:nvSpPr>
+          <p:cNvPr id="10" name="Arrow: Down 9">
+            <a:extLst>
+              <a:ext uri="{FF2B5EF4-FFF2-40B4-BE49-F238E27FC236}">
+                <a16:creationId xmlns:a16="http://schemas.microsoft.com/office/drawing/2014/main" id="{BB7CE84D-7B71-4635-8294-0874083B2790}"/>
+              </a:ext>
+            </a:extLst>
+          </p:cNvPr>
+          <p:cNvSpPr/>
+          <p:nvPr/>
+        </p:nvSpPr>
+        <p:spPr>
+          <a:xfrm>
+            <a:off x="4525619" y="5345121"/>
+            <a:ext cx="1093303" cy="1181920"/>
+          </a:xfrm>
+          <a:prstGeom prst="downArrow">
+            <a:avLst/>
+          </a:prstGeom>
+        </p:spPr>
+        <p:style>
+          <a:lnRef idx="2">
+            <a:schemeClr val="accent1">
+              <a:shade val="50000"/>
+            </a:schemeClr>
+          </a:lnRef>
+          <a:fillRef idx="1">
+            <a:schemeClr val="accent1"/>
+          </a:fillRef>
+          <a:effectRef idx="0">
+            <a:schemeClr val="accent1"/>
+          </a:effectRef>
+          <a:fontRef idx="minor">
+            <a:schemeClr val="lt1"/>
+          </a:fontRef>
+        </p:style>
+        <p:txBody>
+          <a:bodyPr rtlCol="0" anchor="ctr"/>
+          <a:lstStyle/>
+          <a:p>
+            <a:pPr algn="ctr"/>
+            <a:endParaRPr lang="en-US"/>
+          </a:p>
+        </p:txBody>
+      </p:sp>
+    </p:spTree>
+    <p:extLst>
+      <p:ext uri="{BB962C8B-B14F-4D97-AF65-F5344CB8AC3E}">
+        <p14:creationId xmlns:p14="http://schemas.microsoft.com/office/powerpoint/2010/main" val="1091171434"/>
+      </p:ext>
+    </p:extLst>
+  </p:cSld>
+  <p:clrMapOvr>
+    <a:masterClrMapping/>
+  </p:clrMapOvr>
+</p:sld>
+</file>
+
+<file path=ppt/slides/slide12.xml><?xml version="1.0" encoding="utf-8"?>
+<p:sld xmlns:a="http://schemas.openxmlformats.org/drawingml/2006/main" xmlns:r="http://schemas.openxmlformats.org/officeDocument/2006/relationships" xmlns:p="http://schemas.openxmlformats.org/presentationml/2006/main">
+  <p:cSld>
+    <p:spTree>
+      <p:nvGrpSpPr>
+        <p:cNvPr id="1" name=""/>
+        <p:cNvGrpSpPr/>
+        <p:nvPr/>
+      </p:nvGrpSpPr>
+      <p:grpSpPr>
+        <a:xfrm>
+          <a:off x="0" y="0"/>
+          <a:ext cx="0" cy="0"/>
+          <a:chOff x="0" y="0"/>
+          <a:chExt cx="0" cy="0"/>
+        </a:xfrm>
+      </p:grpSpPr>
+      <p:sp>
+        <p:nvSpPr>
+          <p:cNvPr id="2" name="Title 1">
+            <a:extLst>
+              <a:ext uri="{FF2B5EF4-FFF2-40B4-BE49-F238E27FC236}">
+                <a16:creationId xmlns:a16="http://schemas.microsoft.com/office/drawing/2014/main" id="{3949A672-DC76-44EC-99AA-24CDCC8E6978}"/>
+              </a:ext>
+            </a:extLst>
+          </p:cNvPr>
+          <p:cNvSpPr>
+            <a:spLocks noGrp="1"/>
+          </p:cNvSpPr>
+          <p:nvPr>
+            <p:ph type="title"/>
+          </p:nvPr>
+        </p:nvSpPr>
+        <p:spPr/>
+        <p:txBody>
+          <a:bodyPr/>
+          <a:lstStyle/>
+          <a:p>
+            <a:r>
+              <a:rPr lang="en-US" dirty="0"/>
+              <a:t>Method chaining with promises</a:t>
+            </a:r>
+          </a:p>
+        </p:txBody>
+      </p:sp>
+      <p:sp>
+        <p:nvSpPr>
+          <p:cNvPr id="3" name="Content Placeholder 2">
+            <a:extLst>
+              <a:ext uri="{FF2B5EF4-FFF2-40B4-BE49-F238E27FC236}">
+                <a16:creationId xmlns:a16="http://schemas.microsoft.com/office/drawing/2014/main" id="{3BDC28BD-042F-41F5-935C-0B59526AB86E}"/>
+              </a:ext>
+            </a:extLst>
+          </p:cNvPr>
+          <p:cNvSpPr>
+            <a:spLocks noGrp="1"/>
+          </p:cNvSpPr>
+          <p:nvPr>
+            <p:ph idx="1"/>
+          </p:nvPr>
+        </p:nvSpPr>
+        <p:spPr/>
+        <p:txBody>
+          <a:bodyPr/>
+          <a:lstStyle/>
+          <a:p>
+            <a:pPr marL="0" indent="0">
+              <a:buNone/>
+            </a:pPr>
+            <a:r>
+              <a:rPr lang="en-US" dirty="0"/>
+              <a:t>fetch() &lt;- returns a promise</a:t>
+            </a:r>
+          </a:p>
+          <a:p>
+            <a:pPr marL="0" indent="0">
+              <a:buNone/>
+            </a:pPr>
+            <a:r>
+              <a:rPr lang="en-US" dirty="0"/>
+              <a:t>.then(…) &lt;- promise</a:t>
+            </a:r>
+          </a:p>
+          <a:p>
+            <a:pPr marL="0" indent="0">
+              <a:buNone/>
+            </a:pPr>
+            <a:r>
+              <a:rPr lang="en-US" dirty="0"/>
+              <a:t>.then(…) &lt;- promise</a:t>
+            </a:r>
+          </a:p>
+          <a:p>
+            <a:pPr marL="0" indent="0">
+              <a:buNone/>
+            </a:pPr>
+            <a:r>
+              <a:rPr lang="en-US" dirty="0"/>
+              <a:t>-----</a:t>
+            </a:r>
+          </a:p>
+          <a:p>
+            <a:pPr marL="0" indent="0">
+              <a:buNone/>
+            </a:pPr>
+            <a:r>
+              <a:rPr lang="en-US" dirty="0" err="1"/>
+              <a:t>mockMvc.perform</a:t>
+            </a:r>
+            <a:r>
+              <a:rPr lang="en-US" dirty="0"/>
+              <a:t>(…) &lt;- Result actions</a:t>
+            </a:r>
+          </a:p>
+          <a:p>
+            <a:pPr marL="0" indent="0">
+              <a:buNone/>
+            </a:pPr>
+            <a:r>
+              <a:rPr lang="en-US" dirty="0"/>
+              <a:t>.</a:t>
+            </a:r>
+            <a:r>
+              <a:rPr lang="en-US" dirty="0" err="1"/>
+              <a:t>andExpect</a:t>
+            </a:r>
+            <a:r>
+              <a:rPr lang="en-US" dirty="0"/>
+              <a:t>(check for criterion 1) &lt;- result actions</a:t>
+            </a:r>
+          </a:p>
+          <a:p>
+            <a:pPr marL="0" indent="0">
+              <a:buNone/>
+            </a:pPr>
+            <a:r>
+              <a:rPr lang="en-US" dirty="0"/>
+              <a:t>.</a:t>
+            </a:r>
+            <a:r>
+              <a:rPr lang="en-US" dirty="0" err="1"/>
+              <a:t>andExpect</a:t>
+            </a:r>
+            <a:r>
+              <a:rPr lang="en-US" dirty="0"/>
+              <a:t>(check for criterion 2) &lt;- result actions</a:t>
+            </a:r>
+          </a:p>
+        </p:txBody>
+      </p:sp>
+    </p:spTree>
+    <p:extLst>
+      <p:ext uri="{BB962C8B-B14F-4D97-AF65-F5344CB8AC3E}">
+        <p14:creationId xmlns:p14="http://schemas.microsoft.com/office/powerpoint/2010/main" val="209940270"/>
+      </p:ext>
+    </p:extLst>
+  </p:cSld>
+  <p:clrMapOvr>
+    <a:masterClrMapping/>
+  </p:clrMapOvr>
+</p:sld>
+</file>
+
 <file path=ppt/slides/slide2.xml><?xml version="1.0" encoding="utf-8"?>
 <p:sld xmlns:a="http://schemas.openxmlformats.org/drawingml/2006/main" xmlns:r="http://schemas.openxmlformats.org/officeDocument/2006/relationships" xmlns:p="http://schemas.openxmlformats.org/presentationml/2006/main">
   <p:cSld>

--- a/PrimerNotes.pptx
+++ b/PrimerNotes.pptx
@@ -17,6 +17,17 @@
     <p:sldId id="265" r:id="rId11"/>
     <p:sldId id="266" r:id="rId12"/>
     <p:sldId id="267" r:id="rId13"/>
+    <p:sldId id="268" r:id="rId14"/>
+    <p:sldId id="269" r:id="rId15"/>
+    <p:sldId id="270" r:id="rId16"/>
+    <p:sldId id="271" r:id="rId17"/>
+    <p:sldId id="272" r:id="rId18"/>
+    <p:sldId id="273" r:id="rId19"/>
+    <p:sldId id="274" r:id="rId20"/>
+    <p:sldId id="275" r:id="rId21"/>
+    <p:sldId id="276" r:id="rId22"/>
+    <p:sldId id="277" r:id="rId23"/>
+    <p:sldId id="278" r:id="rId24"/>
   </p:sldIdLst>
   <p:sldSz cx="12192000" cy="6858000"/>
   <p:notesSz cx="6858000" cy="9144000"/>
@@ -270,7 +281,7 @@
           <a:p>
             <a:fld id="{AE0E715C-AA47-451B-8428-51E0E470A79D}" type="datetimeFigureOut">
               <a:rPr lang="en-US" smtClean="0"/>
-              <a:t>3/26/2021</a:t>
+              <a:t>3/29/2021</a:t>
             </a:fld>
             <a:endParaRPr lang="en-US"/>
           </a:p>
@@ -468,7 +479,7 @@
           <a:p>
             <a:fld id="{AE0E715C-AA47-451B-8428-51E0E470A79D}" type="datetimeFigureOut">
               <a:rPr lang="en-US" smtClean="0"/>
-              <a:t>3/26/2021</a:t>
+              <a:t>3/29/2021</a:t>
             </a:fld>
             <a:endParaRPr lang="en-US"/>
           </a:p>
@@ -676,7 +687,7 @@
           <a:p>
             <a:fld id="{AE0E715C-AA47-451B-8428-51E0E470A79D}" type="datetimeFigureOut">
               <a:rPr lang="en-US" smtClean="0"/>
-              <a:t>3/26/2021</a:t>
+              <a:t>3/29/2021</a:t>
             </a:fld>
             <a:endParaRPr lang="en-US"/>
           </a:p>
@@ -874,7 +885,7 @@
           <a:p>
             <a:fld id="{AE0E715C-AA47-451B-8428-51E0E470A79D}" type="datetimeFigureOut">
               <a:rPr lang="en-US" smtClean="0"/>
-              <a:t>3/26/2021</a:t>
+              <a:t>3/29/2021</a:t>
             </a:fld>
             <a:endParaRPr lang="en-US"/>
           </a:p>
@@ -1149,7 +1160,7 @@
           <a:p>
             <a:fld id="{AE0E715C-AA47-451B-8428-51E0E470A79D}" type="datetimeFigureOut">
               <a:rPr lang="en-US" smtClean="0"/>
-              <a:t>3/26/2021</a:t>
+              <a:t>3/29/2021</a:t>
             </a:fld>
             <a:endParaRPr lang="en-US"/>
           </a:p>
@@ -1414,7 +1425,7 @@
           <a:p>
             <a:fld id="{AE0E715C-AA47-451B-8428-51E0E470A79D}" type="datetimeFigureOut">
               <a:rPr lang="en-US" smtClean="0"/>
-              <a:t>3/26/2021</a:t>
+              <a:t>3/29/2021</a:t>
             </a:fld>
             <a:endParaRPr lang="en-US"/>
           </a:p>
@@ -1826,7 +1837,7 @@
           <a:p>
             <a:fld id="{AE0E715C-AA47-451B-8428-51E0E470A79D}" type="datetimeFigureOut">
               <a:rPr lang="en-US" smtClean="0"/>
-              <a:t>3/26/2021</a:t>
+              <a:t>3/29/2021</a:t>
             </a:fld>
             <a:endParaRPr lang="en-US"/>
           </a:p>
@@ -1967,7 +1978,7 @@
           <a:p>
             <a:fld id="{AE0E715C-AA47-451B-8428-51E0E470A79D}" type="datetimeFigureOut">
               <a:rPr lang="en-US" smtClean="0"/>
-              <a:t>3/26/2021</a:t>
+              <a:t>3/29/2021</a:t>
             </a:fld>
             <a:endParaRPr lang="en-US"/>
           </a:p>
@@ -2080,7 +2091,7 @@
           <a:p>
             <a:fld id="{AE0E715C-AA47-451B-8428-51E0E470A79D}" type="datetimeFigureOut">
               <a:rPr lang="en-US" smtClean="0"/>
-              <a:t>3/26/2021</a:t>
+              <a:t>3/29/2021</a:t>
             </a:fld>
             <a:endParaRPr lang="en-US"/>
           </a:p>
@@ -2391,7 +2402,7 @@
           <a:p>
             <a:fld id="{AE0E715C-AA47-451B-8428-51E0E470A79D}" type="datetimeFigureOut">
               <a:rPr lang="en-US" smtClean="0"/>
-              <a:t>3/26/2021</a:t>
+              <a:t>3/29/2021</a:t>
             </a:fld>
             <a:endParaRPr lang="en-US"/>
           </a:p>
@@ -2679,7 +2690,7 @@
           <a:p>
             <a:fld id="{AE0E715C-AA47-451B-8428-51E0E470A79D}" type="datetimeFigureOut">
               <a:rPr lang="en-US" smtClean="0"/>
-              <a:t>3/26/2021</a:t>
+              <a:t>3/29/2021</a:t>
             </a:fld>
             <a:endParaRPr lang="en-US"/>
           </a:p>
@@ -2920,7 +2931,7 @@
           <a:p>
             <a:fld id="{AE0E715C-AA47-451B-8428-51E0E470A79D}" type="datetimeFigureOut">
               <a:rPr lang="en-US" smtClean="0"/>
-              <a:t>3/26/2021</a:t>
+              <a:t>3/29/2021</a:t>
             </a:fld>
             <a:endParaRPr lang="en-US"/>
           </a:p>
@@ -4054,6 +4065,1195 @@
 </p:sld>
 </file>
 
+<file path=ppt/slides/slide13.xml><?xml version="1.0" encoding="utf-8"?>
+<p:sld xmlns:a="http://schemas.openxmlformats.org/drawingml/2006/main" xmlns:r="http://schemas.openxmlformats.org/officeDocument/2006/relationships" xmlns:p="http://schemas.openxmlformats.org/presentationml/2006/main">
+  <p:cSld>
+    <p:spTree>
+      <p:nvGrpSpPr>
+        <p:cNvPr id="1" name=""/>
+        <p:cNvGrpSpPr/>
+        <p:nvPr/>
+      </p:nvGrpSpPr>
+      <p:grpSpPr>
+        <a:xfrm>
+          <a:off x="0" y="0"/>
+          <a:ext cx="0" cy="0"/>
+          <a:chOff x="0" y="0"/>
+          <a:chExt cx="0" cy="0"/>
+        </a:xfrm>
+      </p:grpSpPr>
+      <p:sp>
+        <p:nvSpPr>
+          <p:cNvPr id="2" name="Title 1">
+            <a:extLst>
+              <a:ext uri="{FF2B5EF4-FFF2-40B4-BE49-F238E27FC236}">
+                <a16:creationId xmlns:a16="http://schemas.microsoft.com/office/drawing/2014/main" id="{19D3F41D-37FA-412C-B8AA-8907DC16540D}"/>
+              </a:ext>
+            </a:extLst>
+          </p:cNvPr>
+          <p:cNvSpPr>
+            <a:spLocks noGrp="1"/>
+          </p:cNvSpPr>
+          <p:nvPr>
+            <p:ph type="title"/>
+          </p:nvPr>
+        </p:nvSpPr>
+        <p:spPr/>
+        <p:txBody>
+          <a:bodyPr/>
+          <a:lstStyle/>
+          <a:p>
+            <a:r>
+              <a:rPr lang="en-US" dirty="0"/>
+              <a:t>Selenium</a:t>
+            </a:r>
+          </a:p>
+        </p:txBody>
+      </p:sp>
+      <p:sp>
+        <p:nvSpPr>
+          <p:cNvPr id="3" name="Content Placeholder 2">
+            <a:extLst>
+              <a:ext uri="{FF2B5EF4-FFF2-40B4-BE49-F238E27FC236}">
+                <a16:creationId xmlns:a16="http://schemas.microsoft.com/office/drawing/2014/main" id="{3A94DA67-13A4-4678-B286-9287BA5FB3C2}"/>
+              </a:ext>
+            </a:extLst>
+          </p:cNvPr>
+          <p:cNvSpPr>
+            <a:spLocks noGrp="1"/>
+          </p:cNvSpPr>
+          <p:nvPr>
+            <p:ph idx="1"/>
+          </p:nvPr>
+        </p:nvSpPr>
+        <p:spPr/>
+        <p:txBody>
+          <a:bodyPr>
+            <a:normAutofit fontScale="92500" lnSpcReduction="10000"/>
+          </a:bodyPr>
+          <a:lstStyle/>
+          <a:p>
+            <a:r>
+              <a:rPr lang="en-US" dirty="0"/>
+              <a:t>E2E testing: will test your app from start to finish</a:t>
+            </a:r>
+          </a:p>
+          <a:p>
+            <a:r>
+              <a:rPr lang="en-US" dirty="0"/>
+              <a:t>Can be used to simulate functional tests; can be integrated with TestNG or Junit</a:t>
+            </a:r>
+          </a:p>
+          <a:p>
+            <a:r>
+              <a:rPr lang="en-US" dirty="0"/>
+              <a:t>Supports automation across different OS, even mobile</a:t>
+            </a:r>
+          </a:p>
+          <a:p>
+            <a:r>
+              <a:rPr lang="en-US" dirty="0"/>
+              <a:t>Refers to a family of tools for testing</a:t>
+            </a:r>
+          </a:p>
+          <a:p>
+            <a:r>
+              <a:rPr lang="en-US" dirty="0"/>
+              <a:t>Automated user input</a:t>
+            </a:r>
+          </a:p>
+          <a:p>
+            <a:r>
+              <a:rPr lang="en-US" dirty="0"/>
+              <a:t>Open source</a:t>
+            </a:r>
+          </a:p>
+          <a:p>
+            <a:r>
+              <a:rPr lang="en-US" dirty="0"/>
+              <a:t>You can write testing scripts in multiple languages</a:t>
+            </a:r>
+          </a:p>
+          <a:p>
+            <a:r>
+              <a:rPr lang="en-US" dirty="0"/>
+              <a:t>Many features; one of which is that you can record tests and play them back later</a:t>
+            </a:r>
+          </a:p>
+          <a:p>
+            <a:endParaRPr lang="en-US" dirty="0"/>
+          </a:p>
+        </p:txBody>
+      </p:sp>
+    </p:spTree>
+    <p:extLst>
+      <p:ext uri="{BB962C8B-B14F-4D97-AF65-F5344CB8AC3E}">
+        <p14:creationId xmlns:p14="http://schemas.microsoft.com/office/powerpoint/2010/main" val="1128013419"/>
+      </p:ext>
+    </p:extLst>
+  </p:cSld>
+  <p:clrMapOvr>
+    <a:masterClrMapping/>
+  </p:clrMapOvr>
+</p:sld>
+</file>
+
+<file path=ppt/slides/slide14.xml><?xml version="1.0" encoding="utf-8"?>
+<p:sld xmlns:a="http://schemas.openxmlformats.org/drawingml/2006/main" xmlns:r="http://schemas.openxmlformats.org/officeDocument/2006/relationships" xmlns:p="http://schemas.openxmlformats.org/presentationml/2006/main">
+  <p:cSld>
+    <p:spTree>
+      <p:nvGrpSpPr>
+        <p:cNvPr id="1" name=""/>
+        <p:cNvGrpSpPr/>
+        <p:nvPr/>
+      </p:nvGrpSpPr>
+      <p:grpSpPr>
+        <a:xfrm>
+          <a:off x="0" y="0"/>
+          <a:ext cx="0" cy="0"/>
+          <a:chOff x="0" y="0"/>
+          <a:chExt cx="0" cy="0"/>
+        </a:xfrm>
+      </p:grpSpPr>
+      <p:sp>
+        <p:nvSpPr>
+          <p:cNvPr id="2" name="Title 1">
+            <a:extLst>
+              <a:ext uri="{FF2B5EF4-FFF2-40B4-BE49-F238E27FC236}">
+                <a16:creationId xmlns:a16="http://schemas.microsoft.com/office/drawing/2014/main" id="{5BB05F39-6E13-4754-9505-A00B0DC70709}"/>
+              </a:ext>
+            </a:extLst>
+          </p:cNvPr>
+          <p:cNvSpPr>
+            <a:spLocks noGrp="1"/>
+          </p:cNvSpPr>
+          <p:nvPr>
+            <p:ph type="title"/>
+          </p:nvPr>
+        </p:nvSpPr>
+        <p:spPr/>
+        <p:txBody>
+          <a:bodyPr/>
+          <a:lstStyle/>
+          <a:p>
+            <a:r>
+              <a:rPr lang="en-US" dirty="0"/>
+              <a:t>WebDriver</a:t>
+            </a:r>
+          </a:p>
+        </p:txBody>
+      </p:sp>
+      <p:sp>
+        <p:nvSpPr>
+          <p:cNvPr id="3" name="Content Placeholder 2">
+            <a:extLst>
+              <a:ext uri="{FF2B5EF4-FFF2-40B4-BE49-F238E27FC236}">
+                <a16:creationId xmlns:a16="http://schemas.microsoft.com/office/drawing/2014/main" id="{8DC5CDB1-ADB4-4041-9139-2666968BFE6F}"/>
+              </a:ext>
+            </a:extLst>
+          </p:cNvPr>
+          <p:cNvSpPr>
+            <a:spLocks noGrp="1"/>
+          </p:cNvSpPr>
+          <p:nvPr>
+            <p:ph idx="1"/>
+          </p:nvPr>
+        </p:nvSpPr>
+        <p:spPr/>
+        <p:txBody>
+          <a:bodyPr/>
+          <a:lstStyle/>
+          <a:p>
+            <a:r>
+              <a:rPr lang="en-US" dirty="0"/>
+              <a:t>Test automation tool supporting different program languages</a:t>
+            </a:r>
+          </a:p>
+          <a:p>
+            <a:r>
+              <a:rPr lang="en-US" dirty="0"/>
+              <a:t>Different from selenium because Selenium WebDriver is used in particular for web apps</a:t>
+            </a:r>
+          </a:p>
+          <a:p>
+            <a:pPr lvl="1"/>
+            <a:r>
+              <a:rPr lang="en-US" dirty="0"/>
+              <a:t>For each type of browser that you have, you will need a different driver.</a:t>
+            </a:r>
+          </a:p>
+          <a:p>
+            <a:r>
+              <a:rPr lang="en-US" dirty="0"/>
+              <a:t>This is the thing that has the API’s that you have to learn (the methods and stuff that you have to memorize)</a:t>
+            </a:r>
+          </a:p>
+          <a:p>
+            <a:r>
+              <a:rPr lang="en-US" dirty="0"/>
+              <a:t>Faster than RC </a:t>
+            </a:r>
+            <a:r>
+              <a:rPr lang="en-US" dirty="0" err="1"/>
+              <a:t>bc</a:t>
+            </a:r>
+            <a:r>
+              <a:rPr lang="en-US" dirty="0"/>
+              <a:t> it can directly call browser</a:t>
+            </a:r>
+          </a:p>
+        </p:txBody>
+      </p:sp>
+    </p:spTree>
+    <p:extLst>
+      <p:ext uri="{BB962C8B-B14F-4D97-AF65-F5344CB8AC3E}">
+        <p14:creationId xmlns:p14="http://schemas.microsoft.com/office/powerpoint/2010/main" val="3183853905"/>
+      </p:ext>
+    </p:extLst>
+  </p:cSld>
+  <p:clrMapOvr>
+    <a:masterClrMapping/>
+  </p:clrMapOvr>
+</p:sld>
+</file>
+
+<file path=ppt/slides/slide15.xml><?xml version="1.0" encoding="utf-8"?>
+<p:sld xmlns:a="http://schemas.openxmlformats.org/drawingml/2006/main" xmlns:r="http://schemas.openxmlformats.org/officeDocument/2006/relationships" xmlns:p="http://schemas.openxmlformats.org/presentationml/2006/main">
+  <p:cSld>
+    <p:spTree>
+      <p:nvGrpSpPr>
+        <p:cNvPr id="1" name=""/>
+        <p:cNvGrpSpPr/>
+        <p:nvPr/>
+      </p:nvGrpSpPr>
+      <p:grpSpPr>
+        <a:xfrm>
+          <a:off x="0" y="0"/>
+          <a:ext cx="0" cy="0"/>
+          <a:chOff x="0" y="0"/>
+          <a:chExt cx="0" cy="0"/>
+        </a:xfrm>
+      </p:grpSpPr>
+      <p:sp>
+        <p:nvSpPr>
+          <p:cNvPr id="2" name="Title 1">
+            <a:extLst>
+              <a:ext uri="{FF2B5EF4-FFF2-40B4-BE49-F238E27FC236}">
+                <a16:creationId xmlns:a16="http://schemas.microsoft.com/office/drawing/2014/main" id="{983FE017-87DB-4F0B-AD21-867AFE1E19A7}"/>
+              </a:ext>
+            </a:extLst>
+          </p:cNvPr>
+          <p:cNvSpPr>
+            <a:spLocks noGrp="1"/>
+          </p:cNvSpPr>
+          <p:nvPr>
+            <p:ph type="title"/>
+          </p:nvPr>
+        </p:nvSpPr>
+        <p:spPr/>
+        <p:txBody>
+          <a:bodyPr/>
+          <a:lstStyle/>
+          <a:p>
+            <a:r>
+              <a:rPr lang="en-US" dirty="0"/>
+              <a:t>Selenium Locators</a:t>
+            </a:r>
+          </a:p>
+        </p:txBody>
+      </p:sp>
+      <p:sp>
+        <p:nvSpPr>
+          <p:cNvPr id="3" name="Content Placeholder 2">
+            <a:extLst>
+              <a:ext uri="{FF2B5EF4-FFF2-40B4-BE49-F238E27FC236}">
+                <a16:creationId xmlns:a16="http://schemas.microsoft.com/office/drawing/2014/main" id="{BF4BA27D-327F-4DFF-81F8-75BF9933AB94}"/>
+              </a:ext>
+            </a:extLst>
+          </p:cNvPr>
+          <p:cNvSpPr>
+            <a:spLocks noGrp="1"/>
+          </p:cNvSpPr>
+          <p:nvPr>
+            <p:ph idx="1"/>
+          </p:nvPr>
+        </p:nvSpPr>
+        <p:spPr/>
+        <p:txBody>
+          <a:bodyPr/>
+          <a:lstStyle/>
+          <a:p>
+            <a:r>
+              <a:rPr lang="en-US" dirty="0"/>
+              <a:t>How the </a:t>
+            </a:r>
+            <a:r>
+              <a:rPr lang="en-US" dirty="0" err="1"/>
+              <a:t>webdriver</a:t>
+            </a:r>
+            <a:r>
+              <a:rPr lang="en-US" dirty="0"/>
+              <a:t> finds elements in the page</a:t>
+            </a:r>
+          </a:p>
+          <a:p>
+            <a:r>
+              <a:rPr lang="en-US" dirty="0"/>
+              <a:t>Options:</a:t>
+            </a:r>
+          </a:p>
+          <a:p>
+            <a:pPr lvl="1"/>
+            <a:r>
+              <a:rPr lang="en-US" dirty="0"/>
+              <a:t>(CSS locators/selectors) Find by id, name, class, etc.</a:t>
+            </a:r>
+          </a:p>
+          <a:p>
+            <a:pPr lvl="1"/>
+            <a:r>
+              <a:rPr lang="en-US" dirty="0"/>
+              <a:t> by link text: can identify by the text of the hyperlink</a:t>
+            </a:r>
+          </a:p>
+          <a:p>
+            <a:pPr lvl="1"/>
+            <a:r>
+              <a:rPr lang="en-US" dirty="0" err="1"/>
+              <a:t>Xpath</a:t>
+            </a:r>
+            <a:r>
+              <a:rPr lang="en-US" dirty="0"/>
+              <a:t>: XML path – path to the element</a:t>
+            </a:r>
+          </a:p>
+          <a:p>
+            <a:pPr lvl="2"/>
+            <a:endParaRPr lang="en-US" dirty="0"/>
+          </a:p>
+        </p:txBody>
+      </p:sp>
+    </p:spTree>
+    <p:extLst>
+      <p:ext uri="{BB962C8B-B14F-4D97-AF65-F5344CB8AC3E}">
+        <p14:creationId xmlns:p14="http://schemas.microsoft.com/office/powerpoint/2010/main" val="3585752414"/>
+      </p:ext>
+    </p:extLst>
+  </p:cSld>
+  <p:clrMapOvr>
+    <a:masterClrMapping/>
+  </p:clrMapOvr>
+</p:sld>
+</file>
+
+<file path=ppt/slides/slide16.xml><?xml version="1.0" encoding="utf-8"?>
+<p:sld xmlns:a="http://schemas.openxmlformats.org/drawingml/2006/main" xmlns:r="http://schemas.openxmlformats.org/officeDocument/2006/relationships" xmlns:p="http://schemas.openxmlformats.org/presentationml/2006/main">
+  <p:cSld>
+    <p:spTree>
+      <p:nvGrpSpPr>
+        <p:cNvPr id="1" name=""/>
+        <p:cNvGrpSpPr/>
+        <p:nvPr/>
+      </p:nvGrpSpPr>
+      <p:grpSpPr>
+        <a:xfrm>
+          <a:off x="0" y="0"/>
+          <a:ext cx="0" cy="0"/>
+          <a:chOff x="0" y="0"/>
+          <a:chExt cx="0" cy="0"/>
+        </a:xfrm>
+      </p:grpSpPr>
+      <p:sp>
+        <p:nvSpPr>
+          <p:cNvPr id="2" name="Title 1">
+            <a:extLst>
+              <a:ext uri="{FF2B5EF4-FFF2-40B4-BE49-F238E27FC236}">
+                <a16:creationId xmlns:a16="http://schemas.microsoft.com/office/drawing/2014/main" id="{6F0D4848-F59D-4C66-83DC-A9355ED086F4}"/>
+              </a:ext>
+            </a:extLst>
+          </p:cNvPr>
+          <p:cNvSpPr>
+            <a:spLocks noGrp="1"/>
+          </p:cNvSpPr>
+          <p:nvPr>
+            <p:ph type="title"/>
+          </p:nvPr>
+        </p:nvSpPr>
+        <p:spPr/>
+        <p:txBody>
+          <a:bodyPr/>
+          <a:lstStyle/>
+          <a:p>
+            <a:r>
+              <a:rPr lang="en-US" dirty="0"/>
+              <a:t>Page Object Model</a:t>
+            </a:r>
+          </a:p>
+        </p:txBody>
+      </p:sp>
+      <p:sp>
+        <p:nvSpPr>
+          <p:cNvPr id="3" name="Content Placeholder 2">
+            <a:extLst>
+              <a:ext uri="{FF2B5EF4-FFF2-40B4-BE49-F238E27FC236}">
+                <a16:creationId xmlns:a16="http://schemas.microsoft.com/office/drawing/2014/main" id="{92B5302B-A438-4076-9902-F10CD38A969C}"/>
+              </a:ext>
+            </a:extLst>
+          </p:cNvPr>
+          <p:cNvSpPr>
+            <a:spLocks noGrp="1"/>
+          </p:cNvSpPr>
+          <p:nvPr>
+            <p:ph idx="1"/>
+          </p:nvPr>
+        </p:nvSpPr>
+        <p:spPr/>
+        <p:txBody>
+          <a:bodyPr/>
+          <a:lstStyle/>
+          <a:p>
+            <a:r>
+              <a:rPr lang="en-US" dirty="0"/>
+              <a:t>Design Pattern</a:t>
+            </a:r>
+          </a:p>
+          <a:p>
+            <a:r>
+              <a:rPr lang="en-US" dirty="0"/>
+              <a:t>Model each page as a Java Object so that it is easier to use… in java</a:t>
+            </a:r>
+          </a:p>
+          <a:p>
+            <a:r>
+              <a:rPr lang="en-US" dirty="0"/>
+              <a:t>Allows for easier object-oriented programming when writing selenium scripts</a:t>
+            </a:r>
+          </a:p>
+        </p:txBody>
+      </p:sp>
+    </p:spTree>
+    <p:extLst>
+      <p:ext uri="{BB962C8B-B14F-4D97-AF65-F5344CB8AC3E}">
+        <p14:creationId xmlns:p14="http://schemas.microsoft.com/office/powerpoint/2010/main" val="642551874"/>
+      </p:ext>
+    </p:extLst>
+  </p:cSld>
+  <p:clrMapOvr>
+    <a:masterClrMapping/>
+  </p:clrMapOvr>
+</p:sld>
+</file>
+
+<file path=ppt/slides/slide17.xml><?xml version="1.0" encoding="utf-8"?>
+<p:sld xmlns:a="http://schemas.openxmlformats.org/drawingml/2006/main" xmlns:r="http://schemas.openxmlformats.org/officeDocument/2006/relationships" xmlns:p="http://schemas.openxmlformats.org/presentationml/2006/main">
+  <p:cSld>
+    <p:spTree>
+      <p:nvGrpSpPr>
+        <p:cNvPr id="1" name=""/>
+        <p:cNvGrpSpPr/>
+        <p:nvPr/>
+      </p:nvGrpSpPr>
+      <p:grpSpPr>
+        <a:xfrm>
+          <a:off x="0" y="0"/>
+          <a:ext cx="0" cy="0"/>
+          <a:chOff x="0" y="0"/>
+          <a:chExt cx="0" cy="0"/>
+        </a:xfrm>
+      </p:grpSpPr>
+      <p:sp>
+        <p:nvSpPr>
+          <p:cNvPr id="2" name="Title 1">
+            <a:extLst>
+              <a:ext uri="{FF2B5EF4-FFF2-40B4-BE49-F238E27FC236}">
+                <a16:creationId xmlns:a16="http://schemas.microsoft.com/office/drawing/2014/main" id="{54CE5D9E-6400-4475-90C2-2AB2A0976E79}"/>
+              </a:ext>
+            </a:extLst>
+          </p:cNvPr>
+          <p:cNvSpPr>
+            <a:spLocks noGrp="1"/>
+          </p:cNvSpPr>
+          <p:nvPr>
+            <p:ph type="title"/>
+          </p:nvPr>
+        </p:nvSpPr>
+        <p:spPr/>
+        <p:txBody>
+          <a:bodyPr/>
+          <a:lstStyle/>
+          <a:p>
+            <a:r>
+              <a:rPr lang="en-US" dirty="0"/>
+              <a:t>BDD</a:t>
+            </a:r>
+          </a:p>
+        </p:txBody>
+      </p:sp>
+      <p:sp>
+        <p:nvSpPr>
+          <p:cNvPr id="3" name="Content Placeholder 2">
+            <a:extLst>
+              <a:ext uri="{FF2B5EF4-FFF2-40B4-BE49-F238E27FC236}">
+                <a16:creationId xmlns:a16="http://schemas.microsoft.com/office/drawing/2014/main" id="{306DDE68-A0CB-4B01-ACA3-35C2A1630FD1}"/>
+              </a:ext>
+            </a:extLst>
+          </p:cNvPr>
+          <p:cNvSpPr>
+            <a:spLocks noGrp="1"/>
+          </p:cNvSpPr>
+          <p:nvPr>
+            <p:ph idx="1"/>
+          </p:nvPr>
+        </p:nvSpPr>
+        <p:spPr/>
+        <p:txBody>
+          <a:bodyPr>
+            <a:normAutofit lnSpcReduction="10000"/>
+          </a:bodyPr>
+          <a:lstStyle/>
+          <a:p>
+            <a:r>
+              <a:rPr lang="en-US" dirty="0"/>
+              <a:t>Behavior driven development; extension of test-driven development</a:t>
+            </a:r>
+          </a:p>
+          <a:p>
+            <a:r>
+              <a:rPr lang="en-US" dirty="0"/>
+              <a:t>Tests are based off of customers or end users</a:t>
+            </a:r>
+          </a:p>
+          <a:p>
+            <a:r>
+              <a:rPr lang="en-US" dirty="0"/>
+              <a:t>Encourages communication between different members/roles within the project</a:t>
+            </a:r>
+          </a:p>
+          <a:p>
+            <a:r>
+              <a:rPr lang="en-US" dirty="0"/>
+              <a:t>Uses tools like Gherkin and Cucumber to facilitate interactions between technical and non-technical</a:t>
+            </a:r>
+          </a:p>
+          <a:p>
+            <a:r>
+              <a:rPr lang="en-US" dirty="0"/>
+              <a:t>User stories from the client (BA, project, product owner) -&gt;conversion of business req. to technical requirements for the dev team to develop on -&gt; Develop tests first -&gt; implement methods so that tests will pass</a:t>
+            </a:r>
+          </a:p>
+        </p:txBody>
+      </p:sp>
+    </p:spTree>
+    <p:extLst>
+      <p:ext uri="{BB962C8B-B14F-4D97-AF65-F5344CB8AC3E}">
+        <p14:creationId xmlns:p14="http://schemas.microsoft.com/office/powerpoint/2010/main" val="4258005963"/>
+      </p:ext>
+    </p:extLst>
+  </p:cSld>
+  <p:clrMapOvr>
+    <a:masterClrMapping/>
+  </p:clrMapOvr>
+</p:sld>
+</file>
+
+<file path=ppt/slides/slide18.xml><?xml version="1.0" encoding="utf-8"?>
+<p:sld xmlns:a="http://schemas.openxmlformats.org/drawingml/2006/main" xmlns:r="http://schemas.openxmlformats.org/officeDocument/2006/relationships" xmlns:p="http://schemas.openxmlformats.org/presentationml/2006/main">
+  <p:cSld>
+    <p:bg>
+      <p:bgPr>
+        <a:solidFill>
+          <a:schemeClr val="bg1"/>
+        </a:solidFill>
+        <a:effectLst/>
+      </p:bgPr>
+    </p:bg>
+    <p:spTree>
+      <p:nvGrpSpPr>
+        <p:cNvPr id="1" name=""/>
+        <p:cNvGrpSpPr/>
+        <p:nvPr/>
+      </p:nvGrpSpPr>
+      <p:grpSpPr>
+        <a:xfrm>
+          <a:off x="0" y="0"/>
+          <a:ext cx="0" cy="0"/>
+          <a:chOff x="0" y="0"/>
+          <a:chExt cx="0" cy="0"/>
+        </a:xfrm>
+      </p:grpSpPr>
+      <p:sp useBgFill="1">
+        <p:nvSpPr>
+          <p:cNvPr id="71" name="Rectangle 70">
+            <a:extLst>
+              <a:ext uri="{FF2B5EF4-FFF2-40B4-BE49-F238E27FC236}">
+                <a16:creationId xmlns:a16="http://schemas.microsoft.com/office/drawing/2014/main" id="{2550BE34-C2B8-49B8-8519-67A8CAD51AE9}"/>
+              </a:ext>
+              <a:ext uri="{C183D7F6-B498-43B3-948B-1728B52AA6E4}">
+                <adec:decorative xmlns:adec="http://schemas.microsoft.com/office/drawing/2017/decorative" val="1"/>
+              </a:ext>
+            </a:extLst>
+          </p:cNvPr>
+          <p:cNvSpPr>
+            <a:spLocks noGrp="1" noRot="1" noChangeAspect="1" noMove="1" noResize="1" noEditPoints="1" noAdjustHandles="1" noChangeArrowheads="1" noChangeShapeType="1" noTextEdit="1"/>
+          </p:cNvSpPr>
+          <p:nvPr>
+            <p:extLst>
+              <p:ext uri="{386F3935-93C4-4BCD-93E2-E3B085C9AB24}">
+                <p16:designElem xmlns:p16="http://schemas.microsoft.com/office/powerpoint/2015/main" val="1"/>
+              </p:ext>
+            </p:extLst>
+          </p:nvPr>
+        </p:nvSpPr>
+        <p:spPr>
+          <a:xfrm>
+            <a:off x="0" y="0"/>
+            <a:ext cx="12192000" cy="6858000"/>
+          </a:xfrm>
+          <a:prstGeom prst="rect">
+            <a:avLst/>
+          </a:prstGeom>
+          <a:ln>
+            <a:noFill/>
+          </a:ln>
+        </p:spPr>
+        <p:style>
+          <a:lnRef idx="2">
+            <a:schemeClr val="accent1">
+              <a:shade val="50000"/>
+            </a:schemeClr>
+          </a:lnRef>
+          <a:fillRef idx="1">
+            <a:schemeClr val="accent1"/>
+          </a:fillRef>
+          <a:effectRef idx="0">
+            <a:schemeClr val="accent1"/>
+          </a:effectRef>
+          <a:fontRef idx="minor">
+            <a:schemeClr val="lt1"/>
+          </a:fontRef>
+        </p:style>
+        <p:txBody>
+          <a:bodyPr rtlCol="0" anchor="ctr"/>
+          <a:lstStyle/>
+          <a:p>
+            <a:pPr algn="ctr"/>
+            <a:endParaRPr lang="en-US"/>
+          </a:p>
+        </p:txBody>
+      </p:sp>
+      <p:sp useBgFill="1">
+        <p:nvSpPr>
+          <p:cNvPr id="73" name="Rectangle 72">
+            <a:extLst>
+              <a:ext uri="{FF2B5EF4-FFF2-40B4-BE49-F238E27FC236}">
+                <a16:creationId xmlns:a16="http://schemas.microsoft.com/office/drawing/2014/main" id="{A7457DD9-5A45-400A-AB4B-4B4EDECA25F1}"/>
+              </a:ext>
+              <a:ext uri="{C183D7F6-B498-43B3-948B-1728B52AA6E4}">
+                <adec:decorative xmlns:adec="http://schemas.microsoft.com/office/drawing/2017/decorative" val="1"/>
+              </a:ext>
+            </a:extLst>
+          </p:cNvPr>
+          <p:cNvSpPr>
+            <a:spLocks noGrp="1" noRot="1" noChangeAspect="1" noMove="1" noResize="1" noEditPoints="1" noAdjustHandles="1" noChangeArrowheads="1" noChangeShapeType="1" noTextEdit="1"/>
+          </p:cNvSpPr>
+          <p:nvPr>
+            <p:extLst>
+              <p:ext uri="{386F3935-93C4-4BCD-93E2-E3B085C9AB24}">
+                <p16:designElem xmlns:p16="http://schemas.microsoft.com/office/powerpoint/2015/main" val="1"/>
+              </p:ext>
+            </p:extLst>
+          </p:nvPr>
+        </p:nvSpPr>
+        <p:spPr>
+          <a:xfrm>
+            <a:off x="554416" y="365125"/>
+            <a:ext cx="11167447" cy="2089317"/>
+          </a:xfrm>
+          <a:prstGeom prst="rect">
+            <a:avLst/>
+          </a:prstGeom>
+          <a:ln w="12700">
+            <a:solidFill>
+              <a:srgbClr val="DEDEDE"/>
+            </a:solidFill>
+          </a:ln>
+          <a:effectLst>
+            <a:outerShdw blurRad="50800" dist="38100" dir="2700000" algn="tl" rotWithShape="0">
+              <a:schemeClr val="bg2">
+                <a:lumMod val="85000"/>
+                <a:alpha val="50000"/>
+              </a:schemeClr>
+            </a:outerShdw>
+          </a:effectLst>
+        </p:spPr>
+        <p:style>
+          <a:lnRef idx="2">
+            <a:schemeClr val="accent1">
+              <a:shade val="50000"/>
+            </a:schemeClr>
+          </a:lnRef>
+          <a:fillRef idx="1">
+            <a:schemeClr val="accent1"/>
+          </a:fillRef>
+          <a:effectRef idx="0">
+            <a:schemeClr val="accent1"/>
+          </a:effectRef>
+          <a:fontRef idx="minor">
+            <a:schemeClr val="lt1"/>
+          </a:fontRef>
+        </p:style>
+        <p:txBody>
+          <a:bodyPr rtlCol="0" anchor="ctr"/>
+          <a:lstStyle/>
+          <a:p>
+            <a:pPr marL="0" marR="0" lvl="0" indent="0" algn="ctr" defTabSz="914400" rtl="0" eaLnBrk="1" fontAlgn="auto" latinLnBrk="0" hangingPunct="1">
+              <a:lnSpc>
+                <a:spcPct val="100000"/>
+              </a:lnSpc>
+              <a:spcBef>
+                <a:spcPts val="0"/>
+              </a:spcBef>
+              <a:spcAft>
+                <a:spcPts val="0"/>
+              </a:spcAft>
+              <a:buClrTx/>
+              <a:buSzTx/>
+              <a:buFontTx/>
+              <a:buNone/>
+              <a:tabLst/>
+              <a:defRPr/>
+            </a:pPr>
+            <a:endParaRPr kumimoji="0" lang="en-US" sz="1800" b="0" i="0" u="none" strike="noStrike" kern="1200" cap="none" spc="0" normalizeH="0" baseline="0" noProof="0">
+              <a:ln>
+                <a:noFill/>
+              </a:ln>
+              <a:solidFill>
+                <a:prstClr val="white"/>
+              </a:solidFill>
+              <a:effectLst/>
+              <a:uLnTx/>
+              <a:uFillTx/>
+              <a:latin typeface="Calibri" panose="020F0502020204030204"/>
+              <a:ea typeface="+mn-ea"/>
+              <a:cs typeface="+mn-cs"/>
+            </a:endParaRPr>
+          </a:p>
+        </p:txBody>
+      </p:sp>
+      <p:sp>
+        <p:nvSpPr>
+          <p:cNvPr id="2" name="Title 1">
+            <a:extLst>
+              <a:ext uri="{FF2B5EF4-FFF2-40B4-BE49-F238E27FC236}">
+                <a16:creationId xmlns:a16="http://schemas.microsoft.com/office/drawing/2014/main" id="{90575F22-7D25-42CD-B71C-852B6D002BE9}"/>
+              </a:ext>
+            </a:extLst>
+          </p:cNvPr>
+          <p:cNvSpPr>
+            <a:spLocks noGrp="1"/>
+          </p:cNvSpPr>
+          <p:nvPr>
+            <p:ph type="title"/>
+          </p:nvPr>
+        </p:nvSpPr>
+        <p:spPr>
+          <a:xfrm>
+            <a:off x="1046746" y="586822"/>
+            <a:ext cx="3560252" cy="1645920"/>
+          </a:xfrm>
+        </p:spPr>
+        <p:txBody>
+          <a:bodyPr>
+            <a:normAutofit/>
+          </a:bodyPr>
+          <a:lstStyle/>
+          <a:p>
+            <a:r>
+              <a:rPr lang="en-US" sz="3200"/>
+              <a:t>Cucumber</a:t>
+            </a:r>
+          </a:p>
+        </p:txBody>
+      </p:sp>
+      <p:sp>
+        <p:nvSpPr>
+          <p:cNvPr id="75" name="Rectangle 74">
+            <a:extLst>
+              <a:ext uri="{FF2B5EF4-FFF2-40B4-BE49-F238E27FC236}">
+                <a16:creationId xmlns:a16="http://schemas.microsoft.com/office/drawing/2014/main" id="{441CF7D6-A660-431A-B0BB-140A0D5556B6}"/>
+              </a:ext>
+              <a:ext uri="{C183D7F6-B498-43B3-948B-1728B52AA6E4}">
+                <adec:decorative xmlns:adec="http://schemas.microsoft.com/office/drawing/2017/decorative" val="1"/>
+              </a:ext>
+            </a:extLst>
+          </p:cNvPr>
+          <p:cNvSpPr>
+            <a:spLocks noGrp="1" noRot="1" noChangeAspect="1" noMove="1" noResize="1" noEditPoints="1" noAdjustHandles="1" noChangeArrowheads="1" noChangeShapeType="1" noTextEdit="1"/>
+          </p:cNvSpPr>
+          <p:nvPr>
+            <p:extLst>
+              <p:ext uri="{386F3935-93C4-4BCD-93E2-E3B085C9AB24}">
+                <p16:designElem xmlns:p16="http://schemas.microsoft.com/office/powerpoint/2015/main" val="1"/>
+              </p:ext>
+            </p:extLst>
+          </p:nvPr>
+        </p:nvSpPr>
+        <p:spPr>
+          <a:xfrm>
+            <a:off x="490408" y="1057739"/>
+            <a:ext cx="128016" cy="704088"/>
+          </a:xfrm>
+          <a:prstGeom prst="rect">
+            <a:avLst/>
+          </a:prstGeom>
+          <a:solidFill>
+            <a:schemeClr val="accent2"/>
+          </a:solidFill>
+          <a:ln>
+            <a:noFill/>
+          </a:ln>
+        </p:spPr>
+        <p:style>
+          <a:lnRef idx="2">
+            <a:schemeClr val="accent1">
+              <a:shade val="50000"/>
+            </a:schemeClr>
+          </a:lnRef>
+          <a:fillRef idx="1">
+            <a:schemeClr val="accent1"/>
+          </a:fillRef>
+          <a:effectRef idx="0">
+            <a:schemeClr val="accent1"/>
+          </a:effectRef>
+          <a:fontRef idx="minor">
+            <a:schemeClr val="lt1"/>
+          </a:fontRef>
+        </p:style>
+        <p:txBody>
+          <a:bodyPr rtlCol="0" anchor="ctr"/>
+          <a:lstStyle/>
+          <a:p>
+            <a:pPr algn="ctr"/>
+            <a:endParaRPr lang="en-US" dirty="0">
+              <a:solidFill>
+                <a:prstClr val="white"/>
+              </a:solidFill>
+              <a:latin typeface="Calibri" panose="020F0502020204030204"/>
+            </a:endParaRPr>
+          </a:p>
+        </p:txBody>
+      </p:sp>
+      <p:sp>
+        <p:nvSpPr>
+          <p:cNvPr id="77" name="Rectangle 76">
+            <a:extLst>
+              <a:ext uri="{FF2B5EF4-FFF2-40B4-BE49-F238E27FC236}">
+                <a16:creationId xmlns:a16="http://schemas.microsoft.com/office/drawing/2014/main" id="{0570A85B-3810-4F95-97B0-CBF4CCDB381C}"/>
+              </a:ext>
+              <a:ext uri="{C183D7F6-B498-43B3-948B-1728B52AA6E4}">
+                <adec:decorative xmlns:adec="http://schemas.microsoft.com/office/drawing/2017/decorative" val="1"/>
+              </a:ext>
+            </a:extLst>
+          </p:cNvPr>
+          <p:cNvSpPr>
+            <a:spLocks noGrp="1" noRot="1" noChangeAspect="1" noMove="1" noResize="1" noEditPoints="1" noAdjustHandles="1" noChangeArrowheads="1" noChangeShapeType="1" noTextEdit="1"/>
+          </p:cNvSpPr>
+          <p:nvPr>
+            <p:extLst>
+              <p:ext uri="{386F3935-93C4-4BCD-93E2-E3B085C9AB24}">
+                <p16:designElem xmlns:p16="http://schemas.microsoft.com/office/powerpoint/2015/main" val="1"/>
+              </p:ext>
+            </p:extLst>
+          </p:nvPr>
+        </p:nvSpPr>
+        <p:spPr>
+          <a:xfrm rot="5400000">
+            <a:off x="4243541" y="1400638"/>
+            <a:ext cx="1463040" cy="18288"/>
+          </a:xfrm>
+          <a:prstGeom prst="rect">
+            <a:avLst/>
+          </a:prstGeom>
+          <a:solidFill>
+            <a:srgbClr val="D5D5D5"/>
+          </a:solidFill>
+          <a:ln w="3175">
+            <a:noFill/>
+          </a:ln>
+          <a:effectLst/>
+        </p:spPr>
+        <p:style>
+          <a:lnRef idx="2">
+            <a:schemeClr val="accent1">
+              <a:shade val="50000"/>
+            </a:schemeClr>
+          </a:lnRef>
+          <a:fillRef idx="1">
+            <a:schemeClr val="accent1"/>
+          </a:fillRef>
+          <a:effectRef idx="0">
+            <a:schemeClr val="accent1"/>
+          </a:effectRef>
+          <a:fontRef idx="minor">
+            <a:schemeClr val="lt1"/>
+          </a:fontRef>
+        </p:style>
+        <p:txBody>
+          <a:bodyPr rtlCol="0" anchor="ctr"/>
+          <a:lstStyle/>
+          <a:p>
+            <a:pPr algn="ctr"/>
+            <a:endParaRPr lang="en-US">
+              <a:solidFill>
+                <a:prstClr val="white"/>
+              </a:solidFill>
+              <a:latin typeface="Calibri" panose="020F0502020204030204"/>
+            </a:endParaRPr>
+          </a:p>
+        </p:txBody>
+      </p:sp>
+      <p:sp>
+        <p:nvSpPr>
+          <p:cNvPr id="3" name="Content Placeholder 2">
+            <a:extLst>
+              <a:ext uri="{FF2B5EF4-FFF2-40B4-BE49-F238E27FC236}">
+                <a16:creationId xmlns:a16="http://schemas.microsoft.com/office/drawing/2014/main" id="{8AEDEC8B-4D9A-4FDF-8C1A-B8ECFAF77357}"/>
+              </a:ext>
+            </a:extLst>
+          </p:cNvPr>
+          <p:cNvSpPr>
+            <a:spLocks noGrp="1"/>
+          </p:cNvSpPr>
+          <p:nvPr>
+            <p:ph idx="1"/>
+          </p:nvPr>
+        </p:nvSpPr>
+        <p:spPr>
+          <a:xfrm>
+            <a:off x="5351164" y="586822"/>
+            <a:ext cx="6002636" cy="1645920"/>
+          </a:xfrm>
+        </p:spPr>
+        <p:txBody>
+          <a:bodyPr anchor="ctr">
+            <a:normAutofit/>
+          </a:bodyPr>
+          <a:lstStyle/>
+          <a:p>
+            <a:r>
+              <a:rPr lang="en-US" sz="1800"/>
+              <a:t>Open-source software tool that supports BDD</a:t>
+            </a:r>
+          </a:p>
+          <a:p>
+            <a:r>
+              <a:rPr lang="en-US" sz="1800"/>
+              <a:t>Describes the scenario, inputs, outputs, etc.</a:t>
+            </a:r>
+          </a:p>
+          <a:p>
+            <a:r>
+              <a:rPr lang="en-US" sz="1800"/>
+              <a:t>Who uses cucumber? Project Manager/BA (person doing requirements gathering), people writing the test </a:t>
+            </a:r>
+          </a:p>
+        </p:txBody>
+      </p:sp>
+      <p:pic>
+        <p:nvPicPr>
+          <p:cNvPr id="1026" name="Picture 2" descr="How to add Cucumber feature file in eclipse project ...">
+            <a:extLst>
+              <a:ext uri="{FF2B5EF4-FFF2-40B4-BE49-F238E27FC236}">
+                <a16:creationId xmlns:a16="http://schemas.microsoft.com/office/drawing/2014/main" id="{2DBD684E-A287-4CF3-8A58-256A954781EB}"/>
+              </a:ext>
+            </a:extLst>
+          </p:cNvPr>
+          <p:cNvPicPr>
+            <a:picLocks noChangeAspect="1" noChangeArrowheads="1"/>
+          </p:cNvPicPr>
+          <p:nvPr/>
+        </p:nvPicPr>
+        <p:blipFill>
+          <a:blip r:embed="rId2">
+            <a:extLst>
+              <a:ext uri="{28A0092B-C50C-407E-A947-70E740481C1C}">
+                <a14:useLocalDpi xmlns:a14="http://schemas.microsoft.com/office/drawing/2010/main" val="0"/>
+              </a:ext>
+            </a:extLst>
+          </a:blip>
+          <a:stretch>
+            <a:fillRect/>
+          </a:stretch>
+        </p:blipFill>
+        <p:spPr bwMode="auto">
+          <a:xfrm>
+            <a:off x="118060" y="2232742"/>
+            <a:ext cx="10698464" cy="3985178"/>
+          </a:xfrm>
+          <a:prstGeom prst="rect">
+            <a:avLst/>
+          </a:prstGeom>
+          <a:noFill/>
+          <a:extLst>
+            <a:ext uri="{909E8E84-426E-40DD-AFC4-6F175D3DCCD1}">
+              <a14:hiddenFill xmlns:a14="http://schemas.microsoft.com/office/drawing/2010/main">
+                <a:solidFill>
+                  <a:srgbClr val="FFFFFF"/>
+                </a:solidFill>
+              </a14:hiddenFill>
+            </a:ext>
+          </a:extLst>
+        </p:spPr>
+      </p:pic>
+    </p:spTree>
+    <p:extLst>
+      <p:ext uri="{BB962C8B-B14F-4D97-AF65-F5344CB8AC3E}">
+        <p14:creationId xmlns:p14="http://schemas.microsoft.com/office/powerpoint/2010/main" val="2830675734"/>
+      </p:ext>
+    </p:extLst>
+  </p:cSld>
+  <p:clrMapOvr>
+    <a:masterClrMapping/>
+  </p:clrMapOvr>
+</p:sld>
+</file>
+
+<file path=ppt/slides/slide19.xml><?xml version="1.0" encoding="utf-8"?>
+<p:sld xmlns:a="http://schemas.openxmlformats.org/drawingml/2006/main" xmlns:r="http://schemas.openxmlformats.org/officeDocument/2006/relationships" xmlns:p="http://schemas.openxmlformats.org/presentationml/2006/main">
+  <p:cSld>
+    <p:spTree>
+      <p:nvGrpSpPr>
+        <p:cNvPr id="1" name=""/>
+        <p:cNvGrpSpPr/>
+        <p:nvPr/>
+      </p:nvGrpSpPr>
+      <p:grpSpPr>
+        <a:xfrm>
+          <a:off x="0" y="0"/>
+          <a:ext cx="0" cy="0"/>
+          <a:chOff x="0" y="0"/>
+          <a:chExt cx="0" cy="0"/>
+        </a:xfrm>
+      </p:grpSpPr>
+      <p:sp>
+        <p:nvSpPr>
+          <p:cNvPr id="2" name="Title 1">
+            <a:extLst>
+              <a:ext uri="{FF2B5EF4-FFF2-40B4-BE49-F238E27FC236}">
+                <a16:creationId xmlns:a16="http://schemas.microsoft.com/office/drawing/2014/main" id="{C9BC917F-0C28-4FEB-9D45-B5743D83EBD1}"/>
+              </a:ext>
+            </a:extLst>
+          </p:cNvPr>
+          <p:cNvSpPr>
+            <a:spLocks noGrp="1"/>
+          </p:cNvSpPr>
+          <p:nvPr>
+            <p:ph type="title"/>
+          </p:nvPr>
+        </p:nvSpPr>
+        <p:spPr/>
+        <p:txBody>
+          <a:bodyPr/>
+          <a:lstStyle/>
+          <a:p>
+            <a:r>
+              <a:rPr lang="en-US" dirty="0"/>
+              <a:t>Gherkin</a:t>
+            </a:r>
+          </a:p>
+        </p:txBody>
+      </p:sp>
+      <p:sp>
+        <p:nvSpPr>
+          <p:cNvPr id="3" name="Content Placeholder 2">
+            <a:extLst>
+              <a:ext uri="{FF2B5EF4-FFF2-40B4-BE49-F238E27FC236}">
+                <a16:creationId xmlns:a16="http://schemas.microsoft.com/office/drawing/2014/main" id="{8A072EB9-FADC-423A-B0EE-276BB60CC2A2}"/>
+              </a:ext>
+            </a:extLst>
+          </p:cNvPr>
+          <p:cNvSpPr>
+            <a:spLocks noGrp="1"/>
+          </p:cNvSpPr>
+          <p:nvPr>
+            <p:ph idx="1"/>
+          </p:nvPr>
+        </p:nvSpPr>
+        <p:spPr/>
+        <p:txBody>
+          <a:bodyPr>
+            <a:normAutofit fontScale="92500" lnSpcReduction="10000"/>
+          </a:bodyPr>
+          <a:lstStyle/>
+          <a:p>
+            <a:r>
+              <a:rPr lang="en-US" dirty="0"/>
+              <a:t>The language that Cucumber feature files are written in</a:t>
+            </a:r>
+          </a:p>
+          <a:p>
+            <a:r>
+              <a:rPr lang="en-US" dirty="0"/>
+              <a:t>They come in a variety of spoken languages (English, Spanish, Portuguese, etc.)</a:t>
+            </a:r>
+          </a:p>
+          <a:p>
+            <a:r>
+              <a:rPr lang="en-US" dirty="0"/>
+              <a:t>Feature</a:t>
+            </a:r>
+          </a:p>
+          <a:p>
+            <a:r>
+              <a:rPr lang="en-US" dirty="0"/>
+              <a:t>Scenario</a:t>
+            </a:r>
+          </a:p>
+          <a:p>
+            <a:r>
+              <a:rPr lang="en-US" dirty="0"/>
+              <a:t>Given</a:t>
+            </a:r>
+          </a:p>
+          <a:p>
+            <a:r>
+              <a:rPr lang="en-US" dirty="0"/>
+              <a:t>When</a:t>
+            </a:r>
+          </a:p>
+          <a:p>
+            <a:r>
+              <a:rPr lang="en-US" dirty="0"/>
+              <a:t>Then</a:t>
+            </a:r>
+          </a:p>
+          <a:p>
+            <a:r>
+              <a:rPr lang="en-US" dirty="0"/>
+              <a:t>And</a:t>
+            </a:r>
+          </a:p>
+          <a:p>
+            <a:r>
+              <a:rPr lang="en-US" dirty="0"/>
+              <a:t>Etc.</a:t>
+            </a:r>
+          </a:p>
+        </p:txBody>
+      </p:sp>
+    </p:spTree>
+    <p:extLst>
+      <p:ext uri="{BB962C8B-B14F-4D97-AF65-F5344CB8AC3E}">
+        <p14:creationId xmlns:p14="http://schemas.microsoft.com/office/powerpoint/2010/main" val="1559312558"/>
+      </p:ext>
+    </p:extLst>
+  </p:cSld>
+  <p:clrMapOvr>
+    <a:masterClrMapping/>
+  </p:clrMapOvr>
+</p:sld>
+</file>
+
 <file path=ppt/slides/slide2.xml><?xml version="1.0" encoding="utf-8"?>
 <p:sld xmlns:a="http://schemas.openxmlformats.org/drawingml/2006/main" xmlns:r="http://schemas.openxmlformats.org/officeDocument/2006/relationships" xmlns:p="http://schemas.openxmlformats.org/presentationml/2006/main">
   <p:cSld>
@@ -4152,6 +5352,1928 @@
     <p:extLst>
       <p:ext uri="{BB962C8B-B14F-4D97-AF65-F5344CB8AC3E}">
         <p14:creationId xmlns:p14="http://schemas.microsoft.com/office/powerpoint/2010/main" val="3429011806"/>
+      </p:ext>
+    </p:extLst>
+  </p:cSld>
+  <p:clrMapOvr>
+    <a:masterClrMapping/>
+  </p:clrMapOvr>
+</p:sld>
+</file>
+
+<file path=ppt/slides/slide20.xml><?xml version="1.0" encoding="utf-8"?>
+<p:sld xmlns:a="http://schemas.openxmlformats.org/drawingml/2006/main" xmlns:r="http://schemas.openxmlformats.org/officeDocument/2006/relationships" xmlns:p="http://schemas.openxmlformats.org/presentationml/2006/main">
+  <p:cSld>
+    <p:spTree>
+      <p:nvGrpSpPr>
+        <p:cNvPr id="1" name=""/>
+        <p:cNvGrpSpPr/>
+        <p:nvPr/>
+      </p:nvGrpSpPr>
+      <p:grpSpPr>
+        <a:xfrm>
+          <a:off x="0" y="0"/>
+          <a:ext cx="0" cy="0"/>
+          <a:chOff x="0" y="0"/>
+          <a:chExt cx="0" cy="0"/>
+        </a:xfrm>
+      </p:grpSpPr>
+      <p:sp>
+        <p:nvSpPr>
+          <p:cNvPr id="2" name="Title 1">
+            <a:extLst>
+              <a:ext uri="{FF2B5EF4-FFF2-40B4-BE49-F238E27FC236}">
+                <a16:creationId xmlns:a16="http://schemas.microsoft.com/office/drawing/2014/main" id="{462F0331-303B-4303-86D5-7168D0124F33}"/>
+              </a:ext>
+            </a:extLst>
+          </p:cNvPr>
+          <p:cNvSpPr>
+            <a:spLocks noGrp="1"/>
+          </p:cNvSpPr>
+          <p:nvPr>
+            <p:ph type="title"/>
+          </p:nvPr>
+        </p:nvSpPr>
+        <p:spPr/>
+        <p:txBody>
+          <a:bodyPr/>
+          <a:lstStyle/>
+          <a:p>
+            <a:r>
+              <a:rPr lang="en-US" dirty="0"/>
+              <a:t>Cucumber</a:t>
+            </a:r>
+          </a:p>
+        </p:txBody>
+      </p:sp>
+      <p:sp>
+        <p:nvSpPr>
+          <p:cNvPr id="3" name="Content Placeholder 2">
+            <a:extLst>
+              <a:ext uri="{FF2B5EF4-FFF2-40B4-BE49-F238E27FC236}">
+                <a16:creationId xmlns:a16="http://schemas.microsoft.com/office/drawing/2014/main" id="{86A79BA7-76DF-463D-B09F-BF26D157F95B}"/>
+              </a:ext>
+            </a:extLst>
+          </p:cNvPr>
+          <p:cNvSpPr>
+            <a:spLocks noGrp="1"/>
+          </p:cNvSpPr>
+          <p:nvPr>
+            <p:ph idx="1"/>
+          </p:nvPr>
+        </p:nvSpPr>
+        <p:spPr/>
+        <p:txBody>
+          <a:bodyPr/>
+          <a:lstStyle/>
+          <a:p>
+            <a:pPr marL="514350" indent="-514350">
+              <a:buAutoNum type="arabicPeriod"/>
+            </a:pPr>
+            <a:r>
+              <a:rPr lang="en-US" dirty="0"/>
+              <a:t>Allows for requirement gathering by potentially non-technical personnel (in the form of feature files)</a:t>
+            </a:r>
+          </a:p>
+          <a:p>
+            <a:pPr marL="514350" indent="-514350">
+              <a:buAutoNum type="arabicPeriod"/>
+            </a:pPr>
+            <a:r>
+              <a:rPr lang="en-US" dirty="0"/>
+              <a:t>Cucumber can generate the outlines (step definition files) for tests that can be incorporate with a test-runner (Junit/TestNG)</a:t>
+            </a:r>
+          </a:p>
+          <a:p>
+            <a:pPr marL="514350" indent="-514350">
+              <a:buAutoNum type="arabicPeriod"/>
+            </a:pPr>
+            <a:r>
+              <a:rPr lang="en-US" dirty="0"/>
+              <a:t>Write the Junit tests that correspond to the step definition files</a:t>
+            </a:r>
+          </a:p>
+        </p:txBody>
+      </p:sp>
+    </p:spTree>
+    <p:extLst>
+      <p:ext uri="{BB962C8B-B14F-4D97-AF65-F5344CB8AC3E}">
+        <p14:creationId xmlns:p14="http://schemas.microsoft.com/office/powerpoint/2010/main" val="2456565555"/>
+      </p:ext>
+    </p:extLst>
+  </p:cSld>
+  <p:clrMapOvr>
+    <a:masterClrMapping/>
+  </p:clrMapOvr>
+</p:sld>
+</file>
+
+<file path=ppt/slides/slide21.xml><?xml version="1.0" encoding="utf-8"?>
+<p:sld xmlns:a="http://schemas.openxmlformats.org/drawingml/2006/main" xmlns:r="http://schemas.openxmlformats.org/officeDocument/2006/relationships" xmlns:p="http://schemas.openxmlformats.org/presentationml/2006/main">
+  <p:cSld>
+    <p:spTree>
+      <p:nvGrpSpPr>
+        <p:cNvPr id="1" name=""/>
+        <p:cNvGrpSpPr/>
+        <p:nvPr/>
+      </p:nvGrpSpPr>
+      <p:grpSpPr>
+        <a:xfrm>
+          <a:off x="0" y="0"/>
+          <a:ext cx="0" cy="0"/>
+          <a:chOff x="0" y="0"/>
+          <a:chExt cx="0" cy="0"/>
+        </a:xfrm>
+      </p:grpSpPr>
+      <p:sp>
+        <p:nvSpPr>
+          <p:cNvPr id="2" name="Title 1">
+            <a:extLst>
+              <a:ext uri="{FF2B5EF4-FFF2-40B4-BE49-F238E27FC236}">
+                <a16:creationId xmlns:a16="http://schemas.microsoft.com/office/drawing/2014/main" id="{49536E5B-7F21-47E5-BC02-EAA495B23638}"/>
+              </a:ext>
+            </a:extLst>
+          </p:cNvPr>
+          <p:cNvSpPr>
+            <a:spLocks noGrp="1"/>
+          </p:cNvSpPr>
+          <p:nvPr>
+            <p:ph type="title"/>
+          </p:nvPr>
+        </p:nvSpPr>
+        <p:spPr/>
+        <p:txBody>
+          <a:bodyPr/>
+          <a:lstStyle/>
+          <a:p>
+            <a:r>
+              <a:rPr lang="en-US" dirty="0"/>
+              <a:t>Proposed Project Architecture</a:t>
+            </a:r>
+          </a:p>
+        </p:txBody>
+      </p:sp>
+      <p:sp>
+        <p:nvSpPr>
+          <p:cNvPr id="3" name="Content Placeholder 2">
+            <a:extLst>
+              <a:ext uri="{FF2B5EF4-FFF2-40B4-BE49-F238E27FC236}">
+                <a16:creationId xmlns:a16="http://schemas.microsoft.com/office/drawing/2014/main" id="{E3F8C7A9-002D-4B82-B3FE-F5546F579C43}"/>
+              </a:ext>
+            </a:extLst>
+          </p:cNvPr>
+          <p:cNvSpPr>
+            <a:spLocks noGrp="1"/>
+          </p:cNvSpPr>
+          <p:nvPr>
+            <p:ph idx="1"/>
+          </p:nvPr>
+        </p:nvSpPr>
+        <p:spPr/>
+        <p:txBody>
+          <a:bodyPr/>
+          <a:lstStyle/>
+          <a:p>
+            <a:r>
+              <a:rPr lang="en-US" dirty="0"/>
+              <a:t>Goal is to incorporate testing automation into Kevin and Alex’s Team’s P2</a:t>
+            </a:r>
+          </a:p>
+          <a:p>
+            <a:r>
+              <a:rPr lang="en-US" dirty="0"/>
+              <a:t>Some how adding in Selenium and Cucumber test automation</a:t>
+            </a:r>
+          </a:p>
+        </p:txBody>
+      </p:sp>
+    </p:spTree>
+    <p:extLst>
+      <p:ext uri="{BB962C8B-B14F-4D97-AF65-F5344CB8AC3E}">
+        <p14:creationId xmlns:p14="http://schemas.microsoft.com/office/powerpoint/2010/main" val="2499049620"/>
+      </p:ext>
+    </p:extLst>
+  </p:cSld>
+  <p:clrMapOvr>
+    <a:masterClrMapping/>
+  </p:clrMapOvr>
+</p:sld>
+</file>
+
+<file path=ppt/slides/slide22.xml><?xml version="1.0" encoding="utf-8"?>
+<p:sld xmlns:a="http://schemas.openxmlformats.org/drawingml/2006/main" xmlns:r="http://schemas.openxmlformats.org/officeDocument/2006/relationships" xmlns:p="http://schemas.openxmlformats.org/presentationml/2006/main">
+  <p:cSld>
+    <p:spTree>
+      <p:nvGrpSpPr>
+        <p:cNvPr id="1" name=""/>
+        <p:cNvGrpSpPr/>
+        <p:nvPr/>
+      </p:nvGrpSpPr>
+      <p:grpSpPr>
+        <a:xfrm>
+          <a:off x="0" y="0"/>
+          <a:ext cx="0" cy="0"/>
+          <a:chOff x="0" y="0"/>
+          <a:chExt cx="0" cy="0"/>
+        </a:xfrm>
+      </p:grpSpPr>
+      <p:sp>
+        <p:nvSpPr>
+          <p:cNvPr id="2" name="Title 1">
+            <a:extLst>
+              <a:ext uri="{FF2B5EF4-FFF2-40B4-BE49-F238E27FC236}">
+                <a16:creationId xmlns:a16="http://schemas.microsoft.com/office/drawing/2014/main" id="{14880EA7-38F7-4B5B-A1FC-CDA52E29D5E1}"/>
+              </a:ext>
+            </a:extLst>
+          </p:cNvPr>
+          <p:cNvSpPr>
+            <a:spLocks noGrp="1"/>
+          </p:cNvSpPr>
+          <p:nvPr>
+            <p:ph type="title"/>
+          </p:nvPr>
+        </p:nvSpPr>
+        <p:spPr/>
+        <p:txBody>
+          <a:bodyPr/>
+          <a:lstStyle/>
+          <a:p>
+            <a:r>
+              <a:rPr lang="en-US"/>
+              <a:t>Ideal automation scenario with Se</a:t>
+            </a:r>
+            <a:endParaRPr lang="en-US" dirty="0"/>
+          </a:p>
+        </p:txBody>
+      </p:sp>
+      <p:sp>
+        <p:nvSpPr>
+          <p:cNvPr id="4" name="Rectangle 3">
+            <a:extLst>
+              <a:ext uri="{FF2B5EF4-FFF2-40B4-BE49-F238E27FC236}">
+                <a16:creationId xmlns:a16="http://schemas.microsoft.com/office/drawing/2014/main" id="{7A0D8B2F-17DD-4879-8242-B4C73A55D3DA}"/>
+              </a:ext>
+            </a:extLst>
+          </p:cNvPr>
+          <p:cNvSpPr/>
+          <p:nvPr/>
+        </p:nvSpPr>
+        <p:spPr>
+          <a:xfrm>
+            <a:off x="3366052" y="1563756"/>
+            <a:ext cx="1311965" cy="1325563"/>
+          </a:xfrm>
+          <a:prstGeom prst="rect">
+            <a:avLst/>
+          </a:prstGeom>
+        </p:spPr>
+        <p:style>
+          <a:lnRef idx="2">
+            <a:schemeClr val="accent1">
+              <a:shade val="50000"/>
+            </a:schemeClr>
+          </a:lnRef>
+          <a:fillRef idx="1">
+            <a:schemeClr val="accent1"/>
+          </a:fillRef>
+          <a:effectRef idx="0">
+            <a:schemeClr val="accent1"/>
+          </a:effectRef>
+          <a:fontRef idx="minor">
+            <a:schemeClr val="lt1"/>
+          </a:fontRef>
+        </p:style>
+        <p:txBody>
+          <a:bodyPr rtlCol="0" anchor="ctr"/>
+          <a:lstStyle/>
+          <a:p>
+            <a:pPr algn="ctr"/>
+            <a:r>
+              <a:rPr lang="en-US" dirty="0"/>
+              <a:t>Controller</a:t>
+            </a:r>
+          </a:p>
+        </p:txBody>
+      </p:sp>
+      <p:sp>
+        <p:nvSpPr>
+          <p:cNvPr id="5" name="Rectangle 4">
+            <a:extLst>
+              <a:ext uri="{FF2B5EF4-FFF2-40B4-BE49-F238E27FC236}">
+                <a16:creationId xmlns:a16="http://schemas.microsoft.com/office/drawing/2014/main" id="{5842D339-8A28-4EAF-A32B-D2CD54346390}"/>
+              </a:ext>
+            </a:extLst>
+          </p:cNvPr>
+          <p:cNvSpPr/>
+          <p:nvPr/>
+        </p:nvSpPr>
+        <p:spPr>
+          <a:xfrm>
+            <a:off x="5002695" y="1563755"/>
+            <a:ext cx="1311965" cy="1325563"/>
+          </a:xfrm>
+          <a:prstGeom prst="rect">
+            <a:avLst/>
+          </a:prstGeom>
+        </p:spPr>
+        <p:style>
+          <a:lnRef idx="2">
+            <a:schemeClr val="accent1">
+              <a:shade val="50000"/>
+            </a:schemeClr>
+          </a:lnRef>
+          <a:fillRef idx="1">
+            <a:schemeClr val="accent1"/>
+          </a:fillRef>
+          <a:effectRef idx="0">
+            <a:schemeClr val="accent1"/>
+          </a:effectRef>
+          <a:fontRef idx="minor">
+            <a:schemeClr val="lt1"/>
+          </a:fontRef>
+        </p:style>
+        <p:txBody>
+          <a:bodyPr rtlCol="0" anchor="ctr"/>
+          <a:lstStyle/>
+          <a:p>
+            <a:pPr algn="ctr"/>
+            <a:r>
+              <a:rPr lang="en-US" dirty="0"/>
+              <a:t>Service</a:t>
+            </a:r>
+          </a:p>
+        </p:txBody>
+      </p:sp>
+      <p:sp>
+        <p:nvSpPr>
+          <p:cNvPr id="6" name="Rectangle 5">
+            <a:extLst>
+              <a:ext uri="{FF2B5EF4-FFF2-40B4-BE49-F238E27FC236}">
+                <a16:creationId xmlns:a16="http://schemas.microsoft.com/office/drawing/2014/main" id="{02E427EE-1F03-4FD4-AEA1-197F0F8FDD6E}"/>
+              </a:ext>
+            </a:extLst>
+          </p:cNvPr>
+          <p:cNvSpPr/>
+          <p:nvPr/>
+        </p:nvSpPr>
+        <p:spPr>
+          <a:xfrm>
+            <a:off x="6659215" y="1563754"/>
+            <a:ext cx="1311965" cy="1325563"/>
+          </a:xfrm>
+          <a:prstGeom prst="rect">
+            <a:avLst/>
+          </a:prstGeom>
+        </p:spPr>
+        <p:style>
+          <a:lnRef idx="2">
+            <a:schemeClr val="accent1">
+              <a:shade val="50000"/>
+            </a:schemeClr>
+          </a:lnRef>
+          <a:fillRef idx="1">
+            <a:schemeClr val="accent1"/>
+          </a:fillRef>
+          <a:effectRef idx="0">
+            <a:schemeClr val="accent1"/>
+          </a:effectRef>
+          <a:fontRef idx="minor">
+            <a:schemeClr val="lt1"/>
+          </a:fontRef>
+        </p:style>
+        <p:txBody>
+          <a:bodyPr rtlCol="0" anchor="ctr"/>
+          <a:lstStyle/>
+          <a:p>
+            <a:pPr algn="ctr"/>
+            <a:r>
+              <a:rPr lang="en-US" dirty="0"/>
+              <a:t>Repo</a:t>
+            </a:r>
+          </a:p>
+        </p:txBody>
+      </p:sp>
+      <p:sp>
+        <p:nvSpPr>
+          <p:cNvPr id="7" name="Rectangle 6">
+            <a:extLst>
+              <a:ext uri="{FF2B5EF4-FFF2-40B4-BE49-F238E27FC236}">
+                <a16:creationId xmlns:a16="http://schemas.microsoft.com/office/drawing/2014/main" id="{D89368C1-74C7-4776-8725-97DDCFB41EE1}"/>
+              </a:ext>
+            </a:extLst>
+          </p:cNvPr>
+          <p:cNvSpPr/>
+          <p:nvPr/>
+        </p:nvSpPr>
+        <p:spPr>
+          <a:xfrm>
+            <a:off x="8623848" y="1563753"/>
+            <a:ext cx="1311965" cy="1325563"/>
+          </a:xfrm>
+          <a:prstGeom prst="rect">
+            <a:avLst/>
+          </a:prstGeom>
+        </p:spPr>
+        <p:style>
+          <a:lnRef idx="2">
+            <a:schemeClr val="accent1">
+              <a:shade val="50000"/>
+            </a:schemeClr>
+          </a:lnRef>
+          <a:fillRef idx="1">
+            <a:schemeClr val="accent1"/>
+          </a:fillRef>
+          <a:effectRef idx="0">
+            <a:schemeClr val="accent1"/>
+          </a:effectRef>
+          <a:fontRef idx="minor">
+            <a:schemeClr val="lt1"/>
+          </a:fontRef>
+        </p:style>
+        <p:txBody>
+          <a:bodyPr rtlCol="0" anchor="ctr"/>
+          <a:lstStyle/>
+          <a:p>
+            <a:pPr algn="ctr"/>
+            <a:r>
+              <a:rPr lang="en-US" dirty="0"/>
+              <a:t>Model</a:t>
+            </a:r>
+          </a:p>
+        </p:txBody>
+      </p:sp>
+      <p:sp>
+        <p:nvSpPr>
+          <p:cNvPr id="8" name="Rectangle 7">
+            <a:extLst>
+              <a:ext uri="{FF2B5EF4-FFF2-40B4-BE49-F238E27FC236}">
+                <a16:creationId xmlns:a16="http://schemas.microsoft.com/office/drawing/2014/main" id="{F1EFB204-7CC0-4F15-8AFE-BF96B4F98EF0}"/>
+              </a:ext>
+            </a:extLst>
+          </p:cNvPr>
+          <p:cNvSpPr/>
+          <p:nvPr/>
+        </p:nvSpPr>
+        <p:spPr>
+          <a:xfrm>
+            <a:off x="2902226" y="1311965"/>
+            <a:ext cx="7593496" cy="1855305"/>
+          </a:xfrm>
+          <a:prstGeom prst="rect">
+            <a:avLst/>
+          </a:prstGeom>
+          <a:noFill/>
+          <a:ln>
+            <a:solidFill>
+              <a:schemeClr val="tx1"/>
+            </a:solidFill>
+            <a:prstDash val="lgDash"/>
+          </a:ln>
+        </p:spPr>
+        <p:style>
+          <a:lnRef idx="2">
+            <a:schemeClr val="accent1">
+              <a:shade val="50000"/>
+            </a:schemeClr>
+          </a:lnRef>
+          <a:fillRef idx="1">
+            <a:schemeClr val="accent1"/>
+          </a:fillRef>
+          <a:effectRef idx="0">
+            <a:schemeClr val="accent1"/>
+          </a:effectRef>
+          <a:fontRef idx="minor">
+            <a:schemeClr val="lt1"/>
+          </a:fontRef>
+        </p:style>
+        <p:txBody>
+          <a:bodyPr rtlCol="0" anchor="ctr"/>
+          <a:lstStyle/>
+          <a:p>
+            <a:pPr algn="ctr"/>
+            <a:endParaRPr lang="en-US"/>
+          </a:p>
+        </p:txBody>
+      </p:sp>
+      <p:sp>
+        <p:nvSpPr>
+          <p:cNvPr id="9" name="TextBox 8">
+            <a:extLst>
+              <a:ext uri="{FF2B5EF4-FFF2-40B4-BE49-F238E27FC236}">
+                <a16:creationId xmlns:a16="http://schemas.microsoft.com/office/drawing/2014/main" id="{9B7366E3-0BFD-4D54-8E1E-1F9F68EE24EB}"/>
+              </a:ext>
+            </a:extLst>
+          </p:cNvPr>
+          <p:cNvSpPr txBox="1"/>
+          <p:nvPr/>
+        </p:nvSpPr>
+        <p:spPr>
+          <a:xfrm>
+            <a:off x="838200" y="2093843"/>
+            <a:ext cx="1486882" cy="369332"/>
+          </a:xfrm>
+          <a:prstGeom prst="rect">
+            <a:avLst/>
+          </a:prstGeom>
+          <a:noFill/>
+        </p:spPr>
+        <p:txBody>
+          <a:bodyPr wrap="none" rtlCol="0">
+            <a:spAutoFit/>
+          </a:bodyPr>
+          <a:lstStyle/>
+          <a:p>
+            <a:r>
+              <a:rPr lang="en-US" dirty="0" err="1"/>
+              <a:t>Src</a:t>
+            </a:r>
+            <a:r>
+              <a:rPr lang="en-US" dirty="0"/>
+              <a:t>/main/java</a:t>
+            </a:r>
+          </a:p>
+        </p:txBody>
+      </p:sp>
+      <p:sp>
+        <p:nvSpPr>
+          <p:cNvPr id="10" name="Rectangle 9">
+            <a:extLst>
+              <a:ext uri="{FF2B5EF4-FFF2-40B4-BE49-F238E27FC236}">
+                <a16:creationId xmlns:a16="http://schemas.microsoft.com/office/drawing/2014/main" id="{CA177A6C-BD16-4C7E-9C94-7E2F147A25A1}"/>
+              </a:ext>
+            </a:extLst>
+          </p:cNvPr>
+          <p:cNvSpPr/>
+          <p:nvPr/>
+        </p:nvSpPr>
+        <p:spPr>
+          <a:xfrm>
+            <a:off x="2902226" y="3538331"/>
+            <a:ext cx="7593496" cy="1855305"/>
+          </a:xfrm>
+          <a:prstGeom prst="rect">
+            <a:avLst/>
+          </a:prstGeom>
+          <a:noFill/>
+          <a:ln>
+            <a:solidFill>
+              <a:schemeClr val="tx1"/>
+            </a:solidFill>
+            <a:prstDash val="lgDash"/>
+          </a:ln>
+        </p:spPr>
+        <p:style>
+          <a:lnRef idx="2">
+            <a:schemeClr val="accent1">
+              <a:shade val="50000"/>
+            </a:schemeClr>
+          </a:lnRef>
+          <a:fillRef idx="1">
+            <a:schemeClr val="accent1"/>
+          </a:fillRef>
+          <a:effectRef idx="0">
+            <a:schemeClr val="accent1"/>
+          </a:effectRef>
+          <a:fontRef idx="minor">
+            <a:schemeClr val="lt1"/>
+          </a:fontRef>
+        </p:style>
+        <p:txBody>
+          <a:bodyPr rtlCol="0" anchor="ctr"/>
+          <a:lstStyle/>
+          <a:p>
+            <a:pPr algn="ctr"/>
+            <a:endParaRPr lang="en-US"/>
+          </a:p>
+        </p:txBody>
+      </p:sp>
+      <p:sp>
+        <p:nvSpPr>
+          <p:cNvPr id="11" name="TextBox 10">
+            <a:extLst>
+              <a:ext uri="{FF2B5EF4-FFF2-40B4-BE49-F238E27FC236}">
+                <a16:creationId xmlns:a16="http://schemas.microsoft.com/office/drawing/2014/main" id="{A868BE29-3AB8-4025-A282-8BEF1D805756}"/>
+              </a:ext>
+            </a:extLst>
+          </p:cNvPr>
+          <p:cNvSpPr txBox="1"/>
+          <p:nvPr/>
+        </p:nvSpPr>
+        <p:spPr>
+          <a:xfrm>
+            <a:off x="952837" y="4210160"/>
+            <a:ext cx="1371209" cy="369332"/>
+          </a:xfrm>
+          <a:prstGeom prst="rect">
+            <a:avLst/>
+          </a:prstGeom>
+          <a:noFill/>
+        </p:spPr>
+        <p:txBody>
+          <a:bodyPr wrap="none" rtlCol="0">
+            <a:spAutoFit/>
+          </a:bodyPr>
+          <a:lstStyle/>
+          <a:p>
+            <a:r>
+              <a:rPr lang="en-US" dirty="0" err="1"/>
+              <a:t>Src</a:t>
+            </a:r>
+            <a:r>
+              <a:rPr lang="en-US" dirty="0"/>
+              <a:t>/test/java</a:t>
+            </a:r>
+          </a:p>
+        </p:txBody>
+      </p:sp>
+      <p:sp>
+        <p:nvSpPr>
+          <p:cNvPr id="12" name="Rectangle 11">
+            <a:extLst>
+              <a:ext uri="{FF2B5EF4-FFF2-40B4-BE49-F238E27FC236}">
+                <a16:creationId xmlns:a16="http://schemas.microsoft.com/office/drawing/2014/main" id="{F0FA4C2E-4328-41D6-A199-8C4005FCF559}"/>
+              </a:ext>
+            </a:extLst>
+          </p:cNvPr>
+          <p:cNvSpPr/>
+          <p:nvPr/>
+        </p:nvSpPr>
+        <p:spPr>
+          <a:xfrm>
+            <a:off x="3400841" y="3732044"/>
+            <a:ext cx="1311965" cy="1325563"/>
+          </a:xfrm>
+          <a:prstGeom prst="rect">
+            <a:avLst/>
+          </a:prstGeom>
+        </p:spPr>
+        <p:style>
+          <a:lnRef idx="2">
+            <a:schemeClr val="accent1">
+              <a:shade val="50000"/>
+            </a:schemeClr>
+          </a:lnRef>
+          <a:fillRef idx="1">
+            <a:schemeClr val="accent1"/>
+          </a:fillRef>
+          <a:effectRef idx="0">
+            <a:schemeClr val="accent1"/>
+          </a:effectRef>
+          <a:fontRef idx="minor">
+            <a:schemeClr val="lt1"/>
+          </a:fontRef>
+        </p:style>
+        <p:txBody>
+          <a:bodyPr rtlCol="0" anchor="ctr"/>
+          <a:lstStyle/>
+          <a:p>
+            <a:pPr algn="ctr"/>
+            <a:r>
+              <a:rPr lang="en-US" dirty="0"/>
+              <a:t>Controller</a:t>
+            </a:r>
+          </a:p>
+        </p:txBody>
+      </p:sp>
+      <p:sp>
+        <p:nvSpPr>
+          <p:cNvPr id="13" name="Rectangle 12">
+            <a:extLst>
+              <a:ext uri="{FF2B5EF4-FFF2-40B4-BE49-F238E27FC236}">
+                <a16:creationId xmlns:a16="http://schemas.microsoft.com/office/drawing/2014/main" id="{B185B7DA-FBB0-4A18-98CD-1FD78E4F3824}"/>
+              </a:ext>
+            </a:extLst>
+          </p:cNvPr>
+          <p:cNvSpPr/>
+          <p:nvPr/>
+        </p:nvSpPr>
+        <p:spPr>
+          <a:xfrm>
+            <a:off x="4956316" y="3732043"/>
+            <a:ext cx="1311965" cy="1325563"/>
+          </a:xfrm>
+          <a:prstGeom prst="rect">
+            <a:avLst/>
+          </a:prstGeom>
+        </p:spPr>
+        <p:style>
+          <a:lnRef idx="2">
+            <a:schemeClr val="accent1">
+              <a:shade val="50000"/>
+            </a:schemeClr>
+          </a:lnRef>
+          <a:fillRef idx="1">
+            <a:schemeClr val="accent1"/>
+          </a:fillRef>
+          <a:effectRef idx="0">
+            <a:schemeClr val="accent1"/>
+          </a:effectRef>
+          <a:fontRef idx="minor">
+            <a:schemeClr val="lt1"/>
+          </a:fontRef>
+        </p:style>
+        <p:txBody>
+          <a:bodyPr rtlCol="0" anchor="ctr"/>
+          <a:lstStyle/>
+          <a:p>
+            <a:pPr algn="ctr"/>
+            <a:r>
+              <a:rPr lang="en-US" dirty="0"/>
+              <a:t>Service</a:t>
+            </a:r>
+          </a:p>
+        </p:txBody>
+      </p:sp>
+      <p:sp>
+        <p:nvSpPr>
+          <p:cNvPr id="14" name="Rectangle 13">
+            <a:extLst>
+              <a:ext uri="{FF2B5EF4-FFF2-40B4-BE49-F238E27FC236}">
+                <a16:creationId xmlns:a16="http://schemas.microsoft.com/office/drawing/2014/main" id="{437507CF-7FEC-4B44-9B08-BC4554AB8A75}"/>
+              </a:ext>
+            </a:extLst>
+          </p:cNvPr>
+          <p:cNvSpPr/>
+          <p:nvPr/>
+        </p:nvSpPr>
+        <p:spPr>
+          <a:xfrm>
+            <a:off x="6657561" y="3715392"/>
+            <a:ext cx="1311965" cy="1325563"/>
+          </a:xfrm>
+          <a:prstGeom prst="rect">
+            <a:avLst/>
+          </a:prstGeom>
+        </p:spPr>
+        <p:style>
+          <a:lnRef idx="2">
+            <a:schemeClr val="accent1">
+              <a:shade val="50000"/>
+            </a:schemeClr>
+          </a:lnRef>
+          <a:fillRef idx="1">
+            <a:schemeClr val="accent1"/>
+          </a:fillRef>
+          <a:effectRef idx="0">
+            <a:schemeClr val="accent1"/>
+          </a:effectRef>
+          <a:fontRef idx="minor">
+            <a:schemeClr val="lt1"/>
+          </a:fontRef>
+        </p:style>
+        <p:txBody>
+          <a:bodyPr rtlCol="0" anchor="ctr"/>
+          <a:lstStyle/>
+          <a:p>
+            <a:pPr algn="ctr"/>
+            <a:r>
+              <a:rPr lang="en-US" dirty="0"/>
+              <a:t>E2E</a:t>
+            </a:r>
+          </a:p>
+        </p:txBody>
+      </p:sp>
+      <p:sp>
+        <p:nvSpPr>
+          <p:cNvPr id="15" name="Oval 14">
+            <a:extLst>
+              <a:ext uri="{FF2B5EF4-FFF2-40B4-BE49-F238E27FC236}">
+                <a16:creationId xmlns:a16="http://schemas.microsoft.com/office/drawing/2014/main" id="{94718F67-34D1-4FF2-91A4-B78C9AAB6F83}"/>
+              </a:ext>
+            </a:extLst>
+          </p:cNvPr>
+          <p:cNvSpPr/>
+          <p:nvPr/>
+        </p:nvSpPr>
+        <p:spPr>
+          <a:xfrm>
+            <a:off x="6657561" y="4856289"/>
+            <a:ext cx="821635" cy="369332"/>
+          </a:xfrm>
+          <a:prstGeom prst="ellipse">
+            <a:avLst/>
+          </a:prstGeom>
+          <a:solidFill>
+            <a:schemeClr val="accent6"/>
+          </a:solidFill>
+        </p:spPr>
+        <p:style>
+          <a:lnRef idx="2">
+            <a:schemeClr val="accent1">
+              <a:shade val="50000"/>
+            </a:schemeClr>
+          </a:lnRef>
+          <a:fillRef idx="1">
+            <a:schemeClr val="accent1"/>
+          </a:fillRef>
+          <a:effectRef idx="0">
+            <a:schemeClr val="accent1"/>
+          </a:effectRef>
+          <a:fontRef idx="minor">
+            <a:schemeClr val="lt1"/>
+          </a:fontRef>
+        </p:style>
+        <p:txBody>
+          <a:bodyPr rtlCol="0" anchor="ctr"/>
+          <a:lstStyle/>
+          <a:p>
+            <a:pPr algn="ctr"/>
+            <a:r>
+              <a:rPr lang="en-US" sz="900" dirty="0"/>
+              <a:t>Junit</a:t>
+            </a:r>
+          </a:p>
+        </p:txBody>
+      </p:sp>
+      <p:sp>
+        <p:nvSpPr>
+          <p:cNvPr id="16" name="Oval 15">
+            <a:extLst>
+              <a:ext uri="{FF2B5EF4-FFF2-40B4-BE49-F238E27FC236}">
+                <a16:creationId xmlns:a16="http://schemas.microsoft.com/office/drawing/2014/main" id="{3CDC5FD1-3FC1-45C8-9574-545D14E8898E}"/>
+              </a:ext>
+            </a:extLst>
+          </p:cNvPr>
+          <p:cNvSpPr/>
+          <p:nvPr/>
+        </p:nvSpPr>
+        <p:spPr>
+          <a:xfrm>
+            <a:off x="5002695" y="4856289"/>
+            <a:ext cx="821635" cy="369332"/>
+          </a:xfrm>
+          <a:prstGeom prst="ellipse">
+            <a:avLst/>
+          </a:prstGeom>
+          <a:solidFill>
+            <a:schemeClr val="accent6"/>
+          </a:solidFill>
+        </p:spPr>
+        <p:style>
+          <a:lnRef idx="2">
+            <a:schemeClr val="accent1">
+              <a:shade val="50000"/>
+            </a:schemeClr>
+          </a:lnRef>
+          <a:fillRef idx="1">
+            <a:schemeClr val="accent1"/>
+          </a:fillRef>
+          <a:effectRef idx="0">
+            <a:schemeClr val="accent1"/>
+          </a:effectRef>
+          <a:fontRef idx="minor">
+            <a:schemeClr val="lt1"/>
+          </a:fontRef>
+        </p:style>
+        <p:txBody>
+          <a:bodyPr rtlCol="0" anchor="ctr"/>
+          <a:lstStyle/>
+          <a:p>
+            <a:pPr algn="ctr"/>
+            <a:r>
+              <a:rPr lang="en-US" sz="900" dirty="0"/>
+              <a:t>Junit</a:t>
+            </a:r>
+          </a:p>
+        </p:txBody>
+      </p:sp>
+      <p:sp>
+        <p:nvSpPr>
+          <p:cNvPr id="17" name="Oval 16">
+            <a:extLst>
+              <a:ext uri="{FF2B5EF4-FFF2-40B4-BE49-F238E27FC236}">
+                <a16:creationId xmlns:a16="http://schemas.microsoft.com/office/drawing/2014/main" id="{AADF8718-0A1C-4022-A04D-7BFFFCCC38DB}"/>
+              </a:ext>
+            </a:extLst>
+          </p:cNvPr>
+          <p:cNvSpPr/>
+          <p:nvPr/>
+        </p:nvSpPr>
+        <p:spPr>
+          <a:xfrm>
+            <a:off x="3400841" y="4791529"/>
+            <a:ext cx="821635" cy="369332"/>
+          </a:xfrm>
+          <a:prstGeom prst="ellipse">
+            <a:avLst/>
+          </a:prstGeom>
+          <a:solidFill>
+            <a:schemeClr val="accent6"/>
+          </a:solidFill>
+        </p:spPr>
+        <p:style>
+          <a:lnRef idx="2">
+            <a:schemeClr val="accent1">
+              <a:shade val="50000"/>
+            </a:schemeClr>
+          </a:lnRef>
+          <a:fillRef idx="1">
+            <a:schemeClr val="accent1"/>
+          </a:fillRef>
+          <a:effectRef idx="0">
+            <a:schemeClr val="accent1"/>
+          </a:effectRef>
+          <a:fontRef idx="minor">
+            <a:schemeClr val="lt1"/>
+          </a:fontRef>
+        </p:style>
+        <p:txBody>
+          <a:bodyPr rtlCol="0" anchor="ctr"/>
+          <a:lstStyle/>
+          <a:p>
+            <a:pPr algn="ctr"/>
+            <a:r>
+              <a:rPr lang="en-US" sz="900" dirty="0"/>
+              <a:t>Junit</a:t>
+            </a:r>
+          </a:p>
+        </p:txBody>
+      </p:sp>
+      <p:sp>
+        <p:nvSpPr>
+          <p:cNvPr id="18" name="Rectangle 17">
+            <a:extLst>
+              <a:ext uri="{FF2B5EF4-FFF2-40B4-BE49-F238E27FC236}">
+                <a16:creationId xmlns:a16="http://schemas.microsoft.com/office/drawing/2014/main" id="{FA690F6E-E1CC-434F-ADAA-8D07D285DC78}"/>
+              </a:ext>
+            </a:extLst>
+          </p:cNvPr>
+          <p:cNvSpPr/>
+          <p:nvPr/>
+        </p:nvSpPr>
+        <p:spPr>
+          <a:xfrm>
+            <a:off x="2902226" y="5612093"/>
+            <a:ext cx="7593496" cy="1172819"/>
+          </a:xfrm>
+          <a:prstGeom prst="rect">
+            <a:avLst/>
+          </a:prstGeom>
+          <a:noFill/>
+          <a:ln>
+            <a:solidFill>
+              <a:schemeClr val="tx1"/>
+            </a:solidFill>
+            <a:prstDash val="lgDash"/>
+          </a:ln>
+        </p:spPr>
+        <p:style>
+          <a:lnRef idx="2">
+            <a:schemeClr val="accent1">
+              <a:shade val="50000"/>
+            </a:schemeClr>
+          </a:lnRef>
+          <a:fillRef idx="1">
+            <a:schemeClr val="accent1"/>
+          </a:fillRef>
+          <a:effectRef idx="0">
+            <a:schemeClr val="accent1"/>
+          </a:effectRef>
+          <a:fontRef idx="minor">
+            <a:schemeClr val="lt1"/>
+          </a:fontRef>
+        </p:style>
+        <p:txBody>
+          <a:bodyPr rtlCol="0" anchor="ctr"/>
+          <a:lstStyle/>
+          <a:p>
+            <a:pPr algn="ctr"/>
+            <a:endParaRPr lang="en-US"/>
+          </a:p>
+        </p:txBody>
+      </p:sp>
+      <p:sp>
+        <p:nvSpPr>
+          <p:cNvPr id="19" name="TextBox 18">
+            <a:extLst>
+              <a:ext uri="{FF2B5EF4-FFF2-40B4-BE49-F238E27FC236}">
+                <a16:creationId xmlns:a16="http://schemas.microsoft.com/office/drawing/2014/main" id="{2EA4D3B2-8CC4-4DC0-83B5-94F1272FD68F}"/>
+              </a:ext>
+            </a:extLst>
+          </p:cNvPr>
+          <p:cNvSpPr txBox="1"/>
+          <p:nvPr/>
+        </p:nvSpPr>
+        <p:spPr>
+          <a:xfrm>
+            <a:off x="838200" y="6013836"/>
+            <a:ext cx="1904239" cy="369332"/>
+          </a:xfrm>
+          <a:prstGeom prst="rect">
+            <a:avLst/>
+          </a:prstGeom>
+          <a:noFill/>
+        </p:spPr>
+        <p:txBody>
+          <a:bodyPr wrap="none" rtlCol="0">
+            <a:spAutoFit/>
+          </a:bodyPr>
+          <a:lstStyle/>
+          <a:p>
+            <a:r>
+              <a:rPr lang="en-US" dirty="0" err="1"/>
+              <a:t>Src</a:t>
+            </a:r>
+            <a:r>
+              <a:rPr lang="en-US" dirty="0"/>
+              <a:t>/test/resources</a:t>
+            </a:r>
+          </a:p>
+        </p:txBody>
+      </p:sp>
+      <p:sp>
+        <p:nvSpPr>
+          <p:cNvPr id="20" name="Rectangle 19">
+            <a:extLst>
+              <a:ext uri="{FF2B5EF4-FFF2-40B4-BE49-F238E27FC236}">
+                <a16:creationId xmlns:a16="http://schemas.microsoft.com/office/drawing/2014/main" id="{DBD75D91-6835-4DA1-9EBD-64B7FC446E7A}"/>
+              </a:ext>
+            </a:extLst>
+          </p:cNvPr>
+          <p:cNvSpPr/>
+          <p:nvPr/>
+        </p:nvSpPr>
+        <p:spPr>
+          <a:xfrm>
+            <a:off x="3366051" y="5818399"/>
+            <a:ext cx="1311965" cy="597385"/>
+          </a:xfrm>
+          <a:prstGeom prst="rect">
+            <a:avLst/>
+          </a:prstGeom>
+        </p:spPr>
+        <p:style>
+          <a:lnRef idx="2">
+            <a:schemeClr val="accent1">
+              <a:shade val="50000"/>
+            </a:schemeClr>
+          </a:lnRef>
+          <a:fillRef idx="1">
+            <a:schemeClr val="accent1"/>
+          </a:fillRef>
+          <a:effectRef idx="0">
+            <a:schemeClr val="accent1"/>
+          </a:effectRef>
+          <a:fontRef idx="minor">
+            <a:schemeClr val="lt1"/>
+          </a:fontRef>
+        </p:style>
+        <p:txBody>
+          <a:bodyPr rtlCol="0" anchor="ctr"/>
+          <a:lstStyle/>
+          <a:p>
+            <a:pPr algn="ctr"/>
+            <a:r>
+              <a:rPr lang="en-US" dirty="0"/>
+              <a:t>Feature file</a:t>
+            </a:r>
+          </a:p>
+        </p:txBody>
+      </p:sp>
+      <p:sp>
+        <p:nvSpPr>
+          <p:cNvPr id="21" name="Rectangle 20">
+            <a:extLst>
+              <a:ext uri="{FF2B5EF4-FFF2-40B4-BE49-F238E27FC236}">
+                <a16:creationId xmlns:a16="http://schemas.microsoft.com/office/drawing/2014/main" id="{2259FC82-80A0-44BB-8005-46EBAEFC7C28}"/>
+              </a:ext>
+            </a:extLst>
+          </p:cNvPr>
+          <p:cNvSpPr/>
+          <p:nvPr/>
+        </p:nvSpPr>
+        <p:spPr>
+          <a:xfrm>
+            <a:off x="8521148" y="3843130"/>
+            <a:ext cx="1502468" cy="1197825"/>
+          </a:xfrm>
+          <a:prstGeom prst="rect">
+            <a:avLst/>
+          </a:prstGeom>
+        </p:spPr>
+        <p:style>
+          <a:lnRef idx="2">
+            <a:schemeClr val="accent1">
+              <a:shade val="50000"/>
+            </a:schemeClr>
+          </a:lnRef>
+          <a:fillRef idx="1">
+            <a:schemeClr val="accent1"/>
+          </a:fillRef>
+          <a:effectRef idx="0">
+            <a:schemeClr val="accent1"/>
+          </a:effectRef>
+          <a:fontRef idx="minor">
+            <a:schemeClr val="lt1"/>
+          </a:fontRef>
+        </p:style>
+        <p:txBody>
+          <a:bodyPr rtlCol="0" anchor="ctr"/>
+          <a:lstStyle/>
+          <a:p>
+            <a:pPr algn="ctr"/>
+            <a:r>
+              <a:rPr lang="en-US" dirty="0"/>
+              <a:t>Cucumber Step Definitions</a:t>
+            </a:r>
+          </a:p>
+        </p:txBody>
+      </p:sp>
+      <p:sp>
+        <p:nvSpPr>
+          <p:cNvPr id="23" name="TextBox 22">
+            <a:extLst>
+              <a:ext uri="{FF2B5EF4-FFF2-40B4-BE49-F238E27FC236}">
+                <a16:creationId xmlns:a16="http://schemas.microsoft.com/office/drawing/2014/main" id="{A9605814-A9BB-4375-903C-A2BF94F2F0A7}"/>
+              </a:ext>
+            </a:extLst>
+          </p:cNvPr>
+          <p:cNvSpPr txBox="1"/>
+          <p:nvPr/>
+        </p:nvSpPr>
+        <p:spPr>
+          <a:xfrm>
+            <a:off x="3048000" y="3128377"/>
+            <a:ext cx="6096000" cy="369332"/>
+          </a:xfrm>
+          <a:prstGeom prst="rect">
+            <a:avLst/>
+          </a:prstGeom>
+          <a:noFill/>
+        </p:spPr>
+        <p:txBody>
+          <a:bodyPr wrap="square">
+            <a:spAutoFit/>
+          </a:bodyPr>
+          <a:lstStyle/>
+          <a:p>
+            <a:r>
+              <a:rPr lang="en-US" dirty="0"/>
+              <a:t>Ideal automation scenario with Se</a:t>
+            </a:r>
+          </a:p>
+        </p:txBody>
+      </p:sp>
+    </p:spTree>
+    <p:extLst>
+      <p:ext uri="{BB962C8B-B14F-4D97-AF65-F5344CB8AC3E}">
+        <p14:creationId xmlns:p14="http://schemas.microsoft.com/office/powerpoint/2010/main" val="4097147510"/>
+      </p:ext>
+    </p:extLst>
+  </p:cSld>
+  <p:clrMapOvr>
+    <a:masterClrMapping/>
+  </p:clrMapOvr>
+</p:sld>
+</file>
+
+<file path=ppt/slides/slide23.xml><?xml version="1.0" encoding="utf-8"?>
+<p:sld xmlns:a="http://schemas.openxmlformats.org/drawingml/2006/main" xmlns:r="http://schemas.openxmlformats.org/officeDocument/2006/relationships" xmlns:p="http://schemas.openxmlformats.org/presentationml/2006/main">
+  <p:cSld>
+    <p:spTree>
+      <p:nvGrpSpPr>
+        <p:cNvPr id="1" name=""/>
+        <p:cNvGrpSpPr/>
+        <p:nvPr/>
+      </p:nvGrpSpPr>
+      <p:grpSpPr>
+        <a:xfrm>
+          <a:off x="0" y="0"/>
+          <a:ext cx="0" cy="0"/>
+          <a:chOff x="0" y="0"/>
+          <a:chExt cx="0" cy="0"/>
+        </a:xfrm>
+      </p:grpSpPr>
+      <p:sp>
+        <p:nvSpPr>
+          <p:cNvPr id="2" name="Title 1">
+            <a:extLst>
+              <a:ext uri="{FF2B5EF4-FFF2-40B4-BE49-F238E27FC236}">
+                <a16:creationId xmlns:a16="http://schemas.microsoft.com/office/drawing/2014/main" id="{FAE2EDFC-2DEA-4C3B-9FBE-CFB41760257F}"/>
+              </a:ext>
+            </a:extLst>
+          </p:cNvPr>
+          <p:cNvSpPr>
+            <a:spLocks noGrp="1"/>
+          </p:cNvSpPr>
+          <p:nvPr>
+            <p:ph type="title"/>
+          </p:nvPr>
+        </p:nvSpPr>
+        <p:spPr/>
+        <p:txBody>
+          <a:bodyPr/>
+          <a:lstStyle/>
+          <a:p>
+            <a:r>
+              <a:rPr lang="en-US" dirty="0"/>
+              <a:t>Tangent: server side vs client side rendering</a:t>
+            </a:r>
+          </a:p>
+        </p:txBody>
+      </p:sp>
+      <p:pic>
+        <p:nvPicPr>
+          <p:cNvPr id="5" name="Graphic 4" descr="Programmer female with solid fill">
+            <a:extLst>
+              <a:ext uri="{FF2B5EF4-FFF2-40B4-BE49-F238E27FC236}">
+                <a16:creationId xmlns:a16="http://schemas.microsoft.com/office/drawing/2014/main" id="{850AFD08-FCBA-4E7A-949A-96293281F7B1}"/>
+              </a:ext>
+            </a:extLst>
+          </p:cNvPr>
+          <p:cNvPicPr>
+            <a:picLocks noChangeAspect="1"/>
+          </p:cNvPicPr>
+          <p:nvPr/>
+        </p:nvPicPr>
+        <p:blipFill>
+          <a:blip r:embed="rId2">
+            <a:extLst>
+              <a:ext uri="{28A0092B-C50C-407E-A947-70E740481C1C}">
+                <a14:useLocalDpi xmlns:a14="http://schemas.microsoft.com/office/drawing/2010/main" val="0"/>
+              </a:ext>
+              <a:ext uri="{96DAC541-7B7A-43D3-8B79-37D633B846F1}">
+                <asvg:svgBlip xmlns:asvg="http://schemas.microsoft.com/office/drawing/2016/SVG/main" r:embed="rId3"/>
+              </a:ext>
+            </a:extLst>
+          </a:blip>
+          <a:stretch>
+            <a:fillRect/>
+          </a:stretch>
+        </p:blipFill>
+        <p:spPr>
+          <a:xfrm>
+            <a:off x="1443111" y="2334881"/>
+            <a:ext cx="914400" cy="914400"/>
+          </a:xfrm>
+          <a:prstGeom prst="rect">
+            <a:avLst/>
+          </a:prstGeom>
+        </p:spPr>
+      </p:pic>
+      <p:pic>
+        <p:nvPicPr>
+          <p:cNvPr id="6" name="Graphic 5" descr="Programmer female with solid fill">
+            <a:extLst>
+              <a:ext uri="{FF2B5EF4-FFF2-40B4-BE49-F238E27FC236}">
+                <a16:creationId xmlns:a16="http://schemas.microsoft.com/office/drawing/2014/main" id="{B6C34F5D-E18C-4464-AD0D-3B8E2E6F1506}"/>
+              </a:ext>
+            </a:extLst>
+          </p:cNvPr>
+          <p:cNvPicPr>
+            <a:picLocks noChangeAspect="1"/>
+          </p:cNvPicPr>
+          <p:nvPr/>
+        </p:nvPicPr>
+        <p:blipFill>
+          <a:blip r:embed="rId2">
+            <a:extLst>
+              <a:ext uri="{28A0092B-C50C-407E-A947-70E740481C1C}">
+                <a14:useLocalDpi xmlns:a14="http://schemas.microsoft.com/office/drawing/2010/main" val="0"/>
+              </a:ext>
+              <a:ext uri="{96DAC541-7B7A-43D3-8B79-37D633B846F1}">
+                <asvg:svgBlip xmlns:asvg="http://schemas.microsoft.com/office/drawing/2016/SVG/main" r:embed="rId3"/>
+              </a:ext>
+            </a:extLst>
+          </a:blip>
+          <a:stretch>
+            <a:fillRect/>
+          </a:stretch>
+        </p:blipFill>
+        <p:spPr>
+          <a:xfrm>
+            <a:off x="1416148" y="4384788"/>
+            <a:ext cx="914400" cy="914400"/>
+          </a:xfrm>
+          <a:prstGeom prst="rect">
+            <a:avLst/>
+          </a:prstGeom>
+        </p:spPr>
+      </p:pic>
+      <p:sp>
+        <p:nvSpPr>
+          <p:cNvPr id="7" name="TextBox 6">
+            <a:extLst>
+              <a:ext uri="{FF2B5EF4-FFF2-40B4-BE49-F238E27FC236}">
+                <a16:creationId xmlns:a16="http://schemas.microsoft.com/office/drawing/2014/main" id="{17B121E2-7C76-4D39-A967-91C87C9AA575}"/>
+              </a:ext>
+            </a:extLst>
+          </p:cNvPr>
+          <p:cNvSpPr txBox="1"/>
+          <p:nvPr/>
+        </p:nvSpPr>
+        <p:spPr>
+          <a:xfrm>
+            <a:off x="379828" y="2644726"/>
+            <a:ext cx="914400" cy="365760"/>
+          </a:xfrm>
+          <a:prstGeom prst="rect">
+            <a:avLst/>
+          </a:prstGeom>
+          <a:noFill/>
+        </p:spPr>
+        <p:txBody>
+          <a:bodyPr wrap="square" rtlCol="0">
+            <a:spAutoFit/>
+          </a:bodyPr>
+          <a:lstStyle/>
+          <a:p>
+            <a:r>
+              <a:rPr lang="en-US" dirty="0"/>
+              <a:t>CSR</a:t>
+            </a:r>
+          </a:p>
+        </p:txBody>
+      </p:sp>
+      <p:sp>
+        <p:nvSpPr>
+          <p:cNvPr id="8" name="TextBox 7">
+            <a:extLst>
+              <a:ext uri="{FF2B5EF4-FFF2-40B4-BE49-F238E27FC236}">
+                <a16:creationId xmlns:a16="http://schemas.microsoft.com/office/drawing/2014/main" id="{B04E5FB2-23DD-4C9D-87A7-B144961DC3F5}"/>
+              </a:ext>
+            </a:extLst>
+          </p:cNvPr>
+          <p:cNvSpPr txBox="1"/>
+          <p:nvPr/>
+        </p:nvSpPr>
+        <p:spPr>
+          <a:xfrm>
+            <a:off x="379828" y="4841988"/>
+            <a:ext cx="914400" cy="365760"/>
+          </a:xfrm>
+          <a:prstGeom prst="rect">
+            <a:avLst/>
+          </a:prstGeom>
+          <a:noFill/>
+        </p:spPr>
+        <p:txBody>
+          <a:bodyPr wrap="square" rtlCol="0">
+            <a:spAutoFit/>
+          </a:bodyPr>
+          <a:lstStyle/>
+          <a:p>
+            <a:r>
+              <a:rPr lang="en-US" dirty="0"/>
+              <a:t>SSR</a:t>
+            </a:r>
+          </a:p>
+        </p:txBody>
+      </p:sp>
+      <p:sp>
+        <p:nvSpPr>
+          <p:cNvPr id="9" name="Rectangle 8">
+            <a:extLst>
+              <a:ext uri="{FF2B5EF4-FFF2-40B4-BE49-F238E27FC236}">
+                <a16:creationId xmlns:a16="http://schemas.microsoft.com/office/drawing/2014/main" id="{3D74E158-2E95-4AE2-9123-4CE0D6CC5F1E}"/>
+              </a:ext>
+            </a:extLst>
+          </p:cNvPr>
+          <p:cNvSpPr/>
+          <p:nvPr/>
+        </p:nvSpPr>
+        <p:spPr>
+          <a:xfrm>
+            <a:off x="5669280" y="4115336"/>
+            <a:ext cx="2293034" cy="1453304"/>
+          </a:xfrm>
+          <a:prstGeom prst="rect">
+            <a:avLst/>
+          </a:prstGeom>
+        </p:spPr>
+        <p:style>
+          <a:lnRef idx="2">
+            <a:schemeClr val="accent1">
+              <a:shade val="50000"/>
+            </a:schemeClr>
+          </a:lnRef>
+          <a:fillRef idx="1">
+            <a:schemeClr val="accent1"/>
+          </a:fillRef>
+          <a:effectRef idx="0">
+            <a:schemeClr val="accent1"/>
+          </a:effectRef>
+          <a:fontRef idx="minor">
+            <a:schemeClr val="lt1"/>
+          </a:fontRef>
+        </p:style>
+        <p:txBody>
+          <a:bodyPr rtlCol="0" anchor="ctr"/>
+          <a:lstStyle/>
+          <a:p>
+            <a:pPr algn="ctr"/>
+            <a:r>
+              <a:rPr lang="en-US" dirty="0"/>
+              <a:t>Server</a:t>
+            </a:r>
+          </a:p>
+        </p:txBody>
+      </p:sp>
+      <p:sp>
+        <p:nvSpPr>
+          <p:cNvPr id="10" name="Arrow: Right 9">
+            <a:extLst>
+              <a:ext uri="{FF2B5EF4-FFF2-40B4-BE49-F238E27FC236}">
+                <a16:creationId xmlns:a16="http://schemas.microsoft.com/office/drawing/2014/main" id="{84681C39-9E58-420D-9DCA-1EC4EDA96B75}"/>
+              </a:ext>
+            </a:extLst>
+          </p:cNvPr>
+          <p:cNvSpPr/>
+          <p:nvPr/>
+        </p:nvSpPr>
+        <p:spPr>
+          <a:xfrm>
+            <a:off x="2703443" y="4280452"/>
+            <a:ext cx="2835966" cy="344557"/>
+          </a:xfrm>
+          <a:prstGeom prst="rightArrow">
+            <a:avLst/>
+          </a:prstGeom>
+        </p:spPr>
+        <p:style>
+          <a:lnRef idx="2">
+            <a:schemeClr val="accent1">
+              <a:shade val="50000"/>
+            </a:schemeClr>
+          </a:lnRef>
+          <a:fillRef idx="1">
+            <a:schemeClr val="accent1"/>
+          </a:fillRef>
+          <a:effectRef idx="0">
+            <a:schemeClr val="accent1"/>
+          </a:effectRef>
+          <a:fontRef idx="minor">
+            <a:schemeClr val="lt1"/>
+          </a:fontRef>
+        </p:style>
+        <p:txBody>
+          <a:bodyPr rtlCol="0" anchor="ctr"/>
+          <a:lstStyle/>
+          <a:p>
+            <a:pPr algn="ctr"/>
+            <a:endParaRPr lang="en-US"/>
+          </a:p>
+        </p:txBody>
+      </p:sp>
+      <p:sp>
+        <p:nvSpPr>
+          <p:cNvPr id="11" name="Arrow: Right 10">
+            <a:extLst>
+              <a:ext uri="{FF2B5EF4-FFF2-40B4-BE49-F238E27FC236}">
+                <a16:creationId xmlns:a16="http://schemas.microsoft.com/office/drawing/2014/main" id="{78262990-3C4E-47C7-B3FC-558E795078E6}"/>
+              </a:ext>
+            </a:extLst>
+          </p:cNvPr>
+          <p:cNvSpPr/>
+          <p:nvPr/>
+        </p:nvSpPr>
+        <p:spPr>
+          <a:xfrm rot="10800000">
+            <a:off x="3617842" y="5024867"/>
+            <a:ext cx="1907805" cy="344557"/>
+          </a:xfrm>
+          <a:prstGeom prst="rightArrow">
+            <a:avLst/>
+          </a:prstGeom>
+        </p:spPr>
+        <p:style>
+          <a:lnRef idx="2">
+            <a:schemeClr val="accent1">
+              <a:shade val="50000"/>
+            </a:schemeClr>
+          </a:lnRef>
+          <a:fillRef idx="1">
+            <a:schemeClr val="accent1"/>
+          </a:fillRef>
+          <a:effectRef idx="0">
+            <a:schemeClr val="accent1"/>
+          </a:effectRef>
+          <a:fontRef idx="minor">
+            <a:schemeClr val="lt1"/>
+          </a:fontRef>
+        </p:style>
+        <p:txBody>
+          <a:bodyPr rtlCol="0" anchor="ctr"/>
+          <a:lstStyle/>
+          <a:p>
+            <a:pPr algn="ctr"/>
+            <a:endParaRPr lang="en-US"/>
+          </a:p>
+        </p:txBody>
+      </p:sp>
+      <p:sp>
+        <p:nvSpPr>
+          <p:cNvPr id="12" name="Rectangle: Folded Corner 11">
+            <a:extLst>
+              <a:ext uri="{FF2B5EF4-FFF2-40B4-BE49-F238E27FC236}">
+                <a16:creationId xmlns:a16="http://schemas.microsoft.com/office/drawing/2014/main" id="{E0B27AB8-8B35-4266-B304-C7D56FEC5F03}"/>
+              </a:ext>
+            </a:extLst>
+          </p:cNvPr>
+          <p:cNvSpPr/>
+          <p:nvPr/>
+        </p:nvSpPr>
+        <p:spPr>
+          <a:xfrm>
+            <a:off x="2585907" y="4841988"/>
+            <a:ext cx="755374" cy="914400"/>
+          </a:xfrm>
+          <a:prstGeom prst="foldedCorner">
+            <a:avLst/>
+          </a:prstGeom>
+        </p:spPr>
+        <p:style>
+          <a:lnRef idx="2">
+            <a:schemeClr val="accent1">
+              <a:shade val="50000"/>
+            </a:schemeClr>
+          </a:lnRef>
+          <a:fillRef idx="1">
+            <a:schemeClr val="accent1"/>
+          </a:fillRef>
+          <a:effectRef idx="0">
+            <a:schemeClr val="accent1"/>
+          </a:effectRef>
+          <a:fontRef idx="minor">
+            <a:schemeClr val="lt1"/>
+          </a:fontRef>
+        </p:style>
+        <p:txBody>
+          <a:bodyPr rtlCol="0" anchor="ctr"/>
+          <a:lstStyle/>
+          <a:p>
+            <a:pPr algn="ctr"/>
+            <a:endParaRPr lang="en-US"/>
+          </a:p>
+        </p:txBody>
+      </p:sp>
+      <p:sp>
+        <p:nvSpPr>
+          <p:cNvPr id="13" name="Rectangle 12">
+            <a:extLst>
+              <a:ext uri="{FF2B5EF4-FFF2-40B4-BE49-F238E27FC236}">
+                <a16:creationId xmlns:a16="http://schemas.microsoft.com/office/drawing/2014/main" id="{743AC3C4-29A1-456B-96BF-5C6FD53CC101}"/>
+              </a:ext>
+            </a:extLst>
+          </p:cNvPr>
+          <p:cNvSpPr/>
+          <p:nvPr/>
+        </p:nvSpPr>
+        <p:spPr>
+          <a:xfrm>
+            <a:off x="8869680" y="1918074"/>
+            <a:ext cx="2293034" cy="1453304"/>
+          </a:xfrm>
+          <a:prstGeom prst="rect">
+            <a:avLst/>
+          </a:prstGeom>
+        </p:spPr>
+        <p:style>
+          <a:lnRef idx="2">
+            <a:schemeClr val="accent1">
+              <a:shade val="50000"/>
+            </a:schemeClr>
+          </a:lnRef>
+          <a:fillRef idx="1">
+            <a:schemeClr val="accent1"/>
+          </a:fillRef>
+          <a:effectRef idx="0">
+            <a:schemeClr val="accent1"/>
+          </a:effectRef>
+          <a:fontRef idx="minor">
+            <a:schemeClr val="lt1"/>
+          </a:fontRef>
+        </p:style>
+        <p:txBody>
+          <a:bodyPr rtlCol="0" anchor="ctr"/>
+          <a:lstStyle/>
+          <a:p>
+            <a:pPr algn="ctr"/>
+            <a:r>
+              <a:rPr lang="en-US" dirty="0"/>
+              <a:t>Server</a:t>
+            </a:r>
+          </a:p>
+        </p:txBody>
+      </p:sp>
+      <p:sp>
+        <p:nvSpPr>
+          <p:cNvPr id="14" name="Rectangle 13">
+            <a:extLst>
+              <a:ext uri="{FF2B5EF4-FFF2-40B4-BE49-F238E27FC236}">
+                <a16:creationId xmlns:a16="http://schemas.microsoft.com/office/drawing/2014/main" id="{A77602E4-E051-48E9-AE5E-11D8C09059D4}"/>
+              </a:ext>
+            </a:extLst>
+          </p:cNvPr>
+          <p:cNvSpPr/>
+          <p:nvPr/>
+        </p:nvSpPr>
+        <p:spPr>
+          <a:xfrm>
+            <a:off x="4571744" y="1898425"/>
+            <a:ext cx="2293034" cy="1453304"/>
+          </a:xfrm>
+          <a:prstGeom prst="rect">
+            <a:avLst/>
+          </a:prstGeom>
+        </p:spPr>
+        <p:style>
+          <a:lnRef idx="2">
+            <a:schemeClr val="accent1">
+              <a:shade val="50000"/>
+            </a:schemeClr>
+          </a:lnRef>
+          <a:fillRef idx="1">
+            <a:schemeClr val="accent1"/>
+          </a:fillRef>
+          <a:effectRef idx="0">
+            <a:schemeClr val="accent1"/>
+          </a:effectRef>
+          <a:fontRef idx="minor">
+            <a:schemeClr val="lt1"/>
+          </a:fontRef>
+        </p:style>
+        <p:txBody>
+          <a:bodyPr rtlCol="0" anchor="ctr"/>
+          <a:lstStyle/>
+          <a:p>
+            <a:pPr algn="ctr"/>
+            <a:r>
+              <a:rPr lang="en-US" dirty="0"/>
+              <a:t>Client</a:t>
+            </a:r>
+          </a:p>
+        </p:txBody>
+      </p:sp>
+      <p:sp>
+        <p:nvSpPr>
+          <p:cNvPr id="15" name="Arrow: Right 14">
+            <a:extLst>
+              <a:ext uri="{FF2B5EF4-FFF2-40B4-BE49-F238E27FC236}">
+                <a16:creationId xmlns:a16="http://schemas.microsoft.com/office/drawing/2014/main" id="{EBCEDEC5-D232-46CB-86E8-16B08CC38681}"/>
+              </a:ext>
+            </a:extLst>
+          </p:cNvPr>
+          <p:cNvSpPr/>
+          <p:nvPr/>
+        </p:nvSpPr>
+        <p:spPr>
+          <a:xfrm>
+            <a:off x="2585907" y="2173357"/>
+            <a:ext cx="1776506" cy="161524"/>
+          </a:xfrm>
+          <a:prstGeom prst="rightArrow">
+            <a:avLst/>
+          </a:prstGeom>
+        </p:spPr>
+        <p:style>
+          <a:lnRef idx="2">
+            <a:schemeClr val="accent1">
+              <a:shade val="50000"/>
+            </a:schemeClr>
+          </a:lnRef>
+          <a:fillRef idx="1">
+            <a:schemeClr val="accent1"/>
+          </a:fillRef>
+          <a:effectRef idx="0">
+            <a:schemeClr val="accent1"/>
+          </a:effectRef>
+          <a:fontRef idx="minor">
+            <a:schemeClr val="lt1"/>
+          </a:fontRef>
+        </p:style>
+        <p:txBody>
+          <a:bodyPr rtlCol="0" anchor="ctr"/>
+          <a:lstStyle/>
+          <a:p>
+            <a:pPr algn="ctr"/>
+            <a:endParaRPr lang="en-US"/>
+          </a:p>
+        </p:txBody>
+      </p:sp>
+      <p:sp>
+        <p:nvSpPr>
+          <p:cNvPr id="16" name="Arrow: Right 15">
+            <a:extLst>
+              <a:ext uri="{FF2B5EF4-FFF2-40B4-BE49-F238E27FC236}">
+                <a16:creationId xmlns:a16="http://schemas.microsoft.com/office/drawing/2014/main" id="{C1710706-199F-4B0A-BF56-6FFD0D1DF854}"/>
+              </a:ext>
+            </a:extLst>
+          </p:cNvPr>
+          <p:cNvSpPr/>
+          <p:nvPr/>
+        </p:nvSpPr>
+        <p:spPr>
+          <a:xfrm>
+            <a:off x="6978976" y="2049687"/>
+            <a:ext cx="1776506" cy="161524"/>
+          </a:xfrm>
+          <a:prstGeom prst="rightArrow">
+            <a:avLst/>
+          </a:prstGeom>
+        </p:spPr>
+        <p:style>
+          <a:lnRef idx="2">
+            <a:schemeClr val="accent1">
+              <a:shade val="50000"/>
+            </a:schemeClr>
+          </a:lnRef>
+          <a:fillRef idx="1">
+            <a:schemeClr val="accent1"/>
+          </a:fillRef>
+          <a:effectRef idx="0">
+            <a:schemeClr val="accent1"/>
+          </a:effectRef>
+          <a:fontRef idx="minor">
+            <a:schemeClr val="lt1"/>
+          </a:fontRef>
+        </p:style>
+        <p:txBody>
+          <a:bodyPr rtlCol="0" anchor="ctr"/>
+          <a:lstStyle/>
+          <a:p>
+            <a:pPr algn="ctr"/>
+            <a:endParaRPr lang="en-US"/>
+          </a:p>
+        </p:txBody>
+      </p:sp>
+      <p:sp>
+        <p:nvSpPr>
+          <p:cNvPr id="17" name="Arrow: Right 16">
+            <a:extLst>
+              <a:ext uri="{FF2B5EF4-FFF2-40B4-BE49-F238E27FC236}">
+                <a16:creationId xmlns:a16="http://schemas.microsoft.com/office/drawing/2014/main" id="{4ECA5A98-EABC-4EA5-875A-26391C4E0079}"/>
+              </a:ext>
+            </a:extLst>
+          </p:cNvPr>
+          <p:cNvSpPr/>
+          <p:nvPr/>
+        </p:nvSpPr>
+        <p:spPr>
+          <a:xfrm rot="10800000">
+            <a:off x="6978976" y="2755232"/>
+            <a:ext cx="1776506" cy="161524"/>
+          </a:xfrm>
+          <a:prstGeom prst="rightArrow">
+            <a:avLst/>
+          </a:prstGeom>
+        </p:spPr>
+        <p:style>
+          <a:lnRef idx="2">
+            <a:schemeClr val="accent1">
+              <a:shade val="50000"/>
+            </a:schemeClr>
+          </a:lnRef>
+          <a:fillRef idx="1">
+            <a:schemeClr val="accent1"/>
+          </a:fillRef>
+          <a:effectRef idx="0">
+            <a:schemeClr val="accent1"/>
+          </a:effectRef>
+          <a:fontRef idx="minor">
+            <a:schemeClr val="lt1"/>
+          </a:fontRef>
+        </p:style>
+        <p:txBody>
+          <a:bodyPr rtlCol="0" anchor="ctr"/>
+          <a:lstStyle/>
+          <a:p>
+            <a:pPr algn="ctr"/>
+            <a:endParaRPr lang="en-US"/>
+          </a:p>
+        </p:txBody>
+      </p:sp>
+      <p:sp>
+        <p:nvSpPr>
+          <p:cNvPr id="18" name="Arrow: Right 17">
+            <a:extLst>
+              <a:ext uri="{FF2B5EF4-FFF2-40B4-BE49-F238E27FC236}">
+                <a16:creationId xmlns:a16="http://schemas.microsoft.com/office/drawing/2014/main" id="{741A9572-AAEF-416A-B68D-697C37E0DDF1}"/>
+              </a:ext>
+            </a:extLst>
+          </p:cNvPr>
+          <p:cNvSpPr/>
+          <p:nvPr/>
+        </p:nvSpPr>
+        <p:spPr>
+          <a:xfrm rot="10800000">
+            <a:off x="3508461" y="2674470"/>
+            <a:ext cx="853952" cy="161524"/>
+          </a:xfrm>
+          <a:prstGeom prst="rightArrow">
+            <a:avLst/>
+          </a:prstGeom>
+        </p:spPr>
+        <p:style>
+          <a:lnRef idx="2">
+            <a:schemeClr val="accent1">
+              <a:shade val="50000"/>
+            </a:schemeClr>
+          </a:lnRef>
+          <a:fillRef idx="1">
+            <a:schemeClr val="accent1"/>
+          </a:fillRef>
+          <a:effectRef idx="0">
+            <a:schemeClr val="accent1"/>
+          </a:effectRef>
+          <a:fontRef idx="minor">
+            <a:schemeClr val="lt1"/>
+          </a:fontRef>
+        </p:style>
+        <p:txBody>
+          <a:bodyPr rtlCol="0" anchor="ctr"/>
+          <a:lstStyle/>
+          <a:p>
+            <a:pPr algn="ctr"/>
+            <a:endParaRPr lang="en-US"/>
+          </a:p>
+        </p:txBody>
+      </p:sp>
+      <p:sp>
+        <p:nvSpPr>
+          <p:cNvPr id="19" name="Rectangle: Folded Corner 18">
+            <a:extLst>
+              <a:ext uri="{FF2B5EF4-FFF2-40B4-BE49-F238E27FC236}">
+                <a16:creationId xmlns:a16="http://schemas.microsoft.com/office/drawing/2014/main" id="{265B4A0E-18BA-4AA9-8274-D3001BBDF23F}"/>
+              </a:ext>
+            </a:extLst>
+          </p:cNvPr>
+          <p:cNvSpPr/>
+          <p:nvPr/>
+        </p:nvSpPr>
+        <p:spPr>
+          <a:xfrm>
+            <a:off x="2543756" y="2536926"/>
+            <a:ext cx="755374" cy="914400"/>
+          </a:xfrm>
+          <a:prstGeom prst="foldedCorner">
+            <a:avLst/>
+          </a:prstGeom>
+        </p:spPr>
+        <p:style>
+          <a:lnRef idx="2">
+            <a:schemeClr val="accent1">
+              <a:shade val="50000"/>
+            </a:schemeClr>
+          </a:lnRef>
+          <a:fillRef idx="1">
+            <a:schemeClr val="accent1"/>
+          </a:fillRef>
+          <a:effectRef idx="0">
+            <a:schemeClr val="accent1"/>
+          </a:effectRef>
+          <a:fontRef idx="minor">
+            <a:schemeClr val="lt1"/>
+          </a:fontRef>
+        </p:style>
+        <p:txBody>
+          <a:bodyPr rtlCol="0" anchor="ctr"/>
+          <a:lstStyle/>
+          <a:p>
+            <a:pPr algn="ctr"/>
+            <a:endParaRPr lang="en-US"/>
+          </a:p>
+        </p:txBody>
+      </p:sp>
+      <p:sp>
+        <p:nvSpPr>
+          <p:cNvPr id="20" name="TextBox 19">
+            <a:extLst>
+              <a:ext uri="{FF2B5EF4-FFF2-40B4-BE49-F238E27FC236}">
+                <a16:creationId xmlns:a16="http://schemas.microsoft.com/office/drawing/2014/main" id="{EE9ABCCA-43EA-4FC4-8E64-AF5612268560}"/>
+              </a:ext>
+            </a:extLst>
+          </p:cNvPr>
+          <p:cNvSpPr txBox="1"/>
+          <p:nvPr/>
+        </p:nvSpPr>
+        <p:spPr>
+          <a:xfrm>
+            <a:off x="8154470" y="4424702"/>
+            <a:ext cx="3008244" cy="1200329"/>
+          </a:xfrm>
+          <a:prstGeom prst="rect">
+            <a:avLst/>
+          </a:prstGeom>
+          <a:noFill/>
+        </p:spPr>
+        <p:txBody>
+          <a:bodyPr wrap="square" rtlCol="0">
+            <a:spAutoFit/>
+          </a:bodyPr>
+          <a:lstStyle/>
+          <a:p>
+            <a:r>
+              <a:rPr lang="en-US" dirty="0"/>
+              <a:t>Usually we would use selenium in a backend that was responsible for returning views.</a:t>
+            </a:r>
+          </a:p>
+        </p:txBody>
+      </p:sp>
+    </p:spTree>
+    <p:extLst>
+      <p:ext uri="{BB962C8B-B14F-4D97-AF65-F5344CB8AC3E}">
+        <p14:creationId xmlns:p14="http://schemas.microsoft.com/office/powerpoint/2010/main" val="2984021312"/>
       </p:ext>
     </p:extLst>
   </p:cSld>

--- a/PrimerNotes.pptx
+++ b/PrimerNotes.pptx
@@ -281,7 +281,7 @@
           <a:p>
             <a:fld id="{AE0E715C-AA47-451B-8428-51E0E470A79D}" type="datetimeFigureOut">
               <a:rPr lang="en-US" smtClean="0"/>
-              <a:t>3/29/2021</a:t>
+              <a:t>3/30/2021</a:t>
             </a:fld>
             <a:endParaRPr lang="en-US"/>
           </a:p>
@@ -479,7 +479,7 @@
           <a:p>
             <a:fld id="{AE0E715C-AA47-451B-8428-51E0E470A79D}" type="datetimeFigureOut">
               <a:rPr lang="en-US" smtClean="0"/>
-              <a:t>3/29/2021</a:t>
+              <a:t>3/30/2021</a:t>
             </a:fld>
             <a:endParaRPr lang="en-US"/>
           </a:p>
@@ -687,7 +687,7 @@
           <a:p>
             <a:fld id="{AE0E715C-AA47-451B-8428-51E0E470A79D}" type="datetimeFigureOut">
               <a:rPr lang="en-US" smtClean="0"/>
-              <a:t>3/29/2021</a:t>
+              <a:t>3/30/2021</a:t>
             </a:fld>
             <a:endParaRPr lang="en-US"/>
           </a:p>
@@ -885,7 +885,7 @@
           <a:p>
             <a:fld id="{AE0E715C-AA47-451B-8428-51E0E470A79D}" type="datetimeFigureOut">
               <a:rPr lang="en-US" smtClean="0"/>
-              <a:t>3/29/2021</a:t>
+              <a:t>3/30/2021</a:t>
             </a:fld>
             <a:endParaRPr lang="en-US"/>
           </a:p>
@@ -1160,7 +1160,7 @@
           <a:p>
             <a:fld id="{AE0E715C-AA47-451B-8428-51E0E470A79D}" type="datetimeFigureOut">
               <a:rPr lang="en-US" smtClean="0"/>
-              <a:t>3/29/2021</a:t>
+              <a:t>3/30/2021</a:t>
             </a:fld>
             <a:endParaRPr lang="en-US"/>
           </a:p>
@@ -1425,7 +1425,7 @@
           <a:p>
             <a:fld id="{AE0E715C-AA47-451B-8428-51E0E470A79D}" type="datetimeFigureOut">
               <a:rPr lang="en-US" smtClean="0"/>
-              <a:t>3/29/2021</a:t>
+              <a:t>3/30/2021</a:t>
             </a:fld>
             <a:endParaRPr lang="en-US"/>
           </a:p>
@@ -1837,7 +1837,7 @@
           <a:p>
             <a:fld id="{AE0E715C-AA47-451B-8428-51E0E470A79D}" type="datetimeFigureOut">
               <a:rPr lang="en-US" smtClean="0"/>
-              <a:t>3/29/2021</a:t>
+              <a:t>3/30/2021</a:t>
             </a:fld>
             <a:endParaRPr lang="en-US"/>
           </a:p>
@@ -1978,7 +1978,7 @@
           <a:p>
             <a:fld id="{AE0E715C-AA47-451B-8428-51E0E470A79D}" type="datetimeFigureOut">
               <a:rPr lang="en-US" smtClean="0"/>
-              <a:t>3/29/2021</a:t>
+              <a:t>3/30/2021</a:t>
             </a:fld>
             <a:endParaRPr lang="en-US"/>
           </a:p>
@@ -2091,7 +2091,7 @@
           <a:p>
             <a:fld id="{AE0E715C-AA47-451B-8428-51E0E470A79D}" type="datetimeFigureOut">
               <a:rPr lang="en-US" smtClean="0"/>
-              <a:t>3/29/2021</a:t>
+              <a:t>3/30/2021</a:t>
             </a:fld>
             <a:endParaRPr lang="en-US"/>
           </a:p>
@@ -2402,7 +2402,7 @@
           <a:p>
             <a:fld id="{AE0E715C-AA47-451B-8428-51E0E470A79D}" type="datetimeFigureOut">
               <a:rPr lang="en-US" smtClean="0"/>
-              <a:t>3/29/2021</a:t>
+              <a:t>3/30/2021</a:t>
             </a:fld>
             <a:endParaRPr lang="en-US"/>
           </a:p>
@@ -2690,7 +2690,7 @@
           <a:p>
             <a:fld id="{AE0E715C-AA47-451B-8428-51E0E470A79D}" type="datetimeFigureOut">
               <a:rPr lang="en-US" smtClean="0"/>
-              <a:t>3/29/2021</a:t>
+              <a:t>3/30/2021</a:t>
             </a:fld>
             <a:endParaRPr lang="en-US"/>
           </a:p>
@@ -2931,7 +2931,7 @@
           <a:p>
             <a:fld id="{AE0E715C-AA47-451B-8428-51E0E470A79D}" type="datetimeFigureOut">
               <a:rPr lang="en-US" smtClean="0"/>
-              <a:t>3/29/2021</a:t>
+              <a:t>3/30/2021</a:t>
             </a:fld>
             <a:endParaRPr lang="en-US"/>
           </a:p>
@@ -6479,41 +6479,6 @@
           </a:p>
         </p:txBody>
       </p:sp>
-      <p:sp>
-        <p:nvSpPr>
-          <p:cNvPr id="23" name="TextBox 22">
-            <a:extLst>
-              <a:ext uri="{FF2B5EF4-FFF2-40B4-BE49-F238E27FC236}">
-                <a16:creationId xmlns:a16="http://schemas.microsoft.com/office/drawing/2014/main" id="{A9605814-A9BB-4375-903C-A2BF94F2F0A7}"/>
-              </a:ext>
-            </a:extLst>
-          </p:cNvPr>
-          <p:cNvSpPr txBox="1"/>
-          <p:nvPr/>
-        </p:nvSpPr>
-        <p:spPr>
-          <a:xfrm>
-            <a:off x="3048000" y="3128377"/>
-            <a:ext cx="6096000" cy="369332"/>
-          </a:xfrm>
-          <a:prstGeom prst="rect">
-            <a:avLst/>
-          </a:prstGeom>
-          <a:noFill/>
-        </p:spPr>
-        <p:txBody>
-          <a:bodyPr wrap="square">
-            <a:spAutoFit/>
-          </a:bodyPr>
-          <a:lstStyle/>
-          <a:p>
-            <a:r>
-              <a:rPr lang="en-US" dirty="0"/>
-              <a:t>Ideal automation scenario with Se</a:t>
-            </a:r>
-          </a:p>
-        </p:txBody>
-      </p:sp>
     </p:spTree>
     <p:extLst>
       <p:ext uri="{BB962C8B-B14F-4D97-AF65-F5344CB8AC3E}">

--- a/PrimerNotes.pptx
+++ b/PrimerNotes.pptx
@@ -28,6 +28,12 @@
     <p:sldId id="276" r:id="rId22"/>
     <p:sldId id="277" r:id="rId23"/>
     <p:sldId id="278" r:id="rId24"/>
+    <p:sldId id="279" r:id="rId25"/>
+    <p:sldId id="280" r:id="rId26"/>
+    <p:sldId id="281" r:id="rId27"/>
+    <p:sldId id="282" r:id="rId28"/>
+    <p:sldId id="283" r:id="rId29"/>
+    <p:sldId id="284" r:id="rId30"/>
   </p:sldIdLst>
   <p:sldSz cx="12192000" cy="6858000"/>
   <p:notesSz cx="6858000" cy="9144000"/>
@@ -281,7 +287,7 @@
           <a:p>
             <a:fld id="{AE0E715C-AA47-451B-8428-51E0E470A79D}" type="datetimeFigureOut">
               <a:rPr lang="en-US" smtClean="0"/>
-              <a:t>3/30/2021</a:t>
+              <a:t>4/1/2021</a:t>
             </a:fld>
             <a:endParaRPr lang="en-US"/>
           </a:p>
@@ -479,7 +485,7 @@
           <a:p>
             <a:fld id="{AE0E715C-AA47-451B-8428-51E0E470A79D}" type="datetimeFigureOut">
               <a:rPr lang="en-US" smtClean="0"/>
-              <a:t>3/30/2021</a:t>
+              <a:t>4/1/2021</a:t>
             </a:fld>
             <a:endParaRPr lang="en-US"/>
           </a:p>
@@ -687,7 +693,7 @@
           <a:p>
             <a:fld id="{AE0E715C-AA47-451B-8428-51E0E470A79D}" type="datetimeFigureOut">
               <a:rPr lang="en-US" smtClean="0"/>
-              <a:t>3/30/2021</a:t>
+              <a:t>4/1/2021</a:t>
             </a:fld>
             <a:endParaRPr lang="en-US"/>
           </a:p>
@@ -885,7 +891,7 @@
           <a:p>
             <a:fld id="{AE0E715C-AA47-451B-8428-51E0E470A79D}" type="datetimeFigureOut">
               <a:rPr lang="en-US" smtClean="0"/>
-              <a:t>3/30/2021</a:t>
+              <a:t>4/1/2021</a:t>
             </a:fld>
             <a:endParaRPr lang="en-US"/>
           </a:p>
@@ -1160,7 +1166,7 @@
           <a:p>
             <a:fld id="{AE0E715C-AA47-451B-8428-51E0E470A79D}" type="datetimeFigureOut">
               <a:rPr lang="en-US" smtClean="0"/>
-              <a:t>3/30/2021</a:t>
+              <a:t>4/1/2021</a:t>
             </a:fld>
             <a:endParaRPr lang="en-US"/>
           </a:p>
@@ -1425,7 +1431,7 @@
           <a:p>
             <a:fld id="{AE0E715C-AA47-451B-8428-51E0E470A79D}" type="datetimeFigureOut">
               <a:rPr lang="en-US" smtClean="0"/>
-              <a:t>3/30/2021</a:t>
+              <a:t>4/1/2021</a:t>
             </a:fld>
             <a:endParaRPr lang="en-US"/>
           </a:p>
@@ -1837,7 +1843,7 @@
           <a:p>
             <a:fld id="{AE0E715C-AA47-451B-8428-51E0E470A79D}" type="datetimeFigureOut">
               <a:rPr lang="en-US" smtClean="0"/>
-              <a:t>3/30/2021</a:t>
+              <a:t>4/1/2021</a:t>
             </a:fld>
             <a:endParaRPr lang="en-US"/>
           </a:p>
@@ -1978,7 +1984,7 @@
           <a:p>
             <a:fld id="{AE0E715C-AA47-451B-8428-51E0E470A79D}" type="datetimeFigureOut">
               <a:rPr lang="en-US" smtClean="0"/>
-              <a:t>3/30/2021</a:t>
+              <a:t>4/1/2021</a:t>
             </a:fld>
             <a:endParaRPr lang="en-US"/>
           </a:p>
@@ -2091,7 +2097,7 @@
           <a:p>
             <a:fld id="{AE0E715C-AA47-451B-8428-51E0E470A79D}" type="datetimeFigureOut">
               <a:rPr lang="en-US" smtClean="0"/>
-              <a:t>3/30/2021</a:t>
+              <a:t>4/1/2021</a:t>
             </a:fld>
             <a:endParaRPr lang="en-US"/>
           </a:p>
@@ -2402,7 +2408,7 @@
           <a:p>
             <a:fld id="{AE0E715C-AA47-451B-8428-51E0E470A79D}" type="datetimeFigureOut">
               <a:rPr lang="en-US" smtClean="0"/>
-              <a:t>3/30/2021</a:t>
+              <a:t>4/1/2021</a:t>
             </a:fld>
             <a:endParaRPr lang="en-US"/>
           </a:p>
@@ -2690,7 +2696,7 @@
           <a:p>
             <a:fld id="{AE0E715C-AA47-451B-8428-51E0E470A79D}" type="datetimeFigureOut">
               <a:rPr lang="en-US" smtClean="0"/>
-              <a:t>3/30/2021</a:t>
+              <a:t>4/1/2021</a:t>
             </a:fld>
             <a:endParaRPr lang="en-US"/>
           </a:p>
@@ -2931,7 +2937,7 @@
           <a:p>
             <a:fld id="{AE0E715C-AA47-451B-8428-51E0E470A79D}" type="datetimeFigureOut">
               <a:rPr lang="en-US" smtClean="0"/>
-              <a:t>3/30/2021</a:t>
+              <a:t>4/1/2021</a:t>
             </a:fld>
             <a:endParaRPr lang="en-US"/>
           </a:p>
@@ -7248,6 +7254,863 @@
 </p:sld>
 </file>
 
+<file path=ppt/slides/slide24.xml><?xml version="1.0" encoding="utf-8"?>
+<p:sld xmlns:a="http://schemas.openxmlformats.org/drawingml/2006/main" xmlns:r="http://schemas.openxmlformats.org/officeDocument/2006/relationships" xmlns:p="http://schemas.openxmlformats.org/presentationml/2006/main">
+  <p:cSld>
+    <p:spTree>
+      <p:nvGrpSpPr>
+        <p:cNvPr id="1" name=""/>
+        <p:cNvGrpSpPr/>
+        <p:nvPr/>
+      </p:nvGrpSpPr>
+      <p:grpSpPr>
+        <a:xfrm>
+          <a:off x="0" y="0"/>
+          <a:ext cx="0" cy="0"/>
+          <a:chOff x="0" y="0"/>
+          <a:chExt cx="0" cy="0"/>
+        </a:xfrm>
+      </p:grpSpPr>
+      <p:sp>
+        <p:nvSpPr>
+          <p:cNvPr id="2" name="Title 1">
+            <a:extLst>
+              <a:ext uri="{FF2B5EF4-FFF2-40B4-BE49-F238E27FC236}">
+                <a16:creationId xmlns:a16="http://schemas.microsoft.com/office/drawing/2014/main" id="{928D24DD-95C9-4FF2-B93A-EF8C2638BCED}"/>
+              </a:ext>
+            </a:extLst>
+          </p:cNvPr>
+          <p:cNvSpPr>
+            <a:spLocks noGrp="1"/>
+          </p:cNvSpPr>
+          <p:nvPr>
+            <p:ph type="title"/>
+          </p:nvPr>
+        </p:nvSpPr>
+        <p:spPr/>
+        <p:txBody>
+          <a:bodyPr/>
+          <a:lstStyle/>
+          <a:p>
+            <a:r>
+              <a:rPr lang="en-US" dirty="0"/>
+              <a:t>Cucumber workflow with Se</a:t>
+            </a:r>
+          </a:p>
+        </p:txBody>
+      </p:sp>
+      <p:sp>
+        <p:nvSpPr>
+          <p:cNvPr id="3" name="Content Placeholder 2">
+            <a:extLst>
+              <a:ext uri="{FF2B5EF4-FFF2-40B4-BE49-F238E27FC236}">
+                <a16:creationId xmlns:a16="http://schemas.microsoft.com/office/drawing/2014/main" id="{1B2FE7C0-B3D6-441F-8E52-79F35C990C1C}"/>
+              </a:ext>
+            </a:extLst>
+          </p:cNvPr>
+          <p:cNvSpPr>
+            <a:spLocks noGrp="1"/>
+          </p:cNvSpPr>
+          <p:nvPr>
+            <p:ph idx="1"/>
+          </p:nvPr>
+        </p:nvSpPr>
+        <p:spPr/>
+        <p:txBody>
+          <a:bodyPr/>
+          <a:lstStyle/>
+          <a:p>
+            <a:r>
+              <a:rPr lang="en-US" dirty="0"/>
+              <a:t>Obviously pretty similar to a classical BDD workflow</a:t>
+            </a:r>
+          </a:p>
+          <a:p>
+            <a:pPr marL="514350" indent="-514350">
+              <a:buAutoNum type="arabicPeriod"/>
+            </a:pPr>
+            <a:r>
+              <a:rPr lang="en-US" dirty="0"/>
+              <a:t>Defining overall user stories/ requirements</a:t>
+            </a:r>
+          </a:p>
+          <a:p>
+            <a:pPr lvl="1"/>
+            <a:r>
+              <a:rPr lang="en-US" dirty="0"/>
+              <a:t>Usually done by not the dev (BA, Project Manager)</a:t>
+            </a:r>
+          </a:p>
+          <a:p>
+            <a:pPr lvl="1"/>
+            <a:r>
+              <a:rPr lang="en-US" dirty="0"/>
+              <a:t>Fulfilled in the Feature files (written in Gherkin)</a:t>
+            </a:r>
+          </a:p>
+          <a:p>
+            <a:pPr lvl="1"/>
+            <a:r>
+              <a:rPr lang="en-US" dirty="0"/>
+              <a:t>Feature file used to translate business req. into tech req. (source of truth)</a:t>
+            </a:r>
+          </a:p>
+          <a:p>
+            <a:pPr marL="514350" indent="-514350">
+              <a:buAutoNum type="arabicPeriod" startAt="2"/>
+            </a:pPr>
+            <a:r>
+              <a:rPr lang="en-US" dirty="0"/>
+              <a:t>Use Cucumber to generate tests in Java</a:t>
+            </a:r>
+          </a:p>
+          <a:p>
+            <a:pPr marL="514350" indent="-514350">
+              <a:buAutoNum type="arabicPeriod" startAt="2"/>
+            </a:pPr>
+            <a:r>
+              <a:rPr lang="en-US" dirty="0"/>
+              <a:t>Do TDD</a:t>
+            </a:r>
+          </a:p>
+        </p:txBody>
+      </p:sp>
+    </p:spTree>
+    <p:extLst>
+      <p:ext uri="{BB962C8B-B14F-4D97-AF65-F5344CB8AC3E}">
+        <p14:creationId xmlns:p14="http://schemas.microsoft.com/office/powerpoint/2010/main" val="124716100"/>
+      </p:ext>
+    </p:extLst>
+  </p:cSld>
+  <p:clrMapOvr>
+    <a:masterClrMapping/>
+  </p:clrMapOvr>
+</p:sld>
+</file>
+
+<file path=ppt/slides/slide25.xml><?xml version="1.0" encoding="utf-8"?>
+<p:sld xmlns:a="http://schemas.openxmlformats.org/drawingml/2006/main" xmlns:r="http://schemas.openxmlformats.org/officeDocument/2006/relationships" xmlns:p="http://schemas.openxmlformats.org/presentationml/2006/main">
+  <p:cSld>
+    <p:spTree>
+      <p:nvGrpSpPr>
+        <p:cNvPr id="1" name=""/>
+        <p:cNvGrpSpPr/>
+        <p:nvPr/>
+      </p:nvGrpSpPr>
+      <p:grpSpPr>
+        <a:xfrm>
+          <a:off x="0" y="0"/>
+          <a:ext cx="0" cy="0"/>
+          <a:chOff x="0" y="0"/>
+          <a:chExt cx="0" cy="0"/>
+        </a:xfrm>
+      </p:grpSpPr>
+      <p:sp>
+        <p:nvSpPr>
+          <p:cNvPr id="2" name="Title 1">
+            <a:extLst>
+              <a:ext uri="{FF2B5EF4-FFF2-40B4-BE49-F238E27FC236}">
+                <a16:creationId xmlns:a16="http://schemas.microsoft.com/office/drawing/2014/main" id="{DE7059BA-DFA4-41F0-8FA0-D5271DD8259D}"/>
+              </a:ext>
+            </a:extLst>
+          </p:cNvPr>
+          <p:cNvSpPr>
+            <a:spLocks noGrp="1"/>
+          </p:cNvSpPr>
+          <p:nvPr>
+            <p:ph type="title"/>
+          </p:nvPr>
+        </p:nvSpPr>
+        <p:spPr/>
+        <p:txBody>
+          <a:bodyPr/>
+          <a:lstStyle/>
+          <a:p>
+            <a:r>
+              <a:rPr lang="en-US" dirty="0"/>
+              <a:t>Testing in Angular</a:t>
+            </a:r>
+          </a:p>
+        </p:txBody>
+      </p:sp>
+      <p:sp>
+        <p:nvSpPr>
+          <p:cNvPr id="3" name="Content Placeholder 2">
+            <a:extLst>
+              <a:ext uri="{FF2B5EF4-FFF2-40B4-BE49-F238E27FC236}">
+                <a16:creationId xmlns:a16="http://schemas.microsoft.com/office/drawing/2014/main" id="{193534CE-839B-4353-B5D6-046D622EB79D}"/>
+              </a:ext>
+            </a:extLst>
+          </p:cNvPr>
+          <p:cNvSpPr>
+            <a:spLocks noGrp="1"/>
+          </p:cNvSpPr>
+          <p:nvPr>
+            <p:ph idx="1"/>
+          </p:nvPr>
+        </p:nvSpPr>
+        <p:spPr/>
+        <p:txBody>
+          <a:bodyPr/>
+          <a:lstStyle/>
+          <a:p>
+            <a:r>
+              <a:rPr lang="en-US" dirty="0"/>
+              <a:t>What we have done so far: Java + Junit +Selenium + Cucumber</a:t>
+            </a:r>
+          </a:p>
+          <a:p>
+            <a:pPr lvl="1"/>
+            <a:r>
+              <a:rPr lang="en-US" dirty="0"/>
+              <a:t>Java -&gt; Language/Environment</a:t>
+            </a:r>
+          </a:p>
+          <a:p>
+            <a:pPr lvl="1"/>
+            <a:r>
+              <a:rPr lang="en-US" dirty="0"/>
+              <a:t>Junit -&gt; unit test</a:t>
+            </a:r>
+          </a:p>
+          <a:p>
+            <a:pPr lvl="1"/>
+            <a:r>
+              <a:rPr lang="en-US" dirty="0"/>
+              <a:t>Selenium -&gt; Automated E2E testing</a:t>
+            </a:r>
+          </a:p>
+          <a:p>
+            <a:pPr lvl="1"/>
+            <a:r>
+              <a:rPr lang="en-US" dirty="0"/>
+              <a:t>Cucumber -&gt; BDD</a:t>
+            </a:r>
+          </a:p>
+          <a:p>
+            <a:r>
+              <a:rPr lang="en-US" dirty="0"/>
+              <a:t>What this would look like for Angular?</a:t>
+            </a:r>
+          </a:p>
+          <a:p>
+            <a:pPr lvl="1"/>
+            <a:r>
+              <a:rPr lang="en-US" dirty="0"/>
+              <a:t>TS/Angular -&gt; Language/Env/Framework instead of Java</a:t>
+            </a:r>
+          </a:p>
+          <a:p>
+            <a:pPr lvl="1"/>
+            <a:r>
+              <a:rPr lang="en-US" dirty="0"/>
+              <a:t>Jasmine + Karma instead of Junit</a:t>
+            </a:r>
+          </a:p>
+          <a:p>
+            <a:pPr lvl="1"/>
+            <a:r>
+              <a:rPr lang="en-US" dirty="0"/>
+              <a:t>Protractor instead of Se</a:t>
+            </a:r>
+          </a:p>
+          <a:p>
+            <a:pPr lvl="1"/>
+            <a:r>
+              <a:rPr lang="en-US" dirty="0"/>
+              <a:t>Cucumber if you want to I guess…</a:t>
+            </a:r>
+          </a:p>
+          <a:p>
+            <a:pPr lvl="1"/>
+            <a:endParaRPr lang="en-US" dirty="0"/>
+          </a:p>
+        </p:txBody>
+      </p:sp>
+    </p:spTree>
+    <p:extLst>
+      <p:ext uri="{BB962C8B-B14F-4D97-AF65-F5344CB8AC3E}">
+        <p14:creationId xmlns:p14="http://schemas.microsoft.com/office/powerpoint/2010/main" val="1964118051"/>
+      </p:ext>
+    </p:extLst>
+  </p:cSld>
+  <p:clrMapOvr>
+    <a:masterClrMapping/>
+  </p:clrMapOvr>
+</p:sld>
+</file>
+
+<file path=ppt/slides/slide26.xml><?xml version="1.0" encoding="utf-8"?>
+<p:sld xmlns:a="http://schemas.openxmlformats.org/drawingml/2006/main" xmlns:r="http://schemas.openxmlformats.org/officeDocument/2006/relationships" xmlns:p="http://schemas.openxmlformats.org/presentationml/2006/main">
+  <p:cSld>
+    <p:spTree>
+      <p:nvGrpSpPr>
+        <p:cNvPr id="1" name=""/>
+        <p:cNvGrpSpPr/>
+        <p:nvPr/>
+      </p:nvGrpSpPr>
+      <p:grpSpPr>
+        <a:xfrm>
+          <a:off x="0" y="0"/>
+          <a:ext cx="0" cy="0"/>
+          <a:chOff x="0" y="0"/>
+          <a:chExt cx="0" cy="0"/>
+        </a:xfrm>
+      </p:grpSpPr>
+      <p:sp>
+        <p:nvSpPr>
+          <p:cNvPr id="2" name="Title 1">
+            <a:extLst>
+              <a:ext uri="{FF2B5EF4-FFF2-40B4-BE49-F238E27FC236}">
+                <a16:creationId xmlns:a16="http://schemas.microsoft.com/office/drawing/2014/main" id="{C52E9B2A-B947-4D2F-94B3-76553D3D9177}"/>
+              </a:ext>
+            </a:extLst>
+          </p:cNvPr>
+          <p:cNvSpPr>
+            <a:spLocks noGrp="1"/>
+          </p:cNvSpPr>
+          <p:nvPr>
+            <p:ph type="title"/>
+          </p:nvPr>
+        </p:nvSpPr>
+        <p:spPr/>
+        <p:txBody>
+          <a:bodyPr/>
+          <a:lstStyle/>
+          <a:p>
+            <a:r>
+              <a:rPr lang="en-US" dirty="0"/>
+              <a:t>Jasmine and Karma</a:t>
+            </a:r>
+          </a:p>
+        </p:txBody>
+      </p:sp>
+      <p:sp>
+        <p:nvSpPr>
+          <p:cNvPr id="3" name="Content Placeholder 2">
+            <a:extLst>
+              <a:ext uri="{FF2B5EF4-FFF2-40B4-BE49-F238E27FC236}">
+                <a16:creationId xmlns:a16="http://schemas.microsoft.com/office/drawing/2014/main" id="{0B2335E8-6DC4-4325-9AD3-51B4F35A48D0}"/>
+              </a:ext>
+            </a:extLst>
+          </p:cNvPr>
+          <p:cNvSpPr>
+            <a:spLocks noGrp="1"/>
+          </p:cNvSpPr>
+          <p:nvPr>
+            <p:ph idx="1"/>
+          </p:nvPr>
+        </p:nvSpPr>
+        <p:spPr/>
+        <p:txBody>
+          <a:bodyPr/>
+          <a:lstStyle/>
+          <a:p>
+            <a:r>
+              <a:rPr lang="en-US" dirty="0"/>
+              <a:t>Jasmine is the unit testing framework</a:t>
+            </a:r>
+          </a:p>
+          <a:p>
+            <a:pPr lvl="1"/>
+            <a:r>
+              <a:rPr lang="en-US" dirty="0"/>
+              <a:t>Common key words: describe, it, </a:t>
+            </a:r>
+            <a:r>
+              <a:rPr lang="en-US" dirty="0" err="1"/>
+              <a:t>beforeEach</a:t>
+            </a:r>
+            <a:r>
+              <a:rPr lang="en-US" dirty="0"/>
+              <a:t>, expect, </a:t>
+            </a:r>
+            <a:r>
+              <a:rPr lang="en-US" dirty="0" err="1"/>
+              <a:t>toBe</a:t>
+            </a:r>
+            <a:r>
+              <a:rPr lang="en-US" dirty="0"/>
+              <a:t>, etc.</a:t>
+            </a:r>
+          </a:p>
+          <a:p>
+            <a:pPr lvl="1"/>
+            <a:r>
+              <a:rPr lang="en-US" dirty="0"/>
+              <a:t>describe: used to define a test suite</a:t>
+            </a:r>
+          </a:p>
+          <a:p>
+            <a:pPr lvl="1"/>
+            <a:r>
+              <a:rPr lang="en-US" dirty="0"/>
+              <a:t>it: used to define a test</a:t>
+            </a:r>
+          </a:p>
+          <a:p>
+            <a:pPr lvl="1"/>
+            <a:r>
+              <a:rPr lang="en-US" dirty="0"/>
+              <a:t>Expect + </a:t>
+            </a:r>
+            <a:r>
+              <a:rPr lang="en-US" dirty="0" err="1"/>
+              <a:t>toBe</a:t>
+            </a:r>
+            <a:r>
+              <a:rPr lang="en-US" dirty="0"/>
+              <a:t>: the assertions you make to see if the behavior works as expected</a:t>
+            </a:r>
+          </a:p>
+          <a:p>
+            <a:r>
+              <a:rPr lang="en-US" dirty="0"/>
+              <a:t>Karma is the test runner; it will run the tests through your browser</a:t>
+            </a:r>
+          </a:p>
+        </p:txBody>
+      </p:sp>
+    </p:spTree>
+    <p:extLst>
+      <p:ext uri="{BB962C8B-B14F-4D97-AF65-F5344CB8AC3E}">
+        <p14:creationId xmlns:p14="http://schemas.microsoft.com/office/powerpoint/2010/main" val="151730171"/>
+      </p:ext>
+    </p:extLst>
+  </p:cSld>
+  <p:clrMapOvr>
+    <a:masterClrMapping/>
+  </p:clrMapOvr>
+</p:sld>
+</file>
+
+<file path=ppt/slides/slide27.xml><?xml version="1.0" encoding="utf-8"?>
+<p:sld xmlns:a="http://schemas.openxmlformats.org/drawingml/2006/main" xmlns:r="http://schemas.openxmlformats.org/officeDocument/2006/relationships" xmlns:p="http://schemas.openxmlformats.org/presentationml/2006/main">
+  <p:cSld>
+    <p:spTree>
+      <p:nvGrpSpPr>
+        <p:cNvPr id="1" name=""/>
+        <p:cNvGrpSpPr/>
+        <p:nvPr/>
+      </p:nvGrpSpPr>
+      <p:grpSpPr>
+        <a:xfrm>
+          <a:off x="0" y="0"/>
+          <a:ext cx="0" cy="0"/>
+          <a:chOff x="0" y="0"/>
+          <a:chExt cx="0" cy="0"/>
+        </a:xfrm>
+      </p:grpSpPr>
+      <p:sp>
+        <p:nvSpPr>
+          <p:cNvPr id="2" name="Title 1">
+            <a:extLst>
+              <a:ext uri="{FF2B5EF4-FFF2-40B4-BE49-F238E27FC236}">
+                <a16:creationId xmlns:a16="http://schemas.microsoft.com/office/drawing/2014/main" id="{E2936279-FD98-44D1-9C8A-288B1FF589FA}"/>
+              </a:ext>
+            </a:extLst>
+          </p:cNvPr>
+          <p:cNvSpPr>
+            <a:spLocks noGrp="1"/>
+          </p:cNvSpPr>
+          <p:nvPr>
+            <p:ph type="title"/>
+          </p:nvPr>
+        </p:nvSpPr>
+        <p:spPr/>
+        <p:txBody>
+          <a:bodyPr/>
+          <a:lstStyle/>
+          <a:p>
+            <a:r>
+              <a:rPr lang="en-US" dirty="0"/>
+              <a:t>Use TDD to develop the following feature</a:t>
+            </a:r>
+          </a:p>
+        </p:txBody>
+      </p:sp>
+      <p:sp>
+        <p:nvSpPr>
+          <p:cNvPr id="3" name="Content Placeholder 2">
+            <a:extLst>
+              <a:ext uri="{FF2B5EF4-FFF2-40B4-BE49-F238E27FC236}">
+                <a16:creationId xmlns:a16="http://schemas.microsoft.com/office/drawing/2014/main" id="{F17DAE5A-4EB8-4854-8215-28A02A8095C3}"/>
+              </a:ext>
+            </a:extLst>
+          </p:cNvPr>
+          <p:cNvSpPr>
+            <a:spLocks noGrp="1"/>
+          </p:cNvSpPr>
+          <p:nvPr>
+            <p:ph idx="1"/>
+          </p:nvPr>
+        </p:nvSpPr>
+        <p:spPr/>
+        <p:txBody>
+          <a:bodyPr/>
+          <a:lstStyle/>
+          <a:p>
+            <a:r>
+              <a:rPr lang="en-US" dirty="0"/>
+              <a:t>As a user, I can click on a button, then the button will display some text containing: request info, item type, number of items request</a:t>
+            </a:r>
+          </a:p>
+        </p:txBody>
+      </p:sp>
+    </p:spTree>
+    <p:extLst>
+      <p:ext uri="{BB962C8B-B14F-4D97-AF65-F5344CB8AC3E}">
+        <p14:creationId xmlns:p14="http://schemas.microsoft.com/office/powerpoint/2010/main" val="954547973"/>
+      </p:ext>
+    </p:extLst>
+  </p:cSld>
+  <p:clrMapOvr>
+    <a:masterClrMapping/>
+  </p:clrMapOvr>
+</p:sld>
+</file>
+
+<file path=ppt/slides/slide28.xml><?xml version="1.0" encoding="utf-8"?>
+<p:sld xmlns:a="http://schemas.openxmlformats.org/drawingml/2006/main" xmlns:r="http://schemas.openxmlformats.org/officeDocument/2006/relationships" xmlns:p="http://schemas.openxmlformats.org/presentationml/2006/main">
+  <p:cSld>
+    <p:spTree>
+      <p:nvGrpSpPr>
+        <p:cNvPr id="1" name=""/>
+        <p:cNvGrpSpPr/>
+        <p:nvPr/>
+      </p:nvGrpSpPr>
+      <p:grpSpPr>
+        <a:xfrm>
+          <a:off x="0" y="0"/>
+          <a:ext cx="0" cy="0"/>
+          <a:chOff x="0" y="0"/>
+          <a:chExt cx="0" cy="0"/>
+        </a:xfrm>
+      </p:grpSpPr>
+      <p:sp>
+        <p:nvSpPr>
+          <p:cNvPr id="2" name="Title 1">
+            <a:extLst>
+              <a:ext uri="{FF2B5EF4-FFF2-40B4-BE49-F238E27FC236}">
+                <a16:creationId xmlns:a16="http://schemas.microsoft.com/office/drawing/2014/main" id="{4E77157C-3627-48A6-93CA-63CED01F6696}"/>
+              </a:ext>
+            </a:extLst>
+          </p:cNvPr>
+          <p:cNvSpPr>
+            <a:spLocks noGrp="1"/>
+          </p:cNvSpPr>
+          <p:nvPr>
+            <p:ph type="title"/>
+          </p:nvPr>
+        </p:nvSpPr>
+        <p:spPr/>
+        <p:txBody>
+          <a:bodyPr/>
+          <a:lstStyle/>
+          <a:p>
+            <a:r>
+              <a:rPr lang="en-US" dirty="0"/>
+              <a:t>What this might look like</a:t>
+            </a:r>
+          </a:p>
+        </p:txBody>
+      </p:sp>
+      <p:sp>
+        <p:nvSpPr>
+          <p:cNvPr id="4" name="Rectangle 3">
+            <a:extLst>
+              <a:ext uri="{FF2B5EF4-FFF2-40B4-BE49-F238E27FC236}">
+                <a16:creationId xmlns:a16="http://schemas.microsoft.com/office/drawing/2014/main" id="{8E6B639C-9CB0-4C31-B31F-3A1565019147}"/>
+              </a:ext>
+            </a:extLst>
+          </p:cNvPr>
+          <p:cNvSpPr/>
+          <p:nvPr/>
+        </p:nvSpPr>
+        <p:spPr>
+          <a:xfrm>
+            <a:off x="1498862" y="1583703"/>
+            <a:ext cx="9153427" cy="4694549"/>
+          </a:xfrm>
+          <a:prstGeom prst="rect">
+            <a:avLst/>
+          </a:prstGeom>
+        </p:spPr>
+        <p:style>
+          <a:lnRef idx="2">
+            <a:schemeClr val="accent1">
+              <a:shade val="50000"/>
+            </a:schemeClr>
+          </a:lnRef>
+          <a:fillRef idx="1">
+            <a:schemeClr val="accent1"/>
+          </a:fillRef>
+          <a:effectRef idx="0">
+            <a:schemeClr val="accent1"/>
+          </a:effectRef>
+          <a:fontRef idx="minor">
+            <a:schemeClr val="lt1"/>
+          </a:fontRef>
+        </p:style>
+        <p:txBody>
+          <a:bodyPr rtlCol="0" anchor="ctr"/>
+          <a:lstStyle/>
+          <a:p>
+            <a:pPr algn="ctr"/>
+            <a:endParaRPr lang="en-US"/>
+          </a:p>
+        </p:txBody>
+      </p:sp>
+      <p:sp>
+        <p:nvSpPr>
+          <p:cNvPr id="5" name="TextBox 4">
+            <a:extLst>
+              <a:ext uri="{FF2B5EF4-FFF2-40B4-BE49-F238E27FC236}">
+                <a16:creationId xmlns:a16="http://schemas.microsoft.com/office/drawing/2014/main" id="{7A5A853B-64BA-4DA0-AC22-4EA0A547C975}"/>
+              </a:ext>
+            </a:extLst>
+          </p:cNvPr>
+          <p:cNvSpPr txBox="1"/>
+          <p:nvPr/>
+        </p:nvSpPr>
+        <p:spPr>
+          <a:xfrm>
+            <a:off x="1970202" y="2064470"/>
+            <a:ext cx="8251596" cy="3384223"/>
+          </a:xfrm>
+          <a:prstGeom prst="rect">
+            <a:avLst/>
+          </a:prstGeom>
+          <a:solidFill>
+            <a:schemeClr val="accent2">
+              <a:lumMod val="40000"/>
+              <a:lumOff val="60000"/>
+            </a:schemeClr>
+          </a:solidFill>
+        </p:spPr>
+        <p:txBody>
+          <a:bodyPr wrap="square" rtlCol="0">
+            <a:spAutoFit/>
+          </a:bodyPr>
+          <a:lstStyle/>
+          <a:p>
+            <a:endParaRPr lang="en-US" dirty="0"/>
+          </a:p>
+        </p:txBody>
+      </p:sp>
+      <p:sp>
+        <p:nvSpPr>
+          <p:cNvPr id="6" name="Rectangle 5">
+            <a:extLst>
+              <a:ext uri="{FF2B5EF4-FFF2-40B4-BE49-F238E27FC236}">
+                <a16:creationId xmlns:a16="http://schemas.microsoft.com/office/drawing/2014/main" id="{001CC5A0-11FD-4F46-BA11-DA2B31E398B9}"/>
+              </a:ext>
+            </a:extLst>
+          </p:cNvPr>
+          <p:cNvSpPr/>
+          <p:nvPr/>
+        </p:nvSpPr>
+        <p:spPr>
+          <a:xfrm>
+            <a:off x="2403835" y="2328421"/>
+            <a:ext cx="1545996" cy="580845"/>
+          </a:xfrm>
+          <a:prstGeom prst="rect">
+            <a:avLst/>
+          </a:prstGeom>
+        </p:spPr>
+        <p:style>
+          <a:lnRef idx="2">
+            <a:schemeClr val="accent1">
+              <a:shade val="50000"/>
+            </a:schemeClr>
+          </a:lnRef>
+          <a:fillRef idx="1">
+            <a:schemeClr val="accent1"/>
+          </a:fillRef>
+          <a:effectRef idx="0">
+            <a:schemeClr val="accent1"/>
+          </a:effectRef>
+          <a:fontRef idx="minor">
+            <a:schemeClr val="lt1"/>
+          </a:fontRef>
+        </p:style>
+        <p:txBody>
+          <a:bodyPr rtlCol="0" anchor="ctr"/>
+          <a:lstStyle/>
+          <a:p>
+            <a:pPr algn="ctr"/>
+            <a:r>
+              <a:rPr lang="en-US" dirty="0"/>
+              <a:t>Click me</a:t>
+            </a:r>
+          </a:p>
+        </p:txBody>
+      </p:sp>
+      <p:sp>
+        <p:nvSpPr>
+          <p:cNvPr id="8" name="TextBox 7">
+            <a:extLst>
+              <a:ext uri="{FF2B5EF4-FFF2-40B4-BE49-F238E27FC236}">
+                <a16:creationId xmlns:a16="http://schemas.microsoft.com/office/drawing/2014/main" id="{EF088E15-3FCA-4D08-ABB8-4DA79D22FDD2}"/>
+              </a:ext>
+            </a:extLst>
+          </p:cNvPr>
+          <p:cNvSpPr txBox="1"/>
+          <p:nvPr/>
+        </p:nvSpPr>
+        <p:spPr>
+          <a:xfrm>
+            <a:off x="2403835" y="3157979"/>
+            <a:ext cx="6381946" cy="923330"/>
+          </a:xfrm>
+          <a:prstGeom prst="rect">
+            <a:avLst/>
+          </a:prstGeom>
+          <a:noFill/>
+        </p:spPr>
+        <p:txBody>
+          <a:bodyPr wrap="square" rtlCol="0">
+            <a:spAutoFit/>
+          </a:bodyPr>
+          <a:lstStyle/>
+          <a:p>
+            <a:r>
+              <a:rPr lang="en-US" dirty="0"/>
+              <a:t>request info: “”</a:t>
+            </a:r>
+          </a:p>
+          <a:p>
+            <a:r>
+              <a:rPr lang="en-US" dirty="0"/>
+              <a:t>item type: #</a:t>
+            </a:r>
+          </a:p>
+          <a:p>
+            <a:r>
+              <a:rPr lang="en-US" dirty="0"/>
+              <a:t>number of items request:#</a:t>
+            </a:r>
+          </a:p>
+        </p:txBody>
+      </p:sp>
+    </p:spTree>
+    <p:extLst>
+      <p:ext uri="{BB962C8B-B14F-4D97-AF65-F5344CB8AC3E}">
+        <p14:creationId xmlns:p14="http://schemas.microsoft.com/office/powerpoint/2010/main" val="1930541005"/>
+      </p:ext>
+    </p:extLst>
+  </p:cSld>
+  <p:clrMapOvr>
+    <a:masterClrMapping/>
+  </p:clrMapOvr>
+</p:sld>
+</file>
+
+<file path=ppt/slides/slide29.xml><?xml version="1.0" encoding="utf-8"?>
+<p:sld xmlns:a="http://schemas.openxmlformats.org/drawingml/2006/main" xmlns:r="http://schemas.openxmlformats.org/officeDocument/2006/relationships" xmlns:p="http://schemas.openxmlformats.org/presentationml/2006/main">
+  <p:cSld>
+    <p:spTree>
+      <p:nvGrpSpPr>
+        <p:cNvPr id="1" name=""/>
+        <p:cNvGrpSpPr/>
+        <p:nvPr/>
+      </p:nvGrpSpPr>
+      <p:grpSpPr>
+        <a:xfrm>
+          <a:off x="0" y="0"/>
+          <a:ext cx="0" cy="0"/>
+          <a:chOff x="0" y="0"/>
+          <a:chExt cx="0" cy="0"/>
+        </a:xfrm>
+      </p:grpSpPr>
+      <p:sp>
+        <p:nvSpPr>
+          <p:cNvPr id="2" name="Title 1">
+            <a:extLst>
+              <a:ext uri="{FF2B5EF4-FFF2-40B4-BE49-F238E27FC236}">
+                <a16:creationId xmlns:a16="http://schemas.microsoft.com/office/drawing/2014/main" id="{6D1452FF-F446-4397-A7D3-C61CEBCC5C11}"/>
+              </a:ext>
+            </a:extLst>
+          </p:cNvPr>
+          <p:cNvSpPr>
+            <a:spLocks noGrp="1"/>
+          </p:cNvSpPr>
+          <p:nvPr>
+            <p:ph type="title"/>
+          </p:nvPr>
+        </p:nvSpPr>
+        <p:spPr/>
+        <p:txBody>
+          <a:bodyPr/>
+          <a:lstStyle/>
+          <a:p>
+            <a:r>
+              <a:rPr lang="en-US" dirty="0"/>
+              <a:t>Protractor</a:t>
+            </a:r>
+          </a:p>
+        </p:txBody>
+      </p:sp>
+      <p:sp>
+        <p:nvSpPr>
+          <p:cNvPr id="3" name="Content Placeholder 2">
+            <a:extLst>
+              <a:ext uri="{FF2B5EF4-FFF2-40B4-BE49-F238E27FC236}">
+                <a16:creationId xmlns:a16="http://schemas.microsoft.com/office/drawing/2014/main" id="{F7817EE6-B303-47F7-9E03-537536BDC84F}"/>
+              </a:ext>
+            </a:extLst>
+          </p:cNvPr>
+          <p:cNvSpPr>
+            <a:spLocks noGrp="1"/>
+          </p:cNvSpPr>
+          <p:nvPr>
+            <p:ph idx="1"/>
+          </p:nvPr>
+        </p:nvSpPr>
+        <p:spPr/>
+        <p:txBody>
+          <a:bodyPr/>
+          <a:lstStyle/>
+          <a:p>
+            <a:r>
+              <a:rPr lang="en-US" dirty="0"/>
+              <a:t>E2E testing for front ends</a:t>
+            </a:r>
+          </a:p>
+          <a:p>
+            <a:r>
+              <a:rPr lang="en-US" dirty="0"/>
+              <a:t>Chrome driver by default</a:t>
+            </a:r>
+          </a:p>
+          <a:p>
+            <a:r>
+              <a:rPr lang="en-US" dirty="0"/>
+              <a:t>Build on Selenium</a:t>
+            </a:r>
+          </a:p>
+          <a:p>
+            <a:r>
+              <a:rPr lang="en-US" dirty="0"/>
+              <a:t>Jasmine will run our protractor scripts</a:t>
+            </a:r>
+          </a:p>
+        </p:txBody>
+      </p:sp>
+    </p:spTree>
+    <p:extLst>
+      <p:ext uri="{BB962C8B-B14F-4D97-AF65-F5344CB8AC3E}">
+        <p14:creationId xmlns:p14="http://schemas.microsoft.com/office/powerpoint/2010/main" val="134420818"/>
+      </p:ext>
+    </p:extLst>
+  </p:cSld>
+  <p:clrMapOvr>
+    <a:masterClrMapping/>
+  </p:clrMapOvr>
+</p:sld>
+</file>
+
 <file path=ppt/slides/slide3.xml><?xml version="1.0" encoding="utf-8"?>
 <p:sld xmlns:a="http://schemas.openxmlformats.org/drawingml/2006/main" xmlns:r="http://schemas.openxmlformats.org/officeDocument/2006/relationships" xmlns:p="http://schemas.openxmlformats.org/presentationml/2006/main">
   <p:cSld>
@@ -7387,7 +8250,7 @@
         </p:nvSpPr>
         <p:spPr>
           <a:xfrm rot="5400000">
-            <a:off x="8421031" y="2405994"/>
+            <a:off x="8421031" y="2432628"/>
             <a:ext cx="5719763" cy="1822174"/>
           </a:xfrm>
           <a:prstGeom prst="rightArrow">

--- a/PrimerNotes.pptx
+++ b/PrimerNotes.pptx
@@ -287,7 +287,7 @@
           <a:p>
             <a:fld id="{AE0E715C-AA47-451B-8428-51E0E470A79D}" type="datetimeFigureOut">
               <a:rPr lang="en-US" smtClean="0"/>
-              <a:t>4/1/2021</a:t>
+              <a:t>4/2/2021</a:t>
             </a:fld>
             <a:endParaRPr lang="en-US"/>
           </a:p>
@@ -485,7 +485,7 @@
           <a:p>
             <a:fld id="{AE0E715C-AA47-451B-8428-51E0E470A79D}" type="datetimeFigureOut">
               <a:rPr lang="en-US" smtClean="0"/>
-              <a:t>4/1/2021</a:t>
+              <a:t>4/2/2021</a:t>
             </a:fld>
             <a:endParaRPr lang="en-US"/>
           </a:p>
@@ -693,7 +693,7 @@
           <a:p>
             <a:fld id="{AE0E715C-AA47-451B-8428-51E0E470A79D}" type="datetimeFigureOut">
               <a:rPr lang="en-US" smtClean="0"/>
-              <a:t>4/1/2021</a:t>
+              <a:t>4/2/2021</a:t>
             </a:fld>
             <a:endParaRPr lang="en-US"/>
           </a:p>
@@ -891,7 +891,7 @@
           <a:p>
             <a:fld id="{AE0E715C-AA47-451B-8428-51E0E470A79D}" type="datetimeFigureOut">
               <a:rPr lang="en-US" smtClean="0"/>
-              <a:t>4/1/2021</a:t>
+              <a:t>4/2/2021</a:t>
             </a:fld>
             <a:endParaRPr lang="en-US"/>
           </a:p>
@@ -1166,7 +1166,7 @@
           <a:p>
             <a:fld id="{AE0E715C-AA47-451B-8428-51E0E470A79D}" type="datetimeFigureOut">
               <a:rPr lang="en-US" smtClean="0"/>
-              <a:t>4/1/2021</a:t>
+              <a:t>4/2/2021</a:t>
             </a:fld>
             <a:endParaRPr lang="en-US"/>
           </a:p>
@@ -1431,7 +1431,7 @@
           <a:p>
             <a:fld id="{AE0E715C-AA47-451B-8428-51E0E470A79D}" type="datetimeFigureOut">
               <a:rPr lang="en-US" smtClean="0"/>
-              <a:t>4/1/2021</a:t>
+              <a:t>4/2/2021</a:t>
             </a:fld>
             <a:endParaRPr lang="en-US"/>
           </a:p>
@@ -1843,7 +1843,7 @@
           <a:p>
             <a:fld id="{AE0E715C-AA47-451B-8428-51E0E470A79D}" type="datetimeFigureOut">
               <a:rPr lang="en-US" smtClean="0"/>
-              <a:t>4/1/2021</a:t>
+              <a:t>4/2/2021</a:t>
             </a:fld>
             <a:endParaRPr lang="en-US"/>
           </a:p>
@@ -1984,7 +1984,7 @@
           <a:p>
             <a:fld id="{AE0E715C-AA47-451B-8428-51E0E470A79D}" type="datetimeFigureOut">
               <a:rPr lang="en-US" smtClean="0"/>
-              <a:t>4/1/2021</a:t>
+              <a:t>4/2/2021</a:t>
             </a:fld>
             <a:endParaRPr lang="en-US"/>
           </a:p>
@@ -2097,7 +2097,7 @@
           <a:p>
             <a:fld id="{AE0E715C-AA47-451B-8428-51E0E470A79D}" type="datetimeFigureOut">
               <a:rPr lang="en-US" smtClean="0"/>
-              <a:t>4/1/2021</a:t>
+              <a:t>4/2/2021</a:t>
             </a:fld>
             <a:endParaRPr lang="en-US"/>
           </a:p>
@@ -2408,7 +2408,7 @@
           <a:p>
             <a:fld id="{AE0E715C-AA47-451B-8428-51E0E470A79D}" type="datetimeFigureOut">
               <a:rPr lang="en-US" smtClean="0"/>
-              <a:t>4/1/2021</a:t>
+              <a:t>4/2/2021</a:t>
             </a:fld>
             <a:endParaRPr lang="en-US"/>
           </a:p>
@@ -2696,7 +2696,7 @@
           <a:p>
             <a:fld id="{AE0E715C-AA47-451B-8428-51E0E470A79D}" type="datetimeFigureOut">
               <a:rPr lang="en-US" smtClean="0"/>
-              <a:t>4/1/2021</a:t>
+              <a:t>4/2/2021</a:t>
             </a:fld>
             <a:endParaRPr lang="en-US"/>
           </a:p>
@@ -2937,7 +2937,7 @@
           <a:p>
             <a:fld id="{AE0E715C-AA47-451B-8428-51E0E470A79D}" type="datetimeFigureOut">
               <a:rPr lang="en-US" smtClean="0"/>
-              <a:t>4/1/2021</a:t>
+              <a:t>4/2/2021</a:t>
             </a:fld>
             <a:endParaRPr lang="en-US"/>
           </a:p>
@@ -4386,7 +4386,9 @@
         </p:nvSpPr>
         <p:spPr/>
         <p:txBody>
-          <a:bodyPr/>
+          <a:bodyPr>
+            <a:normAutofit lnSpcReduction="10000"/>
+          </a:bodyPr>
           <a:lstStyle/>
           <a:p>
             <a:r>
@@ -4432,6 +4434,55 @@
               <a:rPr lang="en-US" dirty="0"/>
               <a:t>: XML path – path to the element</a:t>
             </a:r>
+          </a:p>
+          <a:p>
+            <a:pPr lvl="1"/>
+            <a:r>
+              <a:rPr lang="en-US" dirty="0"/>
+              <a:t>Name</a:t>
+            </a:r>
+          </a:p>
+          <a:p>
+            <a:pPr lvl="1"/>
+            <a:r>
+              <a:rPr lang="en-US" dirty="0"/>
+              <a:t>Id</a:t>
+            </a:r>
+          </a:p>
+          <a:p>
+            <a:pPr lvl="1"/>
+            <a:r>
+              <a:rPr lang="en-US" dirty="0"/>
+              <a:t>Class</a:t>
+            </a:r>
+          </a:p>
+          <a:p>
+            <a:pPr lvl="1"/>
+            <a:r>
+              <a:rPr lang="en-US" dirty="0"/>
+              <a:t>Etc.</a:t>
+            </a:r>
+          </a:p>
+          <a:p>
+            <a:r>
+              <a:rPr lang="en-US" dirty="0" err="1"/>
+              <a:t>driver.findElement</a:t>
+            </a:r>
+            <a:r>
+              <a:rPr lang="en-US" dirty="0"/>
+              <a:t>(By.[locator]).[event]()</a:t>
+            </a:r>
+          </a:p>
+          <a:p>
+            <a:r>
+              <a:rPr lang="en-US" dirty="0"/>
+              <a:t>Examples of events: click, submit, </a:t>
+            </a:r>
+            <a:r>
+              <a:rPr lang="en-US"/>
+              <a:t>sendkeys</a:t>
+            </a:r>
+            <a:endParaRPr lang="en-US" dirty="0"/>
           </a:p>
           <a:p>
             <a:pPr lvl="2"/>
@@ -8207,7 +8258,15 @@
             <a:pPr lvl="1"/>
             <a:r>
               <a:rPr lang="en-US" dirty="0"/>
-              <a:t>Selenium, Protractor, Postman</a:t>
+              <a:t>Selenium, Protractor, Postman (for </a:t>
+            </a:r>
+            <a:r>
+              <a:rPr lang="en-US" dirty="0" err="1"/>
+              <a:t>apis</a:t>
+            </a:r>
+            <a:r>
+              <a:rPr lang="en-US" dirty="0"/>
+              <a:t>)</a:t>
             </a:r>
           </a:p>
           <a:p>
